--- a/files/PPT/二技第111208組-MRTaipei｜台北先生-簡報.pptx
+++ b/files/PPT/二技第111208組-MRTaipei｜台北先生-簡報.pptx
@@ -13,9 +13,9 @@
   <p:sldIdLst>
     <p:sldId id="256" r:id="rId2"/>
     <p:sldId id="290" r:id="rId3"/>
-    <p:sldId id="291" r:id="rId4"/>
-    <p:sldId id="303" r:id="rId5"/>
-    <p:sldId id="292" r:id="rId6"/>
+    <p:sldId id="304" r:id="rId4"/>
+    <p:sldId id="305" r:id="rId5"/>
+    <p:sldId id="306" r:id="rId6"/>
     <p:sldId id="260" r:id="rId7"/>
     <p:sldId id="293" r:id="rId8"/>
     <p:sldId id="294" r:id="rId9"/>
@@ -282,10 +282,66 @@
       <p15:notesGuideLst xmlns:p15="http://schemas.microsoft.com/office/powerpoint/2012/main"/>
     </p:ext>
     <p:ext uri="http://customooxmlschemas.google.com/">
-      <go:slidesCustomData xmlns:go="http://customooxmlschemas.google.com/" xmlns:ahyp="http://schemas.microsoft.com/office/drawing/2018/hyperlinkcolor" xmlns:p15="http://schemas.microsoft.com/office/powerpoint/2012/main" xmlns:p14="http://schemas.microsoft.com/office/powerpoint/2010/main" xmlns:com="http://schemas.openxmlformats.org/drawingml/2006/compatibility" xmlns:pvml="urn:schemas-microsoft-com:office:powerpoint" xmlns:v="urn:schemas-microsoft-com:vml" xmlns:o="urn:schemas-microsoft-com:office:office" xmlns:dgm="http://schemas.openxmlformats.org/drawingml/2006/diagram" xmlns:c="http://schemas.openxmlformats.org/drawingml/2006/chart" xmlns:mv="urn:schemas-microsoft-com:mac:vml" xmlns:mc="http://schemas.openxmlformats.org/markup-compatibility/2006" xmlns="" r:id="rId37" roundtripDataSignature="AMtx7mjiKT1yVaeywyoPlPSu1Mu7EKCAww=="/>
+      <go:slidesCustomData xmlns="" xmlns:mc="http://schemas.openxmlformats.org/markup-compatibility/2006" xmlns:mv="urn:schemas-microsoft-com:mac:vml" xmlns:c="http://schemas.openxmlformats.org/drawingml/2006/chart" xmlns:dgm="http://schemas.openxmlformats.org/drawingml/2006/diagram" xmlns:o="urn:schemas-microsoft-com:office:office" xmlns:v="urn:schemas-microsoft-com:vml" xmlns:pvml="urn:schemas-microsoft-com:office:powerpoint" xmlns:com="http://schemas.openxmlformats.org/drawingml/2006/compatibility" xmlns:p14="http://schemas.microsoft.com/office/powerpoint/2010/main" xmlns:p15="http://schemas.microsoft.com/office/powerpoint/2012/main" xmlns:ahyp="http://schemas.microsoft.com/office/drawing/2018/hyperlinkcolor" xmlns:go="http://customooxmlschemas.google.com/" r:id="rId37" roundtripDataSignature="AMtx7mjiKT1yVaeywyoPlPSu1Mu7EKCAww=="/>
     </p:ext>
   </p:extLst>
 </p:presentation>
+</file>
+
+<file path=ppt/changesInfos/changesInfo1.xml><?xml version="1.0" encoding="utf-8"?>
+<pc:chgInfo xmlns:a="http://schemas.openxmlformats.org/drawingml/2006/main" xmlns:r="http://schemas.openxmlformats.org/officeDocument/2006/relationships" xmlns:ac="http://schemas.microsoft.com/office/drawing/2013/main/command" xmlns:pc="http://schemas.microsoft.com/office/powerpoint/2013/main/command">
+  <pc:docChgLst>
+    <pc:chgData name="渝捷 龔" userId="2490d0ff12808c59" providerId="LiveId" clId="{38F419AE-FF1E-4304-827B-D807DD6E2F6C}"/>
+    <pc:docChg chg="addSld delSld modSld">
+      <pc:chgData name="渝捷 龔" userId="2490d0ff12808c59" providerId="LiveId" clId="{38F419AE-FF1E-4304-827B-D807DD6E2F6C}" dt="2022-05-21T03:41:47.270" v="5" actId="2696"/>
+      <pc:docMkLst>
+        <pc:docMk/>
+      </pc:docMkLst>
+      <pc:sldChg chg="del">
+        <pc:chgData name="渝捷 龔" userId="2490d0ff12808c59" providerId="LiveId" clId="{38F419AE-FF1E-4304-827B-D807DD6E2F6C}" dt="2022-05-21T03:41:43.720" v="3" actId="2696"/>
+        <pc:sldMkLst>
+          <pc:docMk/>
+          <pc:sldMk cId="1601659528" sldId="291"/>
+        </pc:sldMkLst>
+      </pc:sldChg>
+      <pc:sldChg chg="del">
+        <pc:chgData name="渝捷 龔" userId="2490d0ff12808c59" providerId="LiveId" clId="{38F419AE-FF1E-4304-827B-D807DD6E2F6C}" dt="2022-05-21T03:41:47.270" v="5" actId="2696"/>
+        <pc:sldMkLst>
+          <pc:docMk/>
+          <pc:sldMk cId="1001035921" sldId="292"/>
+        </pc:sldMkLst>
+      </pc:sldChg>
+      <pc:sldChg chg="del">
+        <pc:chgData name="渝捷 龔" userId="2490d0ff12808c59" providerId="LiveId" clId="{38F419AE-FF1E-4304-827B-D807DD6E2F6C}" dt="2022-05-21T03:41:45.616" v="4" actId="2696"/>
+        <pc:sldMkLst>
+          <pc:docMk/>
+          <pc:sldMk cId="4144370718" sldId="303"/>
+        </pc:sldMkLst>
+      </pc:sldChg>
+      <pc:sldChg chg="add">
+        <pc:chgData name="渝捷 龔" userId="2490d0ff12808c59" providerId="LiveId" clId="{38F419AE-FF1E-4304-827B-D807DD6E2F6C}" dt="2022-05-21T03:41:31.459" v="0"/>
+        <pc:sldMkLst>
+          <pc:docMk/>
+          <pc:sldMk cId="3926029538" sldId="304"/>
+        </pc:sldMkLst>
+      </pc:sldChg>
+      <pc:sldChg chg="add">
+        <pc:chgData name="渝捷 龔" userId="2490d0ff12808c59" providerId="LiveId" clId="{38F419AE-FF1E-4304-827B-D807DD6E2F6C}" dt="2022-05-21T03:41:34.132" v="1"/>
+        <pc:sldMkLst>
+          <pc:docMk/>
+          <pc:sldMk cId="78332151" sldId="305"/>
+        </pc:sldMkLst>
+      </pc:sldChg>
+      <pc:sldChg chg="add">
+        <pc:chgData name="渝捷 龔" userId="2490d0ff12808c59" providerId="LiveId" clId="{38F419AE-FF1E-4304-827B-D807DD6E2F6C}" dt="2022-05-21T03:41:36.009" v="2"/>
+        <pc:sldMkLst>
+          <pc:docMk/>
+          <pc:sldMk cId="658817696" sldId="306"/>
+        </pc:sldMkLst>
+      </pc:sldChg>
+    </pc:docChg>
+  </pc:docChgLst>
+</pc:chgInfo>
 </file>
 
 <file path=ppt/handoutMasters/handoutMaster1.xml><?xml version="1.0" encoding="utf-8"?>
@@ -382,7 +438,7 @@
           <a:p>
             <a:fld id="{DE85EE6E-6BA8-E846-BF1C-6BE0FA6C4A2F}" type="datetimeFigureOut">
               <a:rPr kumimoji="1" lang="zh-TW" altLang="en-US" smtClean="0"/>
-              <a:t>2022/5/19</a:t>
+              <a:t>2022/5/21</a:t>
             </a:fld>
             <a:endParaRPr kumimoji="1" lang="zh-TW" altLang="en-US"/>
           </a:p>
@@ -12666,10 +12722,781 @@
           </a:p>
         </p:txBody>
       </p:sp>
+      <p:cxnSp>
+        <p:nvCxnSpPr>
+          <p:cNvPr id="3" name="Google Shape;75;g12973218630_0_4">
+            <a:extLst>
+              <a:ext uri="{FF2B5EF4-FFF2-40B4-BE49-F238E27FC236}">
+                <a16:creationId xmlns:a16="http://schemas.microsoft.com/office/drawing/2014/main" id="{0CD71302-CF09-F56C-A55C-BA174FF9A9BF}"/>
+              </a:ext>
+            </a:extLst>
+          </p:cNvPr>
+          <p:cNvCxnSpPr/>
+          <p:nvPr/>
+        </p:nvCxnSpPr>
+        <p:spPr>
+          <a:xfrm>
+            <a:off x="3632913" y="2175475"/>
+            <a:ext cx="623400" cy="13200"/>
+          </a:xfrm>
+          <a:prstGeom prst="straightConnector1">
+            <a:avLst/>
+          </a:prstGeom>
+          <a:noFill/>
+          <a:ln w="38100" cap="flat" cmpd="sng">
+            <a:solidFill>
+              <a:srgbClr val="B6D7A8"/>
+            </a:solidFill>
+            <a:prstDash val="solid"/>
+            <a:round/>
+            <a:headEnd type="none" w="sm" len="sm"/>
+            <a:tailEnd type="stealth" w="med" len="med"/>
+          </a:ln>
+        </p:spPr>
+      </p:cxnSp>
+      <p:cxnSp>
+        <p:nvCxnSpPr>
+          <p:cNvPr id="4" name="Google Shape;76;g12973218630_0_4">
+            <a:extLst>
+              <a:ext uri="{FF2B5EF4-FFF2-40B4-BE49-F238E27FC236}">
+                <a16:creationId xmlns:a16="http://schemas.microsoft.com/office/drawing/2014/main" id="{C777FE48-8842-A127-70E0-D946DEF0798B}"/>
+              </a:ext>
+            </a:extLst>
+          </p:cNvPr>
+          <p:cNvCxnSpPr/>
+          <p:nvPr/>
+        </p:nvCxnSpPr>
+        <p:spPr>
+          <a:xfrm>
+            <a:off x="3632913" y="4040875"/>
+            <a:ext cx="623400" cy="13200"/>
+          </a:xfrm>
+          <a:prstGeom prst="straightConnector1">
+            <a:avLst/>
+          </a:prstGeom>
+          <a:noFill/>
+          <a:ln w="38100" cap="flat" cmpd="sng">
+            <a:solidFill>
+              <a:srgbClr val="B6D7A8"/>
+            </a:solidFill>
+            <a:prstDash val="solid"/>
+            <a:round/>
+            <a:headEnd type="none" w="sm" len="sm"/>
+            <a:tailEnd type="stealth" w="med" len="med"/>
+          </a:ln>
+        </p:spPr>
+      </p:cxnSp>
+      <p:cxnSp>
+        <p:nvCxnSpPr>
+          <p:cNvPr id="5" name="Google Shape;77;g12973218630_0_4">
+            <a:extLst>
+              <a:ext uri="{FF2B5EF4-FFF2-40B4-BE49-F238E27FC236}">
+                <a16:creationId xmlns:a16="http://schemas.microsoft.com/office/drawing/2014/main" id="{417C342E-68D7-0E53-E7C2-352CAA9EFA4B}"/>
+              </a:ext>
+            </a:extLst>
+          </p:cNvPr>
+          <p:cNvCxnSpPr/>
+          <p:nvPr/>
+        </p:nvCxnSpPr>
+        <p:spPr>
+          <a:xfrm>
+            <a:off x="3632913" y="5906275"/>
+            <a:ext cx="623400" cy="13200"/>
+          </a:xfrm>
+          <a:prstGeom prst="straightConnector1">
+            <a:avLst/>
+          </a:prstGeom>
+          <a:noFill/>
+          <a:ln w="38100" cap="flat" cmpd="sng">
+            <a:solidFill>
+              <a:srgbClr val="B6D7A8"/>
+            </a:solidFill>
+            <a:prstDash val="solid"/>
+            <a:round/>
+            <a:headEnd type="none" w="sm" len="sm"/>
+            <a:tailEnd type="stealth" w="med" len="med"/>
+          </a:ln>
+        </p:spPr>
+      </p:cxnSp>
+      <p:sp>
+        <p:nvSpPr>
+          <p:cNvPr id="6" name="Google Shape;78;g12973218630_0_4">
+            <a:extLst>
+              <a:ext uri="{FF2B5EF4-FFF2-40B4-BE49-F238E27FC236}">
+                <a16:creationId xmlns:a16="http://schemas.microsoft.com/office/drawing/2014/main" id="{7EC76F3B-FF47-B4D7-46D2-398EA15024CF}"/>
+              </a:ext>
+            </a:extLst>
+          </p:cNvPr>
+          <p:cNvSpPr/>
+          <p:nvPr/>
+        </p:nvSpPr>
+        <p:spPr>
+          <a:xfrm>
+            <a:off x="4728163" y="1801250"/>
+            <a:ext cx="1263900" cy="707700"/>
+          </a:xfrm>
+          <a:prstGeom prst="roundRect">
+            <a:avLst>
+              <a:gd name="adj" fmla="val 16667"/>
+            </a:avLst>
+          </a:prstGeom>
+          <a:noFill/>
+          <a:ln w="28575" cap="flat" cmpd="sng">
+            <a:solidFill>
+              <a:srgbClr val="97CCD4"/>
+            </a:solidFill>
+            <a:prstDash val="solid"/>
+            <a:round/>
+            <a:headEnd type="none" w="sm" len="sm"/>
+            <a:tailEnd type="none" w="sm" len="sm"/>
+          </a:ln>
+        </p:spPr>
+        <p:txBody>
+          <a:bodyPr spcFirstLastPara="1" wrap="square" lIns="91425" tIns="91425" rIns="91425" bIns="91425" anchor="ctr" anchorCtr="0">
+            <a:noAutofit/>
+          </a:bodyPr>
+          <a:lstStyle/>
+          <a:p>
+            <a:pPr marL="0" marR="0" lvl="0" indent="0" algn="ctr" rtl="0">
+              <a:lnSpc>
+                <a:spcPct val="100000"/>
+              </a:lnSpc>
+              <a:spcBef>
+                <a:spcPts val="0"/>
+              </a:spcBef>
+              <a:spcAft>
+                <a:spcPts val="0"/>
+              </a:spcAft>
+              <a:buClr>
+                <a:srgbClr val="000000"/>
+              </a:buClr>
+              <a:buSzPts val="2800"/>
+              <a:buFont typeface="Arial"/>
+              <a:buNone/>
+            </a:pPr>
+            <a:r>
+              <a:rPr lang="en-US" sz="2400" b="0" i="0" u="none" strike="noStrike" cap="none" dirty="0" err="1">
+                <a:solidFill>
+                  <a:schemeClr val="tx2">
+                    <a:lumMod val="25000"/>
+                  </a:schemeClr>
+                </a:solidFill>
+                <a:latin typeface="Microsoft YaHei" panose="020B0503020204020204" pitchFamily="34" charset="-122"/>
+                <a:ea typeface="Microsoft YaHei" panose="020B0503020204020204" pitchFamily="34" charset="-122"/>
+                <a:sym typeface="Arial"/>
+              </a:rPr>
+              <a:t>迷路</a:t>
+            </a:r>
+            <a:endParaRPr sz="2400" b="0" i="0" u="none" strike="noStrike" cap="none" dirty="0">
+              <a:solidFill>
+                <a:schemeClr val="tx2">
+                  <a:lumMod val="25000"/>
+                </a:schemeClr>
+              </a:solidFill>
+              <a:latin typeface="Microsoft YaHei" panose="020B0503020204020204" pitchFamily="34" charset="-122"/>
+              <a:ea typeface="Microsoft YaHei" panose="020B0503020204020204" pitchFamily="34" charset="-122"/>
+              <a:sym typeface="Arial"/>
+            </a:endParaRPr>
+          </a:p>
+        </p:txBody>
+      </p:sp>
+      <p:sp>
+        <p:nvSpPr>
+          <p:cNvPr id="7" name="Google Shape;79;g12973218630_0_4">
+            <a:extLst>
+              <a:ext uri="{FF2B5EF4-FFF2-40B4-BE49-F238E27FC236}">
+                <a16:creationId xmlns:a16="http://schemas.microsoft.com/office/drawing/2014/main" id="{A30E9BF7-8A0D-6789-EB13-00C9115B53A1}"/>
+              </a:ext>
+            </a:extLst>
+          </p:cNvPr>
+          <p:cNvSpPr/>
+          <p:nvPr/>
+        </p:nvSpPr>
+        <p:spPr>
+          <a:xfrm>
+            <a:off x="6283597" y="1801250"/>
+            <a:ext cx="1583100" cy="707700"/>
+          </a:xfrm>
+          <a:prstGeom prst="roundRect">
+            <a:avLst>
+              <a:gd name="adj" fmla="val 16667"/>
+            </a:avLst>
+          </a:prstGeom>
+          <a:noFill/>
+          <a:ln w="28575" cap="flat" cmpd="sng">
+            <a:solidFill>
+              <a:srgbClr val="97CCD4"/>
+            </a:solidFill>
+            <a:prstDash val="solid"/>
+            <a:round/>
+            <a:headEnd type="none" w="sm" len="sm"/>
+            <a:tailEnd type="none" w="sm" len="sm"/>
+          </a:ln>
+        </p:spPr>
+        <p:txBody>
+          <a:bodyPr spcFirstLastPara="1" wrap="square" lIns="91425" tIns="91425" rIns="91425" bIns="91425" anchor="ctr" anchorCtr="0">
+            <a:noAutofit/>
+          </a:bodyPr>
+          <a:lstStyle/>
+          <a:p>
+            <a:pPr marL="0" marR="0" lvl="0" indent="0" algn="ctr" rtl="0">
+              <a:lnSpc>
+                <a:spcPct val="100000"/>
+              </a:lnSpc>
+              <a:spcBef>
+                <a:spcPts val="0"/>
+              </a:spcBef>
+              <a:spcAft>
+                <a:spcPts val="0"/>
+              </a:spcAft>
+              <a:buClr>
+                <a:srgbClr val="000000"/>
+              </a:buClr>
+              <a:buSzPts val="2800"/>
+              <a:buFont typeface="Arial"/>
+              <a:buNone/>
+            </a:pPr>
+            <a:r>
+              <a:rPr lang="en-US" sz="2400" b="0" i="0" u="none" strike="noStrike" cap="none" dirty="0" err="1">
+                <a:solidFill>
+                  <a:schemeClr val="tx2">
+                    <a:lumMod val="25000"/>
+                  </a:schemeClr>
+                </a:solidFill>
+                <a:latin typeface="Microsoft YaHei" panose="020B0503020204020204" pitchFamily="34" charset="-122"/>
+                <a:ea typeface="Microsoft YaHei" panose="020B0503020204020204" pitchFamily="34" charset="-122"/>
+                <a:sym typeface="Arial"/>
+              </a:rPr>
+              <a:t>遺失物</a:t>
+            </a:r>
+            <a:endParaRPr sz="2400" b="0" i="0" u="none" strike="noStrike" cap="none" dirty="0">
+              <a:solidFill>
+                <a:schemeClr val="tx2">
+                  <a:lumMod val="25000"/>
+                </a:schemeClr>
+              </a:solidFill>
+              <a:latin typeface="Microsoft YaHei" panose="020B0503020204020204" pitchFamily="34" charset="-122"/>
+              <a:ea typeface="Microsoft YaHei" panose="020B0503020204020204" pitchFamily="34" charset="-122"/>
+              <a:sym typeface="Arial"/>
+            </a:endParaRPr>
+          </a:p>
+        </p:txBody>
+      </p:sp>
+      <p:sp>
+        <p:nvSpPr>
+          <p:cNvPr id="8" name="Google Shape;80;g12973218630_0_4">
+            <a:extLst>
+              <a:ext uri="{FF2B5EF4-FFF2-40B4-BE49-F238E27FC236}">
+                <a16:creationId xmlns:a16="http://schemas.microsoft.com/office/drawing/2014/main" id="{830DAB37-E1F9-10C9-6579-9177B6A86787}"/>
+              </a:ext>
+            </a:extLst>
+          </p:cNvPr>
+          <p:cNvSpPr/>
+          <p:nvPr/>
+        </p:nvSpPr>
+        <p:spPr>
+          <a:xfrm>
+            <a:off x="8158231" y="1796798"/>
+            <a:ext cx="2526000" cy="707700"/>
+          </a:xfrm>
+          <a:prstGeom prst="roundRect">
+            <a:avLst>
+              <a:gd name="adj" fmla="val 16667"/>
+            </a:avLst>
+          </a:prstGeom>
+          <a:noFill/>
+          <a:ln w="28575" cap="flat" cmpd="sng">
+            <a:solidFill>
+              <a:srgbClr val="97CCD4"/>
+            </a:solidFill>
+            <a:prstDash val="solid"/>
+            <a:round/>
+            <a:headEnd type="none" w="sm" len="sm"/>
+            <a:tailEnd type="none" w="sm" len="sm"/>
+          </a:ln>
+        </p:spPr>
+        <p:txBody>
+          <a:bodyPr spcFirstLastPara="1" wrap="square" lIns="91425" tIns="91425" rIns="91425" bIns="91425" anchor="ctr" anchorCtr="0">
+            <a:noAutofit/>
+          </a:bodyPr>
+          <a:lstStyle/>
+          <a:p>
+            <a:pPr marL="0" marR="0" lvl="0" indent="0" algn="ctr" rtl="0">
+              <a:lnSpc>
+                <a:spcPct val="100000"/>
+              </a:lnSpc>
+              <a:spcBef>
+                <a:spcPts val="0"/>
+              </a:spcBef>
+              <a:spcAft>
+                <a:spcPts val="0"/>
+              </a:spcAft>
+              <a:buClr>
+                <a:srgbClr val="000000"/>
+              </a:buClr>
+              <a:buSzPts val="2800"/>
+              <a:buFont typeface="Arial"/>
+              <a:buNone/>
+            </a:pPr>
+            <a:r>
+              <a:rPr lang="en-US" sz="2400" b="0" i="0" u="none" strike="noStrike" cap="none" dirty="0" err="1">
+                <a:solidFill>
+                  <a:schemeClr val="tx2">
+                    <a:lumMod val="25000"/>
+                  </a:schemeClr>
+                </a:solidFill>
+                <a:latin typeface="Microsoft YaHei" panose="020B0503020204020204" pitchFamily="34" charset="-122"/>
+                <a:ea typeface="Microsoft YaHei" panose="020B0503020204020204" pitchFamily="34" charset="-122"/>
+                <a:sym typeface="Arial"/>
+              </a:rPr>
+              <a:t>出口資訊複雜</a:t>
+            </a:r>
+            <a:endParaRPr sz="2400" b="0" i="0" u="none" strike="noStrike" cap="none" dirty="0">
+              <a:solidFill>
+                <a:schemeClr val="tx2">
+                  <a:lumMod val="25000"/>
+                </a:schemeClr>
+              </a:solidFill>
+              <a:latin typeface="Microsoft YaHei" panose="020B0503020204020204" pitchFamily="34" charset="-122"/>
+              <a:ea typeface="Microsoft YaHei" panose="020B0503020204020204" pitchFamily="34" charset="-122"/>
+              <a:sym typeface="Arial"/>
+            </a:endParaRPr>
+          </a:p>
+        </p:txBody>
+      </p:sp>
+      <p:sp>
+        <p:nvSpPr>
+          <p:cNvPr id="9" name="Google Shape;82;g12973218630_0_4">
+            <a:extLst>
+              <a:ext uri="{FF2B5EF4-FFF2-40B4-BE49-F238E27FC236}">
+                <a16:creationId xmlns:a16="http://schemas.microsoft.com/office/drawing/2014/main" id="{CB064703-3994-8D96-4C39-117C76F5B7A1}"/>
+              </a:ext>
+            </a:extLst>
+          </p:cNvPr>
+          <p:cNvSpPr/>
+          <p:nvPr/>
+        </p:nvSpPr>
+        <p:spPr>
+          <a:xfrm>
+            <a:off x="4728164" y="3700225"/>
+            <a:ext cx="2946266" cy="707700"/>
+          </a:xfrm>
+          <a:prstGeom prst="roundRect">
+            <a:avLst>
+              <a:gd name="adj" fmla="val 16667"/>
+            </a:avLst>
+          </a:prstGeom>
+          <a:noFill/>
+          <a:ln w="28575" cap="flat" cmpd="sng">
+            <a:solidFill>
+              <a:srgbClr val="97CCD4"/>
+            </a:solidFill>
+            <a:prstDash val="solid"/>
+            <a:round/>
+            <a:headEnd type="none" w="sm" len="sm"/>
+            <a:tailEnd type="none" w="sm" len="sm"/>
+          </a:ln>
+        </p:spPr>
+        <p:txBody>
+          <a:bodyPr spcFirstLastPara="1" wrap="square" lIns="91425" tIns="91425" rIns="91425" bIns="91425" anchor="ctr" anchorCtr="0">
+            <a:noAutofit/>
+          </a:bodyPr>
+          <a:lstStyle/>
+          <a:p>
+            <a:pPr marL="0" marR="0" lvl="0" indent="0" algn="ctr" rtl="0">
+              <a:lnSpc>
+                <a:spcPct val="100000"/>
+              </a:lnSpc>
+              <a:spcBef>
+                <a:spcPts val="0"/>
+              </a:spcBef>
+              <a:spcAft>
+                <a:spcPts val="0"/>
+              </a:spcAft>
+              <a:buClr>
+                <a:srgbClr val="000000"/>
+              </a:buClr>
+              <a:buSzPts val="2800"/>
+              <a:buFont typeface="Arial"/>
+              <a:buNone/>
+            </a:pPr>
+            <a:r>
+              <a:rPr lang="en-US" sz="2400" b="0" i="0" u="none" strike="noStrike" cap="none" dirty="0" err="1">
+                <a:solidFill>
+                  <a:schemeClr val="tx2">
+                    <a:lumMod val="25000"/>
+                  </a:schemeClr>
+                </a:solidFill>
+                <a:latin typeface="Microsoft YaHei" panose="020B0503020204020204" pitchFamily="34" charset="-122"/>
+                <a:ea typeface="Microsoft YaHei" panose="020B0503020204020204" pitchFamily="34" charset="-122"/>
+                <a:sym typeface="Arial"/>
+              </a:rPr>
+              <a:t>無一站式轉乘資訊</a:t>
+            </a:r>
+            <a:endParaRPr sz="2400" b="0" i="0" u="none" strike="noStrike" cap="none" dirty="0">
+              <a:solidFill>
+                <a:schemeClr val="tx2">
+                  <a:lumMod val="25000"/>
+                </a:schemeClr>
+              </a:solidFill>
+              <a:latin typeface="Microsoft YaHei" panose="020B0503020204020204" pitchFamily="34" charset="-122"/>
+              <a:ea typeface="Microsoft YaHei" panose="020B0503020204020204" pitchFamily="34" charset="-122"/>
+              <a:sym typeface="Arial"/>
+            </a:endParaRPr>
+          </a:p>
+        </p:txBody>
+      </p:sp>
+      <p:sp>
+        <p:nvSpPr>
+          <p:cNvPr id="10" name="Google Shape;84;g12973218630_0_4">
+            <a:extLst>
+              <a:ext uri="{FF2B5EF4-FFF2-40B4-BE49-F238E27FC236}">
+                <a16:creationId xmlns:a16="http://schemas.microsoft.com/office/drawing/2014/main" id="{5001712B-48C0-E4F0-8026-693ED060F515}"/>
+              </a:ext>
+            </a:extLst>
+          </p:cNvPr>
+          <p:cNvSpPr/>
+          <p:nvPr/>
+        </p:nvSpPr>
+        <p:spPr>
+          <a:xfrm>
+            <a:off x="4728164" y="5565625"/>
+            <a:ext cx="2750322" cy="707700"/>
+          </a:xfrm>
+          <a:prstGeom prst="roundRect">
+            <a:avLst>
+              <a:gd name="adj" fmla="val 16667"/>
+            </a:avLst>
+          </a:prstGeom>
+          <a:noFill/>
+          <a:ln w="28575" cap="flat" cmpd="sng">
+            <a:solidFill>
+              <a:srgbClr val="97CCD4"/>
+            </a:solidFill>
+            <a:prstDash val="solid"/>
+            <a:round/>
+            <a:headEnd type="none" w="sm" len="sm"/>
+            <a:tailEnd type="none" w="sm" len="sm"/>
+          </a:ln>
+        </p:spPr>
+        <p:txBody>
+          <a:bodyPr spcFirstLastPara="1" wrap="square" lIns="91425" tIns="91425" rIns="91425" bIns="91425" anchor="ctr" anchorCtr="0">
+            <a:noAutofit/>
+          </a:bodyPr>
+          <a:lstStyle/>
+          <a:p>
+            <a:pPr marL="0" marR="0" lvl="0" indent="0" algn="ctr" rtl="0">
+              <a:lnSpc>
+                <a:spcPct val="115000"/>
+              </a:lnSpc>
+              <a:spcBef>
+                <a:spcPts val="0"/>
+              </a:spcBef>
+              <a:spcAft>
+                <a:spcPts val="0"/>
+              </a:spcAft>
+              <a:buNone/>
+            </a:pPr>
+            <a:r>
+              <a:rPr lang="en-US" sz="2400" b="0" i="0" u="none" strike="noStrike" cap="none" dirty="0" err="1">
+                <a:solidFill>
+                  <a:schemeClr val="tx2">
+                    <a:lumMod val="25000"/>
+                  </a:schemeClr>
+                </a:solidFill>
+                <a:latin typeface="Microsoft YaHei" panose="020B0503020204020204" pitchFamily="34" charset="-122"/>
+                <a:ea typeface="Microsoft YaHei" panose="020B0503020204020204" pitchFamily="34" charset="-122"/>
+                <a:sym typeface="Arial"/>
+              </a:rPr>
+              <a:t>遺失物查找不易</a:t>
+            </a:r>
+            <a:endParaRPr dirty="0">
+              <a:solidFill>
+                <a:schemeClr val="tx2">
+                  <a:lumMod val="25000"/>
+                </a:schemeClr>
+              </a:solidFill>
+              <a:latin typeface="Microsoft YaHei" panose="020B0503020204020204" pitchFamily="34" charset="-122"/>
+              <a:ea typeface="Microsoft YaHei" panose="020B0503020204020204" pitchFamily="34" charset="-122"/>
+            </a:endParaRPr>
+          </a:p>
+        </p:txBody>
+      </p:sp>
+      <p:sp>
+        <p:nvSpPr>
+          <p:cNvPr id="11" name="Google Shape;85;g12973218630_0_4">
+            <a:extLst>
+              <a:ext uri="{FF2B5EF4-FFF2-40B4-BE49-F238E27FC236}">
+                <a16:creationId xmlns:a16="http://schemas.microsoft.com/office/drawing/2014/main" id="{C81E1529-0857-3557-5B85-0FE1ED233A4F}"/>
+              </a:ext>
+            </a:extLst>
+          </p:cNvPr>
+          <p:cNvSpPr/>
+          <p:nvPr/>
+        </p:nvSpPr>
+        <p:spPr>
+          <a:xfrm>
+            <a:off x="7674429" y="5565625"/>
+            <a:ext cx="3009802" cy="707700"/>
+          </a:xfrm>
+          <a:prstGeom prst="roundRect">
+            <a:avLst>
+              <a:gd name="adj" fmla="val 16667"/>
+            </a:avLst>
+          </a:prstGeom>
+          <a:noFill/>
+          <a:ln w="28575" cap="flat" cmpd="sng">
+            <a:solidFill>
+              <a:srgbClr val="97CCD4"/>
+            </a:solidFill>
+            <a:prstDash val="solid"/>
+            <a:round/>
+            <a:headEnd type="none" w="sm" len="sm"/>
+            <a:tailEnd type="none" w="sm" len="sm"/>
+          </a:ln>
+        </p:spPr>
+        <p:txBody>
+          <a:bodyPr spcFirstLastPara="1" wrap="square" lIns="91425" tIns="91425" rIns="91425" bIns="91425" anchor="ctr" anchorCtr="0">
+            <a:noAutofit/>
+          </a:bodyPr>
+          <a:lstStyle/>
+          <a:p>
+            <a:pPr marL="0" marR="0" lvl="0" indent="0" algn="ctr" rtl="0">
+              <a:lnSpc>
+                <a:spcPct val="115000"/>
+              </a:lnSpc>
+              <a:spcBef>
+                <a:spcPts val="0"/>
+              </a:spcBef>
+              <a:spcAft>
+                <a:spcPts val="0"/>
+              </a:spcAft>
+              <a:buClr>
+                <a:srgbClr val="000000"/>
+              </a:buClr>
+              <a:buSzPts val="2800"/>
+              <a:buFont typeface="Arial"/>
+              <a:buNone/>
+            </a:pPr>
+            <a:r>
+              <a:rPr lang="zh-TW" altLang="en-US" sz="2400" b="0" i="0" u="none" strike="noStrike" cap="none" dirty="0">
+                <a:solidFill>
+                  <a:schemeClr val="tx2">
+                    <a:lumMod val="25000"/>
+                  </a:schemeClr>
+                </a:solidFill>
+                <a:latin typeface="Microsoft YaHei" panose="020B0503020204020204" pitchFamily="34" charset="-122"/>
+                <a:ea typeface="Microsoft YaHei" panose="020B0503020204020204" pitchFamily="34" charset="-122"/>
+                <a:sym typeface="Arial"/>
+              </a:rPr>
+              <a:t>人工處理時間漫長</a:t>
+            </a:r>
+            <a:endParaRPr sz="2400" b="0" i="0" u="none" strike="noStrike" cap="none" dirty="0">
+              <a:solidFill>
+                <a:schemeClr val="tx2">
+                  <a:lumMod val="25000"/>
+                </a:schemeClr>
+              </a:solidFill>
+              <a:latin typeface="Microsoft YaHei" panose="020B0503020204020204" pitchFamily="34" charset="-122"/>
+              <a:ea typeface="Microsoft YaHei" panose="020B0503020204020204" pitchFamily="34" charset="-122"/>
+              <a:sym typeface="Arial"/>
+            </a:endParaRPr>
+          </a:p>
+        </p:txBody>
+      </p:sp>
+      <p:pic>
+        <p:nvPicPr>
+          <p:cNvPr id="12" name="Picture 2">
+            <a:extLst>
+              <a:ext uri="{FF2B5EF4-FFF2-40B4-BE49-F238E27FC236}">
+                <a16:creationId xmlns:a16="http://schemas.microsoft.com/office/drawing/2014/main" id="{EFD3C325-3E10-A6D5-BB37-3DBE3EB53041}"/>
+              </a:ext>
+            </a:extLst>
+          </p:cNvPr>
+          <p:cNvPicPr>
+            <a:picLocks noChangeAspect="1" noChangeArrowheads="1"/>
+          </p:cNvPicPr>
+          <p:nvPr/>
+        </p:nvPicPr>
+        <p:blipFill>
+          <a:blip r:embed="rId2">
+            <a:extLst>
+              <a:ext uri="{28A0092B-C50C-407E-A947-70E740481C1C}">
+                <a14:useLocalDpi xmlns:a14="http://schemas.microsoft.com/office/drawing/2010/main" val="0"/>
+              </a:ext>
+            </a:extLst>
+          </a:blip>
+          <a:srcRect/>
+          <a:stretch>
+            <a:fillRect/>
+          </a:stretch>
+        </p:blipFill>
+        <p:spPr bwMode="auto">
+          <a:xfrm>
+            <a:off x="1604199" y="1529774"/>
+            <a:ext cx="1291402" cy="1291402"/>
+          </a:xfrm>
+          <a:prstGeom prst="rect">
+            <a:avLst/>
+          </a:prstGeom>
+          <a:noFill/>
+          <a:extLst>
+            <a:ext uri="{909E8E84-426E-40DD-AFC4-6F175D3DCCD1}">
+              <a14:hiddenFill xmlns:a14="http://schemas.microsoft.com/office/drawing/2010/main">
+                <a:solidFill>
+                  <a:srgbClr val="FFFFFF"/>
+                </a:solidFill>
+              </a14:hiddenFill>
+            </a:ext>
+          </a:extLst>
+        </p:spPr>
+      </p:pic>
+      <p:pic>
+        <p:nvPicPr>
+          <p:cNvPr id="13" name="圖片 12">
+            <a:extLst>
+              <a:ext uri="{FF2B5EF4-FFF2-40B4-BE49-F238E27FC236}">
+                <a16:creationId xmlns:a16="http://schemas.microsoft.com/office/drawing/2014/main" id="{8D424B0C-B030-5A91-1743-88F8225102D4}"/>
+              </a:ext>
+            </a:extLst>
+          </p:cNvPr>
+          <p:cNvPicPr>
+            <a:picLocks noChangeAspect="1"/>
+          </p:cNvPicPr>
+          <p:nvPr/>
+        </p:nvPicPr>
+        <p:blipFill>
+          <a:blip r:embed="rId3"/>
+          <a:stretch>
+            <a:fillRect/>
+          </a:stretch>
+        </p:blipFill>
+        <p:spPr>
+          <a:xfrm>
+            <a:off x="1604199" y="5238165"/>
+            <a:ext cx="1326511" cy="1336219"/>
+          </a:xfrm>
+          <a:prstGeom prst="rect">
+            <a:avLst/>
+          </a:prstGeom>
+        </p:spPr>
+      </p:pic>
+      <p:pic>
+        <p:nvPicPr>
+          <p:cNvPr id="14" name="圖片 13">
+            <a:extLst>
+              <a:ext uri="{FF2B5EF4-FFF2-40B4-BE49-F238E27FC236}">
+                <a16:creationId xmlns:a16="http://schemas.microsoft.com/office/drawing/2014/main" id="{D666B0CB-91BD-725E-4567-3C71B3D768C7}"/>
+              </a:ext>
+            </a:extLst>
+          </p:cNvPr>
+          <p:cNvPicPr>
+            <a:picLocks noChangeAspect="1"/>
+          </p:cNvPicPr>
+          <p:nvPr/>
+        </p:nvPicPr>
+        <p:blipFill>
+          <a:blip r:embed="rId4"/>
+          <a:stretch>
+            <a:fillRect/>
+          </a:stretch>
+        </p:blipFill>
+        <p:spPr>
+          <a:xfrm>
+            <a:off x="1604200" y="3367297"/>
+            <a:ext cx="1324746" cy="1324746"/>
+          </a:xfrm>
+          <a:prstGeom prst="rect">
+            <a:avLst/>
+          </a:prstGeom>
+        </p:spPr>
+      </p:pic>
+      <p:sp>
+        <p:nvSpPr>
+          <p:cNvPr id="15" name="Google Shape;82;g12973218630_0_4">
+            <a:extLst>
+              <a:ext uri="{FF2B5EF4-FFF2-40B4-BE49-F238E27FC236}">
+                <a16:creationId xmlns:a16="http://schemas.microsoft.com/office/drawing/2014/main" id="{53CD550E-8C53-471C-B49C-48B3E5737906}"/>
+              </a:ext>
+            </a:extLst>
+          </p:cNvPr>
+          <p:cNvSpPr/>
+          <p:nvPr/>
+        </p:nvSpPr>
+        <p:spPr>
+          <a:xfrm>
+            <a:off x="7866697" y="3693625"/>
+            <a:ext cx="2817534" cy="707700"/>
+          </a:xfrm>
+          <a:prstGeom prst="roundRect">
+            <a:avLst>
+              <a:gd name="adj" fmla="val 16667"/>
+            </a:avLst>
+          </a:prstGeom>
+          <a:noFill/>
+          <a:ln w="28575" cap="flat" cmpd="sng">
+            <a:solidFill>
+              <a:srgbClr val="97CCD4"/>
+            </a:solidFill>
+            <a:prstDash val="solid"/>
+            <a:round/>
+            <a:headEnd type="none" w="sm" len="sm"/>
+            <a:tailEnd type="none" w="sm" len="sm"/>
+          </a:ln>
+        </p:spPr>
+        <p:txBody>
+          <a:bodyPr spcFirstLastPara="1" wrap="square" lIns="91425" tIns="91425" rIns="91425" bIns="91425" anchor="ctr" anchorCtr="0">
+            <a:noAutofit/>
+          </a:bodyPr>
+          <a:lstStyle/>
+          <a:p>
+            <a:pPr marL="0" marR="0" lvl="0" indent="0" algn="ctr" rtl="0">
+              <a:lnSpc>
+                <a:spcPct val="100000"/>
+              </a:lnSpc>
+              <a:spcBef>
+                <a:spcPts val="0"/>
+              </a:spcBef>
+              <a:spcAft>
+                <a:spcPts val="0"/>
+              </a:spcAft>
+              <a:buClr>
+                <a:srgbClr val="000000"/>
+              </a:buClr>
+              <a:buSzPts val="2800"/>
+              <a:buFont typeface="Arial"/>
+              <a:buNone/>
+            </a:pPr>
+            <a:r>
+              <a:rPr lang="zh-TW" altLang="en-US" sz="2400" b="0" i="0" u="none" strike="noStrike" cap="none" dirty="0">
+                <a:solidFill>
+                  <a:schemeClr val="tx2">
+                    <a:lumMod val="25000"/>
+                  </a:schemeClr>
+                </a:solidFill>
+                <a:latin typeface="Microsoft YaHei" panose="020B0503020204020204" pitchFamily="34" charset="-122"/>
+                <a:ea typeface="Microsoft YaHei" panose="020B0503020204020204" pitchFamily="34" charset="-122"/>
+                <a:sym typeface="Arial"/>
+              </a:rPr>
+              <a:t>到站後無空位歸還</a:t>
+            </a:r>
+            <a:endParaRPr sz="2400" b="0" i="0" u="none" strike="noStrike" cap="none" dirty="0">
+              <a:solidFill>
+                <a:schemeClr val="tx2">
+                  <a:lumMod val="25000"/>
+                </a:schemeClr>
+              </a:solidFill>
+              <a:latin typeface="Microsoft YaHei" panose="020B0503020204020204" pitchFamily="34" charset="-122"/>
+              <a:ea typeface="Microsoft YaHei" panose="020B0503020204020204" pitchFamily="34" charset="-122"/>
+              <a:sym typeface="Arial"/>
+            </a:endParaRPr>
+          </a:p>
+        </p:txBody>
+      </p:sp>
     </p:spTree>
     <p:extLst>
       <p:ext uri="{BB962C8B-B14F-4D97-AF65-F5344CB8AC3E}">
-        <p14:creationId xmlns:p14="http://schemas.microsoft.com/office/powerpoint/2010/main" val="1601659528"/>
+        <p14:creationId xmlns:p14="http://schemas.microsoft.com/office/powerpoint/2010/main" val="3926029538"/>
       </p:ext>
     </p:extLst>
   </p:cSld>
@@ -12679,6 +13506,488 @@
   <p:transition spd="med">
     <p:pull/>
   </p:transition>
+  <p:timing>
+    <p:tnLst>
+      <p:par>
+        <p:cTn id="1" dur="indefinite" restart="never" nodeType="tmRoot">
+          <p:childTnLst>
+            <p:seq concurrent="1" nextAc="seek">
+              <p:cTn id="2" dur="indefinite" nodeType="mainSeq">
+                <p:childTnLst>
+                  <p:par>
+                    <p:cTn id="3" fill="hold">
+                      <p:stCondLst>
+                        <p:cond delay="indefinite"/>
+                        <p:cond evt="onBegin" delay="0">
+                          <p:tn val="2"/>
+                        </p:cond>
+                      </p:stCondLst>
+                      <p:childTnLst>
+                        <p:par>
+                          <p:cTn id="4" fill="hold">
+                            <p:stCondLst>
+                              <p:cond delay="0"/>
+                            </p:stCondLst>
+                            <p:childTnLst>
+                              <p:par>
+                                <p:cTn id="5" presetID="10" presetClass="entr" presetSubtype="0" fill="hold" nodeType="afterEffect">
+                                  <p:stCondLst>
+                                    <p:cond delay="0"/>
+                                  </p:stCondLst>
+                                  <p:childTnLst>
+                                    <p:set>
+                                      <p:cBhvr>
+                                        <p:cTn id="6" dur="1" fill="hold">
+                                          <p:stCondLst>
+                                            <p:cond delay="0"/>
+                                          </p:stCondLst>
+                                        </p:cTn>
+                                        <p:tgtEl>
+                                          <p:spTgt spid="3"/>
+                                        </p:tgtEl>
+                                        <p:attrNameLst>
+                                          <p:attrName>style.visibility</p:attrName>
+                                        </p:attrNameLst>
+                                      </p:cBhvr>
+                                      <p:to>
+                                        <p:strVal val="visible"/>
+                                      </p:to>
+                                    </p:set>
+                                    <p:animEffect transition="in" filter="fade">
+                                      <p:cBhvr>
+                                        <p:cTn id="7" dur="250"/>
+                                        <p:tgtEl>
+                                          <p:spTgt spid="3"/>
+                                        </p:tgtEl>
+                                      </p:cBhvr>
+                                    </p:animEffect>
+                                  </p:childTnLst>
+                                </p:cTn>
+                              </p:par>
+                            </p:childTnLst>
+                          </p:cTn>
+                        </p:par>
+                        <p:par>
+                          <p:cTn id="8" fill="hold">
+                            <p:stCondLst>
+                              <p:cond delay="250"/>
+                            </p:stCondLst>
+                            <p:childTnLst>
+                              <p:par>
+                                <p:cTn id="9" presetID="10" presetClass="entr" presetSubtype="0" fill="hold" nodeType="afterEffect">
+                                  <p:stCondLst>
+                                    <p:cond delay="0"/>
+                                  </p:stCondLst>
+                                  <p:childTnLst>
+                                    <p:set>
+                                      <p:cBhvr>
+                                        <p:cTn id="10" dur="1" fill="hold">
+                                          <p:stCondLst>
+                                            <p:cond delay="0"/>
+                                          </p:stCondLst>
+                                        </p:cTn>
+                                        <p:tgtEl>
+                                          <p:spTgt spid="6"/>
+                                        </p:tgtEl>
+                                        <p:attrNameLst>
+                                          <p:attrName>style.visibility</p:attrName>
+                                        </p:attrNameLst>
+                                      </p:cBhvr>
+                                      <p:to>
+                                        <p:strVal val="visible"/>
+                                      </p:to>
+                                    </p:set>
+                                    <p:animEffect transition="in" filter="fade">
+                                      <p:cBhvr>
+                                        <p:cTn id="11" dur="500"/>
+                                        <p:tgtEl>
+                                          <p:spTgt spid="6"/>
+                                        </p:tgtEl>
+                                      </p:cBhvr>
+                                    </p:animEffect>
+                                  </p:childTnLst>
+                                </p:cTn>
+                              </p:par>
+                            </p:childTnLst>
+                          </p:cTn>
+                        </p:par>
+                        <p:par>
+                          <p:cTn id="12" fill="hold">
+                            <p:stCondLst>
+                              <p:cond delay="750"/>
+                            </p:stCondLst>
+                            <p:childTnLst>
+                              <p:par>
+                                <p:cTn id="13" presetID="10" presetClass="entr" presetSubtype="0" fill="hold" nodeType="afterEffect">
+                                  <p:stCondLst>
+                                    <p:cond delay="0"/>
+                                  </p:stCondLst>
+                                  <p:childTnLst>
+                                    <p:set>
+                                      <p:cBhvr>
+                                        <p:cTn id="14" dur="1" fill="hold">
+                                          <p:stCondLst>
+                                            <p:cond delay="0"/>
+                                          </p:stCondLst>
+                                        </p:cTn>
+                                        <p:tgtEl>
+                                          <p:spTgt spid="7"/>
+                                        </p:tgtEl>
+                                        <p:attrNameLst>
+                                          <p:attrName>style.visibility</p:attrName>
+                                        </p:attrNameLst>
+                                      </p:cBhvr>
+                                      <p:to>
+                                        <p:strVal val="visible"/>
+                                      </p:to>
+                                    </p:set>
+                                    <p:animEffect transition="in" filter="fade">
+                                      <p:cBhvr>
+                                        <p:cTn id="15" dur="500"/>
+                                        <p:tgtEl>
+                                          <p:spTgt spid="7"/>
+                                        </p:tgtEl>
+                                      </p:cBhvr>
+                                    </p:animEffect>
+                                  </p:childTnLst>
+                                </p:cTn>
+                              </p:par>
+                            </p:childTnLst>
+                          </p:cTn>
+                        </p:par>
+                        <p:par>
+                          <p:cTn id="16" fill="hold">
+                            <p:stCondLst>
+                              <p:cond delay="1250"/>
+                            </p:stCondLst>
+                            <p:childTnLst>
+                              <p:par>
+                                <p:cTn id="17" presetID="10" presetClass="entr" presetSubtype="0" fill="hold" nodeType="afterEffect">
+                                  <p:stCondLst>
+                                    <p:cond delay="0"/>
+                                  </p:stCondLst>
+                                  <p:childTnLst>
+                                    <p:set>
+                                      <p:cBhvr>
+                                        <p:cTn id="18" dur="1" fill="hold">
+                                          <p:stCondLst>
+                                            <p:cond delay="0"/>
+                                          </p:stCondLst>
+                                        </p:cTn>
+                                        <p:tgtEl>
+                                          <p:spTgt spid="8"/>
+                                        </p:tgtEl>
+                                        <p:attrNameLst>
+                                          <p:attrName>style.visibility</p:attrName>
+                                        </p:attrNameLst>
+                                      </p:cBhvr>
+                                      <p:to>
+                                        <p:strVal val="visible"/>
+                                      </p:to>
+                                    </p:set>
+                                    <p:animEffect transition="in" filter="fade">
+                                      <p:cBhvr>
+                                        <p:cTn id="19" dur="500"/>
+                                        <p:tgtEl>
+                                          <p:spTgt spid="8"/>
+                                        </p:tgtEl>
+                                      </p:cBhvr>
+                                    </p:animEffect>
+                                  </p:childTnLst>
+                                </p:cTn>
+                              </p:par>
+                            </p:childTnLst>
+                          </p:cTn>
+                        </p:par>
+                        <p:par>
+                          <p:cTn id="20" fill="hold">
+                            <p:stCondLst>
+                              <p:cond delay="1750"/>
+                            </p:stCondLst>
+                            <p:childTnLst>
+                              <p:par>
+                                <p:cTn id="21" presetID="10" presetClass="entr" presetSubtype="0" fill="hold" nodeType="afterEffect">
+                                  <p:stCondLst>
+                                    <p:cond delay="0"/>
+                                  </p:stCondLst>
+                                  <p:childTnLst>
+                                    <p:set>
+                                      <p:cBhvr>
+                                        <p:cTn id="22" dur="1" fill="hold">
+                                          <p:stCondLst>
+                                            <p:cond delay="0"/>
+                                          </p:stCondLst>
+                                        </p:cTn>
+                                        <p:tgtEl>
+                                          <p:spTgt spid="4"/>
+                                        </p:tgtEl>
+                                        <p:attrNameLst>
+                                          <p:attrName>style.visibility</p:attrName>
+                                        </p:attrNameLst>
+                                      </p:cBhvr>
+                                      <p:to>
+                                        <p:strVal val="visible"/>
+                                      </p:to>
+                                    </p:set>
+                                    <p:animEffect transition="in" filter="fade">
+                                      <p:cBhvr>
+                                        <p:cTn id="23" dur="250"/>
+                                        <p:tgtEl>
+                                          <p:spTgt spid="4"/>
+                                        </p:tgtEl>
+                                      </p:cBhvr>
+                                    </p:animEffect>
+                                  </p:childTnLst>
+                                </p:cTn>
+                              </p:par>
+                            </p:childTnLst>
+                          </p:cTn>
+                        </p:par>
+                        <p:par>
+                          <p:cTn id="24" fill="hold">
+                            <p:stCondLst>
+                              <p:cond delay="2000"/>
+                            </p:stCondLst>
+                            <p:childTnLst>
+                              <p:par>
+                                <p:cTn id="25" presetID="10" presetClass="entr" presetSubtype="0" fill="hold" nodeType="afterEffect">
+                                  <p:stCondLst>
+                                    <p:cond delay="0"/>
+                                  </p:stCondLst>
+                                  <p:childTnLst>
+                                    <p:set>
+                                      <p:cBhvr>
+                                        <p:cTn id="26" dur="1" fill="hold">
+                                          <p:stCondLst>
+                                            <p:cond delay="0"/>
+                                          </p:stCondLst>
+                                        </p:cTn>
+                                        <p:tgtEl>
+                                          <p:spTgt spid="9"/>
+                                        </p:tgtEl>
+                                        <p:attrNameLst>
+                                          <p:attrName>style.visibility</p:attrName>
+                                        </p:attrNameLst>
+                                      </p:cBhvr>
+                                      <p:to>
+                                        <p:strVal val="visible"/>
+                                      </p:to>
+                                    </p:set>
+                                    <p:animEffect transition="in" filter="fade">
+                                      <p:cBhvr>
+                                        <p:cTn id="27" dur="500"/>
+                                        <p:tgtEl>
+                                          <p:spTgt spid="9"/>
+                                        </p:tgtEl>
+                                      </p:cBhvr>
+                                    </p:animEffect>
+                                  </p:childTnLst>
+                                </p:cTn>
+                              </p:par>
+                            </p:childTnLst>
+                          </p:cTn>
+                        </p:par>
+                        <p:par>
+                          <p:cTn id="28" fill="hold">
+                            <p:stCondLst>
+                              <p:cond delay="2500"/>
+                            </p:stCondLst>
+                            <p:childTnLst>
+                              <p:par>
+                                <p:cTn id="29" presetID="10" presetClass="entr" presetSubtype="0" fill="hold" nodeType="afterEffect">
+                                  <p:stCondLst>
+                                    <p:cond delay="0"/>
+                                  </p:stCondLst>
+                                  <p:childTnLst>
+                                    <p:set>
+                                      <p:cBhvr>
+                                        <p:cTn id="30" dur="1" fill="hold">
+                                          <p:stCondLst>
+                                            <p:cond delay="0"/>
+                                          </p:stCondLst>
+                                        </p:cTn>
+                                        <p:tgtEl>
+                                          <p:spTgt spid="15"/>
+                                        </p:tgtEl>
+                                        <p:attrNameLst>
+                                          <p:attrName>style.visibility</p:attrName>
+                                        </p:attrNameLst>
+                                      </p:cBhvr>
+                                      <p:to>
+                                        <p:strVal val="visible"/>
+                                      </p:to>
+                                    </p:set>
+                                    <p:animEffect transition="in" filter="fade">
+                                      <p:cBhvr>
+                                        <p:cTn id="31" dur="500"/>
+                                        <p:tgtEl>
+                                          <p:spTgt spid="15"/>
+                                        </p:tgtEl>
+                                      </p:cBhvr>
+                                    </p:animEffect>
+                                  </p:childTnLst>
+                                </p:cTn>
+                              </p:par>
+                            </p:childTnLst>
+                          </p:cTn>
+                        </p:par>
+                        <p:par>
+                          <p:cTn id="32" fill="hold">
+                            <p:stCondLst>
+                              <p:cond delay="3000"/>
+                            </p:stCondLst>
+                            <p:childTnLst>
+                              <p:par>
+                                <p:cTn id="33" presetID="10" presetClass="entr" presetSubtype="0" fill="hold" nodeType="afterEffect">
+                                  <p:stCondLst>
+                                    <p:cond delay="0"/>
+                                  </p:stCondLst>
+                                  <p:childTnLst>
+                                    <p:set>
+                                      <p:cBhvr>
+                                        <p:cTn id="34" dur="1" fill="hold">
+                                          <p:stCondLst>
+                                            <p:cond delay="0"/>
+                                          </p:stCondLst>
+                                        </p:cTn>
+                                        <p:tgtEl>
+                                          <p:spTgt spid="5"/>
+                                        </p:tgtEl>
+                                        <p:attrNameLst>
+                                          <p:attrName>style.visibility</p:attrName>
+                                        </p:attrNameLst>
+                                      </p:cBhvr>
+                                      <p:to>
+                                        <p:strVal val="visible"/>
+                                      </p:to>
+                                    </p:set>
+                                    <p:animEffect transition="in" filter="fade">
+                                      <p:cBhvr>
+                                        <p:cTn id="35" dur="250"/>
+                                        <p:tgtEl>
+                                          <p:spTgt spid="5"/>
+                                        </p:tgtEl>
+                                      </p:cBhvr>
+                                    </p:animEffect>
+                                  </p:childTnLst>
+                                </p:cTn>
+                              </p:par>
+                            </p:childTnLst>
+                          </p:cTn>
+                        </p:par>
+                        <p:par>
+                          <p:cTn id="36" fill="hold">
+                            <p:stCondLst>
+                              <p:cond delay="3250"/>
+                            </p:stCondLst>
+                            <p:childTnLst>
+                              <p:par>
+                                <p:cTn id="37" presetID="10" presetClass="entr" presetSubtype="0" fill="hold" nodeType="afterEffect">
+                                  <p:stCondLst>
+                                    <p:cond delay="0"/>
+                                  </p:stCondLst>
+                                  <p:childTnLst>
+                                    <p:set>
+                                      <p:cBhvr>
+                                        <p:cTn id="38" dur="1" fill="hold">
+                                          <p:stCondLst>
+                                            <p:cond delay="0"/>
+                                          </p:stCondLst>
+                                        </p:cTn>
+                                        <p:tgtEl>
+                                          <p:spTgt spid="10"/>
+                                        </p:tgtEl>
+                                        <p:attrNameLst>
+                                          <p:attrName>style.visibility</p:attrName>
+                                        </p:attrNameLst>
+                                      </p:cBhvr>
+                                      <p:to>
+                                        <p:strVal val="visible"/>
+                                      </p:to>
+                                    </p:set>
+                                    <p:animEffect transition="in" filter="fade">
+                                      <p:cBhvr>
+                                        <p:cTn id="39" dur="500"/>
+                                        <p:tgtEl>
+                                          <p:spTgt spid="10"/>
+                                        </p:tgtEl>
+                                      </p:cBhvr>
+                                    </p:animEffect>
+                                  </p:childTnLst>
+                                </p:cTn>
+                              </p:par>
+                            </p:childTnLst>
+                          </p:cTn>
+                        </p:par>
+                        <p:par>
+                          <p:cTn id="40" fill="hold">
+                            <p:stCondLst>
+                              <p:cond delay="3750"/>
+                            </p:stCondLst>
+                            <p:childTnLst>
+                              <p:par>
+                                <p:cTn id="41" presetID="10" presetClass="entr" presetSubtype="0" fill="hold" nodeType="afterEffect">
+                                  <p:stCondLst>
+                                    <p:cond delay="0"/>
+                                  </p:stCondLst>
+                                  <p:childTnLst>
+                                    <p:set>
+                                      <p:cBhvr>
+                                        <p:cTn id="42" dur="1" fill="hold">
+                                          <p:stCondLst>
+                                            <p:cond delay="0"/>
+                                          </p:stCondLst>
+                                        </p:cTn>
+                                        <p:tgtEl>
+                                          <p:spTgt spid="11"/>
+                                        </p:tgtEl>
+                                        <p:attrNameLst>
+                                          <p:attrName>style.visibility</p:attrName>
+                                        </p:attrNameLst>
+                                      </p:cBhvr>
+                                      <p:to>
+                                        <p:strVal val="visible"/>
+                                      </p:to>
+                                    </p:set>
+                                    <p:animEffect transition="in" filter="fade">
+                                      <p:cBhvr>
+                                        <p:cTn id="43" dur="500"/>
+                                        <p:tgtEl>
+                                          <p:spTgt spid="11"/>
+                                        </p:tgtEl>
+                                      </p:cBhvr>
+                                    </p:animEffect>
+                                  </p:childTnLst>
+                                </p:cTn>
+                              </p:par>
+                            </p:childTnLst>
+                          </p:cTn>
+                        </p:par>
+                      </p:childTnLst>
+                    </p:cTn>
+                  </p:par>
+                </p:childTnLst>
+              </p:cTn>
+              <p:prevCondLst>
+                <p:cond evt="onPrev" delay="0">
+                  <p:tgtEl>
+                    <p:sldTgt/>
+                  </p:tgtEl>
+                </p:cond>
+              </p:prevCondLst>
+              <p:nextCondLst>
+                <p:cond evt="onNext" delay="0">
+                  <p:tgtEl>
+                    <p:sldTgt/>
+                  </p:tgtEl>
+                </p:cond>
+              </p:nextCondLst>
+            </p:seq>
+          </p:childTnLst>
+        </p:cTn>
+      </p:par>
+    </p:tnLst>
+  </p:timing>
 </p:sld>
 </file>
 
@@ -12783,10 +14092,393 @@
           </a:p>
         </p:txBody>
       </p:sp>
+      <p:graphicFrame>
+        <p:nvGraphicFramePr>
+          <p:cNvPr id="16" name="表格 15">
+            <a:extLst>
+              <a:ext uri="{FF2B5EF4-FFF2-40B4-BE49-F238E27FC236}">
+                <a16:creationId xmlns:a16="http://schemas.microsoft.com/office/drawing/2014/main" id="{C02333BF-2895-76DE-8EEF-0E14E2648ABD}"/>
+              </a:ext>
+            </a:extLst>
+          </p:cNvPr>
+          <p:cNvGraphicFramePr>
+            <a:graphicFrameLocks noGrp="1"/>
+          </p:cNvGraphicFramePr>
+          <p:nvPr/>
+        </p:nvGraphicFramePr>
+        <p:xfrm>
+          <a:off x="904874" y="1371600"/>
+          <a:ext cx="10448925" cy="4575334"/>
+        </p:xfrm>
+        <a:graphic>
+          <a:graphicData uri="http://schemas.openxmlformats.org/drawingml/2006/table">
+            <a:tbl>
+              <a:tblPr firstRow="1" firstCol="1" bandRow="1">
+                <a:tableStyleId>{A145FF9A-91A9-472E-BB00-B5EE018F6B20}</a:tableStyleId>
+              </a:tblPr>
+              <a:tblGrid>
+                <a:gridCol w="4950700">
+                  <a:extLst>
+                    <a:ext uri="{9D8B030D-6E8A-4147-A177-3AD203B41FA5}">
+                      <a16:colId xmlns:a16="http://schemas.microsoft.com/office/drawing/2014/main" val="430309924"/>
+                    </a:ext>
+                  </a:extLst>
+                </a:gridCol>
+                <a:gridCol w="5498225">
+                  <a:extLst>
+                    <a:ext uri="{9D8B030D-6E8A-4147-A177-3AD203B41FA5}">
+                      <a16:colId xmlns:a16="http://schemas.microsoft.com/office/drawing/2014/main" val="509063491"/>
+                    </a:ext>
+                  </a:extLst>
+                </a:gridCol>
+              </a:tblGrid>
+              <a:tr h="907178">
+                <a:tc>
+                  <a:txBody>
+                    <a:bodyPr/>
+                    <a:lstStyle/>
+                    <a:p>
+                      <a:pPr algn="ctr"/>
+                      <a:r>
+                        <a:rPr lang="en-US" sz="3000" kern="100" dirty="0">
+                          <a:effectLst/>
+                        </a:rPr>
+                        <a:t>Strengths</a:t>
+                      </a:r>
+                      <a:r>
+                        <a:rPr lang="zh-TW" sz="3000" kern="100" dirty="0">
+                          <a:effectLst/>
+                        </a:rPr>
+                        <a:t>優勢</a:t>
+                      </a:r>
+                      <a:endParaRPr lang="zh-TW" sz="3000" kern="100" dirty="0">
+                        <a:effectLst/>
+                        <a:latin typeface="Times New Roman" panose="02020603050405020304" pitchFamily="18" charset="0"/>
+                        <a:ea typeface="新細明體" panose="02020500000000000000" pitchFamily="18" charset="-120"/>
+                        <a:cs typeface="Times New Roman" panose="02020603050405020304" pitchFamily="18" charset="0"/>
+                      </a:endParaRPr>
+                    </a:p>
+                  </a:txBody>
+                  <a:tcPr marL="63500" marR="63500" marT="63500" marB="63500" anchor="ctr"/>
+                </a:tc>
+                <a:tc>
+                  <a:txBody>
+                    <a:bodyPr/>
+                    <a:lstStyle/>
+                    <a:p>
+                      <a:pPr algn="ctr"/>
+                      <a:r>
+                        <a:rPr lang="en-US" sz="3000" kern="100" dirty="0">
+                          <a:effectLst/>
+                        </a:rPr>
+                        <a:t>Weaknesses</a:t>
+                      </a:r>
+                      <a:r>
+                        <a:rPr lang="zh-TW" sz="3000" kern="100" dirty="0">
+                          <a:effectLst/>
+                        </a:rPr>
+                        <a:t>劣勢</a:t>
+                      </a:r>
+                      <a:endParaRPr lang="zh-TW" sz="3000" kern="100" dirty="0">
+                        <a:effectLst/>
+                        <a:latin typeface="Times New Roman" panose="02020603050405020304" pitchFamily="18" charset="0"/>
+                        <a:ea typeface="新細明體" panose="02020500000000000000" pitchFamily="18" charset="-120"/>
+                        <a:cs typeface="Times New Roman" panose="02020603050405020304" pitchFamily="18" charset="0"/>
+                      </a:endParaRPr>
+                    </a:p>
+                  </a:txBody>
+                  <a:tcPr marL="63500" marR="63500" marT="63500" marB="63500" anchor="ctr"/>
+                </a:tc>
+                <a:extLst>
+                  <a:ext uri="{0D108BD9-81ED-4DB2-BD59-A6C34878D82A}">
+                    <a16:rowId xmlns:a16="http://schemas.microsoft.com/office/drawing/2014/main" val="458341842"/>
+                  </a:ext>
+                </a:extLst>
+              </a:tr>
+              <a:tr h="1617144">
+                <a:tc>
+                  <a:txBody>
+                    <a:bodyPr/>
+                    <a:lstStyle/>
+                    <a:p>
+                      <a:pPr marL="342900" lvl="0" indent="-342900" algn="just">
+                        <a:lnSpc>
+                          <a:spcPct val="150000"/>
+                        </a:lnSpc>
+                        <a:buFont typeface="+mj-lt"/>
+                        <a:buAutoNum type="arabicPeriod"/>
+                      </a:pPr>
+                      <a:r>
+                        <a:rPr lang="zh-TW" sz="2000" kern="100" dirty="0">
+                          <a:effectLst/>
+                        </a:rPr>
+                        <a:t>免下載</a:t>
+                      </a:r>
+                    </a:p>
+                    <a:p>
+                      <a:pPr marL="342900" lvl="0" indent="-342900" algn="just">
+                        <a:lnSpc>
+                          <a:spcPct val="150000"/>
+                        </a:lnSpc>
+                        <a:buFont typeface="+mj-lt"/>
+                        <a:buAutoNum type="arabicPeriod"/>
+                      </a:pPr>
+                      <a:r>
+                        <a:rPr lang="zh-TW" sz="2000" kern="100" dirty="0">
+                          <a:effectLst/>
+                        </a:rPr>
+                        <a:t>操作簡單</a:t>
+                      </a:r>
+                      <a:r>
+                        <a:rPr lang="zh-TW" altLang="en-US" sz="2000" kern="100" dirty="0">
+                          <a:effectLst/>
+                        </a:rPr>
+                        <a:t>、</a:t>
+                      </a:r>
+                      <a:r>
+                        <a:rPr lang="zh-TW" sz="2000" kern="100" dirty="0">
+                          <a:effectLst/>
+                        </a:rPr>
+                        <a:t>流程方便快速</a:t>
+                      </a:r>
+                    </a:p>
+                    <a:p>
+                      <a:pPr marL="342900" lvl="0" indent="-342900" algn="just">
+                        <a:lnSpc>
+                          <a:spcPct val="150000"/>
+                        </a:lnSpc>
+                        <a:buFont typeface="+mj-lt"/>
+                        <a:buAutoNum type="arabicPeriod"/>
+                      </a:pPr>
+                      <a:r>
+                        <a:rPr lang="zh-TW" sz="2000" kern="100" dirty="0">
+                          <a:effectLst/>
+                        </a:rPr>
+                        <a:t>開發成本低</a:t>
+                      </a:r>
+                      <a:endParaRPr lang="zh-TW" sz="2000" kern="100" dirty="0">
+                        <a:effectLst/>
+                        <a:latin typeface="Times New Roman" panose="02020603050405020304" pitchFamily="18" charset="0"/>
+                        <a:ea typeface="新細明體" panose="02020500000000000000" pitchFamily="18" charset="-120"/>
+                        <a:cs typeface="Times New Roman" panose="02020603050405020304" pitchFamily="18" charset="0"/>
+                      </a:endParaRPr>
+                    </a:p>
+                  </a:txBody>
+                  <a:tcPr marL="63500" marR="63500" marT="63500" marB="63500"/>
+                </a:tc>
+                <a:tc>
+                  <a:txBody>
+                    <a:bodyPr/>
+                    <a:lstStyle/>
+                    <a:p>
+                      <a:pPr marL="342900" lvl="0" indent="-342900" algn="just">
+                        <a:lnSpc>
+                          <a:spcPct val="150000"/>
+                        </a:lnSpc>
+                        <a:buFont typeface="+mj-lt"/>
+                        <a:buAutoNum type="arabicPeriod"/>
+                      </a:pPr>
+                      <a:r>
+                        <a:rPr lang="zh-TW" sz="2000" b="1" kern="100" dirty="0">
+                          <a:effectLst/>
+                        </a:rPr>
+                        <a:t>相較於現有相關應用程式，進階功能少</a:t>
+                      </a:r>
+                    </a:p>
+                    <a:p>
+                      <a:pPr marL="342900" lvl="0" indent="-342900" algn="just">
+                        <a:lnSpc>
+                          <a:spcPct val="150000"/>
+                        </a:lnSpc>
+                        <a:buFont typeface="+mj-lt"/>
+                        <a:buAutoNum type="arabicPeriod"/>
+                      </a:pPr>
+                      <a:r>
+                        <a:rPr lang="zh-TW" sz="2000" b="1" kern="100" dirty="0">
+                          <a:effectLst/>
+                        </a:rPr>
+                        <a:t>知名度低</a:t>
+                      </a:r>
+                      <a:endParaRPr lang="zh-TW" sz="2000" b="1" kern="100" dirty="0">
+                        <a:effectLst/>
+                        <a:latin typeface="Times New Roman" panose="02020603050405020304" pitchFamily="18" charset="0"/>
+                        <a:ea typeface="新細明體" panose="02020500000000000000" pitchFamily="18" charset="-120"/>
+                        <a:cs typeface="Times New Roman" panose="02020603050405020304" pitchFamily="18" charset="0"/>
+                      </a:endParaRPr>
+                    </a:p>
+                  </a:txBody>
+                  <a:tcPr marL="63500" marR="63500" marT="63500" marB="63500"/>
+                </a:tc>
+                <a:extLst>
+                  <a:ext uri="{0D108BD9-81ED-4DB2-BD59-A6C34878D82A}">
+                    <a16:rowId xmlns:a16="http://schemas.microsoft.com/office/drawing/2014/main" val="2034989893"/>
+                  </a:ext>
+                </a:extLst>
+              </a:tr>
+              <a:tr h="907178">
+                <a:tc>
+                  <a:txBody>
+                    <a:bodyPr/>
+                    <a:lstStyle/>
+                    <a:p>
+                      <a:pPr algn="ctr"/>
+                      <a:r>
+                        <a:rPr lang="en-US" sz="3000" b="1" kern="100" dirty="0">
+                          <a:effectLst/>
+                        </a:rPr>
+                        <a:t>Opportunities</a:t>
+                      </a:r>
+                      <a:r>
+                        <a:rPr lang="zh-TW" sz="3000" b="1" kern="100" dirty="0">
+                          <a:effectLst/>
+                        </a:rPr>
+                        <a:t>機會</a:t>
+                      </a:r>
+                      <a:endParaRPr lang="zh-TW" sz="3000" b="1" kern="100" dirty="0">
+                        <a:effectLst/>
+                        <a:latin typeface="Times New Roman" panose="02020603050405020304" pitchFamily="18" charset="0"/>
+                        <a:ea typeface="新細明體" panose="02020500000000000000" pitchFamily="18" charset="-120"/>
+                        <a:cs typeface="Times New Roman" panose="02020603050405020304" pitchFamily="18" charset="0"/>
+                      </a:endParaRPr>
+                    </a:p>
+                  </a:txBody>
+                  <a:tcPr marL="63500" marR="63500" marT="63500" marB="63500" anchor="ctr"/>
+                </a:tc>
+                <a:tc>
+                  <a:txBody>
+                    <a:bodyPr/>
+                    <a:lstStyle/>
+                    <a:p>
+                      <a:pPr algn="ctr"/>
+                      <a:r>
+                        <a:rPr lang="en-US" sz="3000" b="1" kern="100" dirty="0">
+                          <a:effectLst/>
+                        </a:rPr>
+                        <a:t>Threats</a:t>
+                      </a:r>
+                      <a:r>
+                        <a:rPr lang="zh-TW" sz="3000" b="1" kern="100" dirty="0">
+                          <a:effectLst/>
+                        </a:rPr>
+                        <a:t>威脅</a:t>
+                      </a:r>
+                      <a:endParaRPr lang="zh-TW" sz="3000" b="1" kern="100" dirty="0">
+                        <a:effectLst/>
+                        <a:latin typeface="Times New Roman" panose="02020603050405020304" pitchFamily="18" charset="0"/>
+                        <a:ea typeface="新細明體" panose="02020500000000000000" pitchFamily="18" charset="-120"/>
+                        <a:cs typeface="Times New Roman" panose="02020603050405020304" pitchFamily="18" charset="0"/>
+                      </a:endParaRPr>
+                    </a:p>
+                  </a:txBody>
+                  <a:tcPr marL="63500" marR="63500" marT="63500" marB="63500" anchor="ctr"/>
+                </a:tc>
+                <a:extLst>
+                  <a:ext uri="{0D108BD9-81ED-4DB2-BD59-A6C34878D82A}">
+                    <a16:rowId xmlns:a16="http://schemas.microsoft.com/office/drawing/2014/main" val="936316221"/>
+                  </a:ext>
+                </a:extLst>
+              </a:tr>
+              <a:tr h="1143834">
+                <a:tc>
+                  <a:txBody>
+                    <a:bodyPr/>
+                    <a:lstStyle/>
+                    <a:p>
+                      <a:pPr marL="342900" lvl="0" indent="-342900" algn="just">
+                        <a:lnSpc>
+                          <a:spcPct val="150000"/>
+                        </a:lnSpc>
+                        <a:buFont typeface="+mj-lt"/>
+                        <a:buAutoNum type="arabicPeriod"/>
+                      </a:pPr>
+                      <a:r>
+                        <a:rPr lang="zh-TW" sz="2000" kern="100" dirty="0">
+                          <a:effectLst/>
+                        </a:rPr>
+                        <a:t>低碳生活盛行</a:t>
+                      </a:r>
+                    </a:p>
+                    <a:p>
+                      <a:pPr marL="342900" lvl="0" indent="-342900" algn="just">
+                        <a:lnSpc>
+                          <a:spcPct val="150000"/>
+                        </a:lnSpc>
+                        <a:buFont typeface="+mj-lt"/>
+                        <a:buAutoNum type="arabicPeriod"/>
+                      </a:pPr>
+                      <a:r>
+                        <a:rPr lang="zh-TW" sz="2000" kern="100" dirty="0">
+                          <a:effectLst/>
+                        </a:rPr>
+                        <a:t>大眾運輸間轉乘複雜</a:t>
+                      </a:r>
+                      <a:endParaRPr lang="zh-TW" sz="2000" kern="100" dirty="0">
+                        <a:effectLst/>
+                        <a:latin typeface="Times New Roman" panose="02020603050405020304" pitchFamily="18" charset="0"/>
+                        <a:ea typeface="新細明體" panose="02020500000000000000" pitchFamily="18" charset="-120"/>
+                        <a:cs typeface="Times New Roman" panose="02020603050405020304" pitchFamily="18" charset="0"/>
+                      </a:endParaRPr>
+                    </a:p>
+                  </a:txBody>
+                  <a:tcPr marL="63500" marR="63500" marT="63500" marB="63500"/>
+                </a:tc>
+                <a:tc>
+                  <a:txBody>
+                    <a:bodyPr/>
+                    <a:lstStyle/>
+                    <a:p>
+                      <a:pPr marL="342900" lvl="0" indent="-342900" algn="just">
+                        <a:lnSpc>
+                          <a:spcPct val="150000"/>
+                        </a:lnSpc>
+                        <a:buFont typeface="+mj-lt"/>
+                        <a:buAutoNum type="arabicPeriod"/>
+                      </a:pPr>
+                      <a:r>
+                        <a:rPr lang="zh-TW" sz="2000" b="1" kern="100" dirty="0">
+                          <a:effectLst/>
+                        </a:rPr>
+                        <a:t>已有相似功能應用程式</a:t>
+                      </a:r>
+                    </a:p>
+                    <a:p>
+                      <a:pPr marL="342900" lvl="0" indent="-342900" algn="just">
+                        <a:lnSpc>
+                          <a:spcPct val="150000"/>
+                        </a:lnSpc>
+                        <a:buFont typeface="+mj-lt"/>
+                        <a:buAutoNum type="arabicPeriod"/>
+                      </a:pPr>
+                      <a:r>
+                        <a:rPr lang="zh-TW" sz="2000" b="1" kern="100" dirty="0">
+                          <a:effectLst/>
+                        </a:rPr>
+                        <a:t>疫情期間大眾運輸運量降低</a:t>
+                      </a:r>
+                      <a:endParaRPr lang="zh-TW" sz="2000" b="1" kern="100" dirty="0">
+                        <a:effectLst/>
+                        <a:latin typeface="Times New Roman" panose="02020603050405020304" pitchFamily="18" charset="0"/>
+                        <a:ea typeface="新細明體" panose="02020500000000000000" pitchFamily="18" charset="-120"/>
+                        <a:cs typeface="Times New Roman" panose="02020603050405020304" pitchFamily="18" charset="0"/>
+                      </a:endParaRPr>
+                    </a:p>
+                  </a:txBody>
+                  <a:tcPr marL="63500" marR="63500" marT="63500" marB="63500"/>
+                </a:tc>
+                <a:extLst>
+                  <a:ext uri="{0D108BD9-81ED-4DB2-BD59-A6C34878D82A}">
+                    <a16:rowId xmlns:a16="http://schemas.microsoft.com/office/drawing/2014/main" val="1197376500"/>
+                  </a:ext>
+                </a:extLst>
+              </a:tr>
+            </a:tbl>
+          </a:graphicData>
+        </a:graphic>
+      </p:graphicFrame>
     </p:spTree>
     <p:extLst>
       <p:ext uri="{BB962C8B-B14F-4D97-AF65-F5344CB8AC3E}">
-        <p14:creationId xmlns:p14="http://schemas.microsoft.com/office/powerpoint/2010/main" val="4144370718"/>
+        <p14:creationId xmlns:p14="http://schemas.microsoft.com/office/powerpoint/2010/main" val="78332151"/>
       </p:ext>
     </p:extLst>
   </p:cSld>
@@ -12888,10 +14580,538 @@
           </a:p>
         </p:txBody>
       </p:sp>
+      <p:cxnSp>
+        <p:nvCxnSpPr>
+          <p:cNvPr id="3" name="Google Shape;75;g12973218630_0_4">
+            <a:extLst>
+              <a:ext uri="{FF2B5EF4-FFF2-40B4-BE49-F238E27FC236}">
+                <a16:creationId xmlns:a16="http://schemas.microsoft.com/office/drawing/2014/main" id="{6CA1E3CE-CBDE-21D0-5A1F-C69381850D28}"/>
+              </a:ext>
+            </a:extLst>
+          </p:cNvPr>
+          <p:cNvCxnSpPr/>
+          <p:nvPr/>
+        </p:nvCxnSpPr>
+        <p:spPr>
+          <a:xfrm>
+            <a:off x="3632913" y="2175475"/>
+            <a:ext cx="623400" cy="13200"/>
+          </a:xfrm>
+          <a:prstGeom prst="straightConnector1">
+            <a:avLst/>
+          </a:prstGeom>
+          <a:noFill/>
+          <a:ln w="38100" cap="flat" cmpd="sng">
+            <a:solidFill>
+              <a:srgbClr val="B6D7A8"/>
+            </a:solidFill>
+            <a:prstDash val="solid"/>
+            <a:round/>
+            <a:headEnd type="none" w="sm" len="sm"/>
+            <a:tailEnd type="stealth" w="med" len="med"/>
+          </a:ln>
+        </p:spPr>
+      </p:cxnSp>
+      <p:cxnSp>
+        <p:nvCxnSpPr>
+          <p:cNvPr id="4" name="Google Shape;76;g12973218630_0_4">
+            <a:extLst>
+              <a:ext uri="{FF2B5EF4-FFF2-40B4-BE49-F238E27FC236}">
+                <a16:creationId xmlns:a16="http://schemas.microsoft.com/office/drawing/2014/main" id="{D2091ECC-E116-930D-D487-8502BE2EE74E}"/>
+              </a:ext>
+            </a:extLst>
+          </p:cNvPr>
+          <p:cNvCxnSpPr/>
+          <p:nvPr/>
+        </p:nvCxnSpPr>
+        <p:spPr>
+          <a:xfrm>
+            <a:off x="3632913" y="4040875"/>
+            <a:ext cx="623400" cy="13200"/>
+          </a:xfrm>
+          <a:prstGeom prst="straightConnector1">
+            <a:avLst/>
+          </a:prstGeom>
+          <a:noFill/>
+          <a:ln w="38100" cap="flat" cmpd="sng">
+            <a:solidFill>
+              <a:srgbClr val="B6D7A8"/>
+            </a:solidFill>
+            <a:prstDash val="solid"/>
+            <a:round/>
+            <a:headEnd type="none" w="sm" len="sm"/>
+            <a:tailEnd type="stealth" w="med" len="med"/>
+          </a:ln>
+        </p:spPr>
+      </p:cxnSp>
+      <p:cxnSp>
+        <p:nvCxnSpPr>
+          <p:cNvPr id="5" name="Google Shape;77;g12973218630_0_4">
+            <a:extLst>
+              <a:ext uri="{FF2B5EF4-FFF2-40B4-BE49-F238E27FC236}">
+                <a16:creationId xmlns:a16="http://schemas.microsoft.com/office/drawing/2014/main" id="{83E66B9E-EBA0-14F8-D135-165B39364B85}"/>
+              </a:ext>
+            </a:extLst>
+          </p:cNvPr>
+          <p:cNvCxnSpPr/>
+          <p:nvPr/>
+        </p:nvCxnSpPr>
+        <p:spPr>
+          <a:xfrm>
+            <a:off x="3632913" y="5906275"/>
+            <a:ext cx="623400" cy="13200"/>
+          </a:xfrm>
+          <a:prstGeom prst="straightConnector1">
+            <a:avLst/>
+          </a:prstGeom>
+          <a:noFill/>
+          <a:ln w="38100" cap="flat" cmpd="sng">
+            <a:solidFill>
+              <a:srgbClr val="B6D7A8"/>
+            </a:solidFill>
+            <a:prstDash val="solid"/>
+            <a:round/>
+            <a:headEnd type="none" w="sm" len="sm"/>
+            <a:tailEnd type="stealth" w="med" len="med"/>
+          </a:ln>
+        </p:spPr>
+      </p:cxnSp>
+      <p:sp>
+        <p:nvSpPr>
+          <p:cNvPr id="6" name="Google Shape;78;g12973218630_0_4">
+            <a:extLst>
+              <a:ext uri="{FF2B5EF4-FFF2-40B4-BE49-F238E27FC236}">
+                <a16:creationId xmlns:a16="http://schemas.microsoft.com/office/drawing/2014/main" id="{FAAEB131-17F9-4628-8737-EA24BABC3ACF}"/>
+              </a:ext>
+            </a:extLst>
+          </p:cNvPr>
+          <p:cNvSpPr/>
+          <p:nvPr/>
+        </p:nvSpPr>
+        <p:spPr>
+          <a:xfrm>
+            <a:off x="4728163" y="1801250"/>
+            <a:ext cx="5623106" cy="707700"/>
+          </a:xfrm>
+          <a:prstGeom prst="roundRect">
+            <a:avLst>
+              <a:gd name="adj" fmla="val 16667"/>
+            </a:avLst>
+          </a:prstGeom>
+          <a:noFill/>
+          <a:ln w="28575" cap="flat" cmpd="sng">
+            <a:solidFill>
+              <a:srgbClr val="97CCD4"/>
+            </a:solidFill>
+            <a:prstDash val="solid"/>
+            <a:round/>
+            <a:headEnd type="none" w="sm" len="sm"/>
+            <a:tailEnd type="none" w="sm" len="sm"/>
+          </a:ln>
+        </p:spPr>
+        <p:txBody>
+          <a:bodyPr spcFirstLastPara="1" wrap="square" lIns="91425" tIns="91425" rIns="91425" bIns="91425" anchor="ctr" anchorCtr="0">
+            <a:noAutofit/>
+          </a:bodyPr>
+          <a:lstStyle/>
+          <a:p>
+            <a:pPr algn="ctr">
+              <a:buSzPts val="2800"/>
+            </a:pPr>
+            <a:r>
+              <a:rPr lang="zh-TW" altLang="en-US" sz="2400" dirty="0">
+                <a:solidFill>
+                  <a:schemeClr val="tx2">
+                    <a:lumMod val="25000"/>
+                  </a:schemeClr>
+                </a:solidFill>
+                <a:latin typeface="Microsoft YaHei" panose="020B0503020204020204" pitchFamily="34" charset="-122"/>
+                <a:ea typeface="Microsoft YaHei" panose="020B0503020204020204" pitchFamily="34" charset="-122"/>
+                <a:cs typeface="Microsoft Yahei"/>
+                <a:sym typeface="Microsoft Yahei"/>
+              </a:rPr>
+              <a:t>減少乘車時不安感</a:t>
+            </a:r>
+            <a:endParaRPr lang="zh-TW" altLang="en-US" sz="2400" dirty="0">
+              <a:solidFill>
+                <a:schemeClr val="tx2">
+                  <a:lumMod val="25000"/>
+                </a:schemeClr>
+              </a:solidFill>
+              <a:latin typeface="Microsoft YaHei" panose="020B0503020204020204" pitchFamily="34" charset="-122"/>
+              <a:ea typeface="Microsoft YaHei" panose="020B0503020204020204" pitchFamily="34" charset="-122"/>
+            </a:endParaRPr>
+          </a:p>
+        </p:txBody>
+      </p:sp>
+      <p:sp>
+        <p:nvSpPr>
+          <p:cNvPr id="8" name="Google Shape;82;g12973218630_0_4">
+            <a:extLst>
+              <a:ext uri="{FF2B5EF4-FFF2-40B4-BE49-F238E27FC236}">
+                <a16:creationId xmlns:a16="http://schemas.microsoft.com/office/drawing/2014/main" id="{D434BD3E-AB93-5785-9077-9BFFCD3D50CF}"/>
+              </a:ext>
+            </a:extLst>
+          </p:cNvPr>
+          <p:cNvSpPr/>
+          <p:nvPr/>
+        </p:nvSpPr>
+        <p:spPr>
+          <a:xfrm>
+            <a:off x="4728163" y="3700225"/>
+            <a:ext cx="5623104" cy="707700"/>
+          </a:xfrm>
+          <a:prstGeom prst="roundRect">
+            <a:avLst>
+              <a:gd name="adj" fmla="val 16667"/>
+            </a:avLst>
+          </a:prstGeom>
+          <a:noFill/>
+          <a:ln w="28575" cap="flat" cmpd="sng">
+            <a:solidFill>
+              <a:srgbClr val="97CCD4"/>
+            </a:solidFill>
+            <a:prstDash val="solid"/>
+            <a:round/>
+            <a:headEnd type="none" w="sm" len="sm"/>
+            <a:tailEnd type="none" w="sm" len="sm"/>
+          </a:ln>
+        </p:spPr>
+        <p:txBody>
+          <a:bodyPr spcFirstLastPara="1" wrap="square" lIns="91425" tIns="91425" rIns="91425" bIns="91425" anchor="ctr" anchorCtr="0">
+            <a:noAutofit/>
+          </a:bodyPr>
+          <a:lstStyle/>
+          <a:p>
+            <a:pPr lvl="0" algn="ctr">
+              <a:buSzPts val="2400"/>
+            </a:pPr>
+            <a:r>
+              <a:rPr lang="zh-TW" altLang="en-US" sz="2400" dirty="0">
+                <a:solidFill>
+                  <a:schemeClr val="tx2">
+                    <a:lumMod val="25000"/>
+                  </a:schemeClr>
+                </a:solidFill>
+                <a:latin typeface="Microsoft YaHei" panose="020B0503020204020204" pitchFamily="34" charset="-122"/>
+                <a:ea typeface="Microsoft YaHei" panose="020B0503020204020204" pitchFamily="34" charset="-122"/>
+                <a:sym typeface="Microsoft Yahei"/>
+              </a:rPr>
+              <a:t>降低處理遺失物成本</a:t>
+            </a:r>
+            <a:endParaRPr lang="zh-TW" altLang="en-US" dirty="0">
+              <a:solidFill>
+                <a:schemeClr val="tx2">
+                  <a:lumMod val="25000"/>
+                </a:schemeClr>
+              </a:solidFill>
+              <a:latin typeface="Microsoft YaHei" panose="020B0503020204020204" pitchFamily="34" charset="-122"/>
+              <a:ea typeface="Microsoft YaHei" panose="020B0503020204020204" pitchFamily="34" charset="-122"/>
+            </a:endParaRPr>
+          </a:p>
+        </p:txBody>
+      </p:sp>
+      <p:sp>
+        <p:nvSpPr>
+          <p:cNvPr id="9" name="Google Shape;84;g12973218630_0_4">
+            <a:extLst>
+              <a:ext uri="{FF2B5EF4-FFF2-40B4-BE49-F238E27FC236}">
+                <a16:creationId xmlns:a16="http://schemas.microsoft.com/office/drawing/2014/main" id="{177BA6F7-8AB8-34B8-2F29-AC065AB5FCB1}"/>
+              </a:ext>
+            </a:extLst>
+          </p:cNvPr>
+          <p:cNvSpPr/>
+          <p:nvPr/>
+        </p:nvSpPr>
+        <p:spPr>
+          <a:xfrm>
+            <a:off x="4728163" y="5565625"/>
+            <a:ext cx="5623103" cy="707700"/>
+          </a:xfrm>
+          <a:prstGeom prst="roundRect">
+            <a:avLst>
+              <a:gd name="adj" fmla="val 16667"/>
+            </a:avLst>
+          </a:prstGeom>
+          <a:noFill/>
+          <a:ln w="28575" cap="flat" cmpd="sng">
+            <a:solidFill>
+              <a:srgbClr val="97CCD4"/>
+            </a:solidFill>
+            <a:prstDash val="solid"/>
+            <a:round/>
+            <a:headEnd type="none" w="sm" len="sm"/>
+            <a:tailEnd type="none" w="sm" len="sm"/>
+          </a:ln>
+        </p:spPr>
+        <p:txBody>
+          <a:bodyPr spcFirstLastPara="1" wrap="square" lIns="91425" tIns="91425" rIns="91425" bIns="91425" anchor="ctr" anchorCtr="0">
+            <a:noAutofit/>
+          </a:bodyPr>
+          <a:lstStyle/>
+          <a:p>
+            <a:pPr marL="0" marR="0" lvl="0" indent="0" algn="ctr" rtl="0">
+              <a:lnSpc>
+                <a:spcPct val="115000"/>
+              </a:lnSpc>
+              <a:spcBef>
+                <a:spcPts val="0"/>
+              </a:spcBef>
+              <a:spcAft>
+                <a:spcPts val="0"/>
+              </a:spcAft>
+              <a:buNone/>
+            </a:pPr>
+            <a:r>
+              <a:rPr lang="en-US" sz="2400" dirty="0" err="1">
+                <a:solidFill>
+                  <a:schemeClr val="tx2">
+                    <a:lumMod val="25000"/>
+                  </a:schemeClr>
+                </a:solidFill>
+                <a:latin typeface="Microsoft YaHei" panose="020B0503020204020204" pitchFamily="34" charset="-122"/>
+                <a:ea typeface="Microsoft YaHei" panose="020B0503020204020204" pitchFamily="34" charset="-122"/>
+              </a:rPr>
+              <a:t>活化北捷官方帳號</a:t>
+            </a:r>
+            <a:endParaRPr dirty="0">
+              <a:solidFill>
+                <a:schemeClr val="tx2">
+                  <a:lumMod val="25000"/>
+                </a:schemeClr>
+              </a:solidFill>
+              <a:latin typeface="Microsoft YaHei" panose="020B0503020204020204" pitchFamily="34" charset="-122"/>
+              <a:ea typeface="Microsoft YaHei" panose="020B0503020204020204" pitchFamily="34" charset="-122"/>
+            </a:endParaRPr>
+          </a:p>
+        </p:txBody>
+      </p:sp>
+      <p:pic>
+        <p:nvPicPr>
+          <p:cNvPr id="14" name="圖片 13">
+            <a:extLst>
+              <a:ext uri="{FF2B5EF4-FFF2-40B4-BE49-F238E27FC236}">
+                <a16:creationId xmlns:a16="http://schemas.microsoft.com/office/drawing/2014/main" id="{76128E11-AB1E-10D3-30ED-DDB258DE0F20}"/>
+              </a:ext>
+            </a:extLst>
+          </p:cNvPr>
+          <p:cNvPicPr>
+            <a:picLocks noChangeAspect="1"/>
+          </p:cNvPicPr>
+          <p:nvPr/>
+        </p:nvPicPr>
+        <p:blipFill>
+          <a:blip r:embed="rId2"/>
+          <a:stretch>
+            <a:fillRect/>
+          </a:stretch>
+        </p:blipFill>
+        <p:spPr>
+          <a:xfrm>
+            <a:off x="1584984" y="3356796"/>
+            <a:ext cx="1495100" cy="1368158"/>
+          </a:xfrm>
+          <a:prstGeom prst="rect">
+            <a:avLst/>
+          </a:prstGeom>
+        </p:spPr>
+      </p:pic>
+      <p:sp>
+        <p:nvSpPr>
+          <p:cNvPr id="22" name="Google Shape;438;p6">
+            <a:extLst>
+              <a:ext uri="{FF2B5EF4-FFF2-40B4-BE49-F238E27FC236}">
+                <a16:creationId xmlns:a16="http://schemas.microsoft.com/office/drawing/2014/main" id="{A30CE5EF-A3D3-07E6-D2FE-EFA0446EA8B0}"/>
+              </a:ext>
+            </a:extLst>
+          </p:cNvPr>
+          <p:cNvSpPr/>
+          <p:nvPr/>
+        </p:nvSpPr>
+        <p:spPr>
+          <a:xfrm>
+            <a:off x="1602203" y="1510832"/>
+            <a:ext cx="1329286" cy="1329286"/>
+          </a:xfrm>
+          <a:prstGeom prst="ellipse">
+            <a:avLst/>
+          </a:prstGeom>
+          <a:solidFill>
+            <a:schemeClr val="tx2">
+              <a:lumMod val="90000"/>
+            </a:schemeClr>
+          </a:solidFill>
+          <a:ln>
+            <a:noFill/>
+          </a:ln>
+        </p:spPr>
+        <p:txBody>
+          <a:bodyPr spcFirstLastPara="1" wrap="square" lIns="91425" tIns="45700" rIns="91425" bIns="45700" anchor="ctr" anchorCtr="0">
+            <a:noAutofit/>
+          </a:bodyPr>
+          <a:lstStyle/>
+          <a:p>
+            <a:pPr marL="0" marR="0" lvl="0" indent="0" algn="ctr" rtl="0">
+              <a:lnSpc>
+                <a:spcPct val="100000"/>
+              </a:lnSpc>
+              <a:spcBef>
+                <a:spcPts val="0"/>
+              </a:spcBef>
+              <a:spcAft>
+                <a:spcPts val="0"/>
+              </a:spcAft>
+              <a:buClr>
+                <a:srgbClr val="000000"/>
+              </a:buClr>
+              <a:buSzPts val="1800"/>
+              <a:buFont typeface="Arial"/>
+              <a:buNone/>
+            </a:pPr>
+            <a:endParaRPr sz="1800" b="0" i="0" u="none" strike="noStrike" cap="none" dirty="0">
+              <a:solidFill>
+                <a:schemeClr val="lt1"/>
+              </a:solidFill>
+              <a:latin typeface="Microsoft Yahei"/>
+              <a:ea typeface="Microsoft Yahei"/>
+              <a:cs typeface="Microsoft Yahei"/>
+              <a:sym typeface="Microsoft Yahei"/>
+            </a:endParaRPr>
+          </a:p>
+        </p:txBody>
+      </p:sp>
+      <p:pic>
+        <p:nvPicPr>
+          <p:cNvPr id="23" name="Google Shape;126;g12a36a82d6d_0_0">
+            <a:extLst>
+              <a:ext uri="{FF2B5EF4-FFF2-40B4-BE49-F238E27FC236}">
+                <a16:creationId xmlns:a16="http://schemas.microsoft.com/office/drawing/2014/main" id="{5AFE5692-C9D5-FA6E-F701-930E9928F470}"/>
+              </a:ext>
+            </a:extLst>
+          </p:cNvPr>
+          <p:cNvPicPr preferRelativeResize="0"/>
+          <p:nvPr/>
+        </p:nvPicPr>
+        <p:blipFill rotWithShape="1">
+          <a:blip r:embed="rId3">
+            <a:alphaModFix/>
+          </a:blip>
+          <a:srcRect/>
+          <a:stretch/>
+        </p:blipFill>
+        <p:spPr>
+          <a:xfrm>
+            <a:off x="1840731" y="1793962"/>
+            <a:ext cx="885406" cy="924574"/>
+          </a:xfrm>
+          <a:prstGeom prst="rect">
+            <a:avLst/>
+          </a:prstGeom>
+          <a:noFill/>
+          <a:ln>
+            <a:noFill/>
+          </a:ln>
+        </p:spPr>
+      </p:pic>
+      <p:sp>
+        <p:nvSpPr>
+          <p:cNvPr id="24" name="Google Shape;438;p6">
+            <a:extLst>
+              <a:ext uri="{FF2B5EF4-FFF2-40B4-BE49-F238E27FC236}">
+                <a16:creationId xmlns:a16="http://schemas.microsoft.com/office/drawing/2014/main" id="{AF59C735-89F8-1E59-9605-571D83123323}"/>
+              </a:ext>
+            </a:extLst>
+          </p:cNvPr>
+          <p:cNvSpPr/>
+          <p:nvPr/>
+        </p:nvSpPr>
+        <p:spPr>
+          <a:xfrm>
+            <a:off x="1618791" y="5202030"/>
+            <a:ext cx="1329286" cy="1329286"/>
+          </a:xfrm>
+          <a:prstGeom prst="ellipse">
+            <a:avLst/>
+          </a:prstGeom>
+          <a:solidFill>
+            <a:srgbClr val="01B901"/>
+          </a:solidFill>
+          <a:ln>
+            <a:noFill/>
+          </a:ln>
+        </p:spPr>
+        <p:txBody>
+          <a:bodyPr spcFirstLastPara="1" wrap="square" lIns="91425" tIns="45700" rIns="91425" bIns="45700" anchor="ctr" anchorCtr="0">
+            <a:noAutofit/>
+          </a:bodyPr>
+          <a:lstStyle/>
+          <a:p>
+            <a:pPr marL="0" marR="0" lvl="0" indent="0" algn="ctr" rtl="0">
+              <a:lnSpc>
+                <a:spcPct val="100000"/>
+              </a:lnSpc>
+              <a:spcBef>
+                <a:spcPts val="0"/>
+              </a:spcBef>
+              <a:spcAft>
+                <a:spcPts val="0"/>
+              </a:spcAft>
+              <a:buClr>
+                <a:srgbClr val="000000"/>
+              </a:buClr>
+              <a:buSzPts val="1800"/>
+              <a:buFont typeface="Arial"/>
+              <a:buNone/>
+            </a:pPr>
+            <a:endParaRPr sz="1800" b="0" i="0" u="none" strike="noStrike" cap="none" dirty="0">
+              <a:solidFill>
+                <a:schemeClr val="lt1"/>
+              </a:solidFill>
+              <a:latin typeface="Microsoft Yahei"/>
+              <a:ea typeface="Microsoft Yahei"/>
+              <a:cs typeface="Microsoft Yahei"/>
+              <a:sym typeface="Microsoft Yahei"/>
+            </a:endParaRPr>
+          </a:p>
+        </p:txBody>
+      </p:sp>
+      <p:pic>
+        <p:nvPicPr>
+          <p:cNvPr id="25" name="Google Shape;83;g12973218630_0_4">
+            <a:extLst>
+              <a:ext uri="{FF2B5EF4-FFF2-40B4-BE49-F238E27FC236}">
+                <a16:creationId xmlns:a16="http://schemas.microsoft.com/office/drawing/2014/main" id="{6BD9BFD6-BA6F-B6F7-25D9-3067F655ED39}"/>
+              </a:ext>
+            </a:extLst>
+          </p:cNvPr>
+          <p:cNvPicPr preferRelativeResize="0"/>
+          <p:nvPr/>
+        </p:nvPicPr>
+        <p:blipFill rotWithShape="1">
+          <a:blip r:embed="rId4">
+            <a:alphaModFix/>
+          </a:blip>
+          <a:srcRect/>
+          <a:stretch/>
+        </p:blipFill>
+        <p:spPr>
+          <a:xfrm>
+            <a:off x="1594609" y="5176478"/>
+            <a:ext cx="1393570" cy="1393570"/>
+          </a:xfrm>
+          <a:prstGeom prst="rect">
+            <a:avLst/>
+          </a:prstGeom>
+          <a:noFill/>
+          <a:ln>
+            <a:noFill/>
+          </a:ln>
+        </p:spPr>
+      </p:pic>
     </p:spTree>
     <p:extLst>
       <p:ext uri="{BB962C8B-B14F-4D97-AF65-F5344CB8AC3E}">
-        <p14:creationId xmlns:p14="http://schemas.microsoft.com/office/powerpoint/2010/main" val="1001035921"/>
+        <p14:creationId xmlns:p14="http://schemas.microsoft.com/office/powerpoint/2010/main" val="658817696"/>
       </p:ext>
     </p:extLst>
   </p:cSld>
@@ -12901,6 +15121,312 @@
   <p:transition spd="med">
     <p:pull/>
   </p:transition>
+  <p:timing>
+    <p:tnLst>
+      <p:par>
+        <p:cTn id="1" dur="indefinite" restart="never" nodeType="tmRoot">
+          <p:childTnLst>
+            <p:seq concurrent="1" nextAc="seek">
+              <p:cTn id="2" dur="indefinite" nodeType="mainSeq">
+                <p:childTnLst>
+                  <p:par>
+                    <p:cTn id="3" fill="hold">
+                      <p:stCondLst>
+                        <p:cond delay="indefinite"/>
+                        <p:cond evt="onBegin" delay="0">
+                          <p:tn val="2"/>
+                        </p:cond>
+                      </p:stCondLst>
+                      <p:childTnLst>
+                        <p:par>
+                          <p:cTn id="4" fill="hold">
+                            <p:stCondLst>
+                              <p:cond delay="0"/>
+                            </p:stCondLst>
+                            <p:childTnLst>
+                              <p:par>
+                                <p:cTn id="5" presetID="10" presetClass="entr" presetSubtype="0" fill="hold" nodeType="afterEffect">
+                                  <p:stCondLst>
+                                    <p:cond delay="0"/>
+                                  </p:stCondLst>
+                                  <p:childTnLst>
+                                    <p:set>
+                                      <p:cBhvr>
+                                        <p:cTn id="6" dur="1" fill="hold">
+                                          <p:stCondLst>
+                                            <p:cond delay="0"/>
+                                          </p:stCondLst>
+                                        </p:cTn>
+                                        <p:tgtEl>
+                                          <p:spTgt spid="3"/>
+                                        </p:tgtEl>
+                                        <p:attrNameLst>
+                                          <p:attrName>style.visibility</p:attrName>
+                                        </p:attrNameLst>
+                                      </p:cBhvr>
+                                      <p:to>
+                                        <p:strVal val="visible"/>
+                                      </p:to>
+                                    </p:set>
+                                    <p:animEffect transition="in" filter="fade">
+                                      <p:cBhvr>
+                                        <p:cTn id="7" dur="250"/>
+                                        <p:tgtEl>
+                                          <p:spTgt spid="3"/>
+                                        </p:tgtEl>
+                                      </p:cBhvr>
+                                    </p:animEffect>
+                                  </p:childTnLst>
+                                </p:cTn>
+                              </p:par>
+                            </p:childTnLst>
+                          </p:cTn>
+                        </p:par>
+                        <p:par>
+                          <p:cTn id="8" fill="hold">
+                            <p:stCondLst>
+                              <p:cond delay="250"/>
+                            </p:stCondLst>
+                            <p:childTnLst>
+                              <p:par>
+                                <p:cTn id="9" presetID="10" presetClass="entr" presetSubtype="0" fill="hold" nodeType="afterEffect">
+                                  <p:stCondLst>
+                                    <p:cond delay="0"/>
+                                  </p:stCondLst>
+                                  <p:childTnLst>
+                                    <p:set>
+                                      <p:cBhvr>
+                                        <p:cTn id="10" dur="1" fill="hold">
+                                          <p:stCondLst>
+                                            <p:cond delay="0"/>
+                                          </p:stCondLst>
+                                        </p:cTn>
+                                        <p:tgtEl>
+                                          <p:spTgt spid="6"/>
+                                        </p:tgtEl>
+                                        <p:attrNameLst>
+                                          <p:attrName>style.visibility</p:attrName>
+                                        </p:attrNameLst>
+                                      </p:cBhvr>
+                                      <p:to>
+                                        <p:strVal val="visible"/>
+                                      </p:to>
+                                    </p:set>
+                                    <p:animEffect transition="in" filter="fade">
+                                      <p:cBhvr>
+                                        <p:cTn id="11" dur="500"/>
+                                        <p:tgtEl>
+                                          <p:spTgt spid="6"/>
+                                        </p:tgtEl>
+                                      </p:cBhvr>
+                                    </p:animEffect>
+                                  </p:childTnLst>
+                                </p:cTn>
+                              </p:par>
+                            </p:childTnLst>
+                          </p:cTn>
+                        </p:par>
+                        <p:par>
+                          <p:cTn id="12" fill="hold">
+                            <p:stCondLst>
+                              <p:cond delay="750"/>
+                            </p:stCondLst>
+                            <p:childTnLst>
+                              <p:par>
+                                <p:cTn id="13" presetID="10" presetClass="entr" presetSubtype="0" fill="hold" nodeType="afterEffect">
+                                  <p:stCondLst>
+                                    <p:cond delay="0"/>
+                                  </p:stCondLst>
+                                  <p:childTnLst>
+                                    <p:set>
+                                      <p:cBhvr>
+                                        <p:cTn id="14" dur="1" fill="hold">
+                                          <p:stCondLst>
+                                            <p:cond delay="0"/>
+                                          </p:stCondLst>
+                                        </p:cTn>
+                                        <p:tgtEl>
+                                          <p:spTgt spid="4"/>
+                                        </p:tgtEl>
+                                        <p:attrNameLst>
+                                          <p:attrName>style.visibility</p:attrName>
+                                        </p:attrNameLst>
+                                      </p:cBhvr>
+                                      <p:to>
+                                        <p:strVal val="visible"/>
+                                      </p:to>
+                                    </p:set>
+                                    <p:animEffect transition="in" filter="fade">
+                                      <p:cBhvr>
+                                        <p:cTn id="15" dur="250"/>
+                                        <p:tgtEl>
+                                          <p:spTgt spid="4"/>
+                                        </p:tgtEl>
+                                      </p:cBhvr>
+                                    </p:animEffect>
+                                  </p:childTnLst>
+                                </p:cTn>
+                              </p:par>
+                            </p:childTnLst>
+                          </p:cTn>
+                        </p:par>
+                        <p:par>
+                          <p:cTn id="16" fill="hold">
+                            <p:stCondLst>
+                              <p:cond delay="1000"/>
+                            </p:stCondLst>
+                            <p:childTnLst>
+                              <p:par>
+                                <p:cTn id="17" presetID="10" presetClass="entr" presetSubtype="0" fill="hold" nodeType="afterEffect">
+                                  <p:stCondLst>
+                                    <p:cond delay="0"/>
+                                  </p:stCondLst>
+                                  <p:childTnLst>
+                                    <p:set>
+                                      <p:cBhvr>
+                                        <p:cTn id="18" dur="1" fill="hold">
+                                          <p:stCondLst>
+                                            <p:cond delay="0"/>
+                                          </p:stCondLst>
+                                        </p:cTn>
+                                        <p:tgtEl>
+                                          <p:spTgt spid="8"/>
+                                        </p:tgtEl>
+                                        <p:attrNameLst>
+                                          <p:attrName>style.visibility</p:attrName>
+                                        </p:attrNameLst>
+                                      </p:cBhvr>
+                                      <p:to>
+                                        <p:strVal val="visible"/>
+                                      </p:to>
+                                    </p:set>
+                                    <p:animEffect transition="in" filter="fade">
+                                      <p:cBhvr>
+                                        <p:cTn id="19" dur="500"/>
+                                        <p:tgtEl>
+                                          <p:spTgt spid="8"/>
+                                        </p:tgtEl>
+                                      </p:cBhvr>
+                                    </p:animEffect>
+                                  </p:childTnLst>
+                                </p:cTn>
+                              </p:par>
+                            </p:childTnLst>
+                          </p:cTn>
+                        </p:par>
+                        <p:par>
+                          <p:cTn id="20" fill="hold">
+                            <p:stCondLst>
+                              <p:cond delay="1500"/>
+                            </p:stCondLst>
+                            <p:childTnLst>
+                              <p:par>
+                                <p:cTn id="21" presetID="10" presetClass="entr" presetSubtype="0" fill="hold" nodeType="afterEffect">
+                                  <p:stCondLst>
+                                    <p:cond delay="0"/>
+                                  </p:stCondLst>
+                                  <p:childTnLst>
+                                    <p:set>
+                                      <p:cBhvr>
+                                        <p:cTn id="22" dur="1" fill="hold">
+                                          <p:stCondLst>
+                                            <p:cond delay="0"/>
+                                          </p:stCondLst>
+                                        </p:cTn>
+                                        <p:tgtEl>
+                                          <p:spTgt spid="5"/>
+                                        </p:tgtEl>
+                                        <p:attrNameLst>
+                                          <p:attrName>style.visibility</p:attrName>
+                                        </p:attrNameLst>
+                                      </p:cBhvr>
+                                      <p:to>
+                                        <p:strVal val="visible"/>
+                                      </p:to>
+                                    </p:set>
+                                    <p:animEffect transition="in" filter="fade">
+                                      <p:cBhvr>
+                                        <p:cTn id="23" dur="250"/>
+                                        <p:tgtEl>
+                                          <p:spTgt spid="5"/>
+                                        </p:tgtEl>
+                                      </p:cBhvr>
+                                    </p:animEffect>
+                                  </p:childTnLst>
+                                </p:cTn>
+                              </p:par>
+                            </p:childTnLst>
+                          </p:cTn>
+                        </p:par>
+                        <p:par>
+                          <p:cTn id="24" fill="hold">
+                            <p:stCondLst>
+                              <p:cond delay="1750"/>
+                            </p:stCondLst>
+                            <p:childTnLst>
+                              <p:par>
+                                <p:cTn id="25" presetID="10" presetClass="entr" presetSubtype="0" fill="hold" nodeType="afterEffect">
+                                  <p:stCondLst>
+                                    <p:cond delay="0"/>
+                                  </p:stCondLst>
+                                  <p:childTnLst>
+                                    <p:set>
+                                      <p:cBhvr>
+                                        <p:cTn id="26" dur="1" fill="hold">
+                                          <p:stCondLst>
+                                            <p:cond delay="0"/>
+                                          </p:stCondLst>
+                                        </p:cTn>
+                                        <p:tgtEl>
+                                          <p:spTgt spid="9"/>
+                                        </p:tgtEl>
+                                        <p:attrNameLst>
+                                          <p:attrName>style.visibility</p:attrName>
+                                        </p:attrNameLst>
+                                      </p:cBhvr>
+                                      <p:to>
+                                        <p:strVal val="visible"/>
+                                      </p:to>
+                                    </p:set>
+                                    <p:animEffect transition="in" filter="fade">
+                                      <p:cBhvr>
+                                        <p:cTn id="27" dur="500"/>
+                                        <p:tgtEl>
+                                          <p:spTgt spid="9"/>
+                                        </p:tgtEl>
+                                      </p:cBhvr>
+                                    </p:animEffect>
+                                  </p:childTnLst>
+                                </p:cTn>
+                              </p:par>
+                            </p:childTnLst>
+                          </p:cTn>
+                        </p:par>
+                      </p:childTnLst>
+                    </p:cTn>
+                  </p:par>
+                </p:childTnLst>
+              </p:cTn>
+              <p:prevCondLst>
+                <p:cond evt="onPrev" delay="0">
+                  <p:tgtEl>
+                    <p:sldTgt/>
+                  </p:tgtEl>
+                </p:cond>
+              </p:prevCondLst>
+              <p:nextCondLst>
+                <p:cond evt="onNext" delay="0">
+                  <p:tgtEl>
+                    <p:sldTgt/>
+                  </p:tgtEl>
+                </p:cond>
+              </p:nextCondLst>
+            </p:seq>
+          </p:childTnLst>
+        </p:cTn>
+      </p:par>
+    </p:tnLst>
+  </p:timing>
 </p:sld>
 </file>
 

--- a/files/PPT/二技第111208組-MRTaipei｜台北先生-簡報.pptx
+++ b/files/PPT/二技第111208組-MRTaipei｜台北先生-簡報.pptx
@@ -17,8 +17,8 @@
     <p:sldId id="305" r:id="rId5"/>
     <p:sldId id="306" r:id="rId6"/>
     <p:sldId id="260" r:id="rId7"/>
-    <p:sldId id="293" r:id="rId8"/>
-    <p:sldId id="294" r:id="rId9"/>
+    <p:sldId id="294" r:id="rId8"/>
+    <p:sldId id="293" r:id="rId9"/>
     <p:sldId id="296" r:id="rId10"/>
     <p:sldId id="264" r:id="rId11"/>
     <p:sldId id="297" r:id="rId12"/>
@@ -282,7 +282,7 @@
       <p15:notesGuideLst xmlns:p15="http://schemas.microsoft.com/office/powerpoint/2012/main"/>
     </p:ext>
     <p:ext uri="http://customooxmlschemas.google.com/">
-      <go:slidesCustomData xmlns="" xmlns:mc="http://schemas.openxmlformats.org/markup-compatibility/2006" xmlns:mv="urn:schemas-microsoft-com:mac:vml" xmlns:c="http://schemas.openxmlformats.org/drawingml/2006/chart" xmlns:dgm="http://schemas.openxmlformats.org/drawingml/2006/diagram" xmlns:o="urn:schemas-microsoft-com:office:office" xmlns:v="urn:schemas-microsoft-com:vml" xmlns:pvml="urn:schemas-microsoft-com:office:powerpoint" xmlns:com="http://schemas.openxmlformats.org/drawingml/2006/compatibility" xmlns:p14="http://schemas.microsoft.com/office/powerpoint/2010/main" xmlns:p15="http://schemas.microsoft.com/office/powerpoint/2012/main" xmlns:ahyp="http://schemas.microsoft.com/office/drawing/2018/hyperlinkcolor" xmlns:go="http://customooxmlschemas.google.com/" r:id="rId37" roundtripDataSignature="AMtx7mjiKT1yVaeywyoPlPSu1Mu7EKCAww=="/>
+      <go:slidesCustomData xmlns:go="http://customooxmlschemas.google.com/" xmlns:ahyp="http://schemas.microsoft.com/office/drawing/2018/hyperlinkcolor" xmlns:p15="http://schemas.microsoft.com/office/powerpoint/2012/main" xmlns:p14="http://schemas.microsoft.com/office/powerpoint/2010/main" xmlns:com="http://schemas.openxmlformats.org/drawingml/2006/compatibility" xmlns:pvml="urn:schemas-microsoft-com:office:powerpoint" xmlns:v="urn:schemas-microsoft-com:vml" xmlns:o="urn:schemas-microsoft-com:office:office" xmlns:dgm="http://schemas.openxmlformats.org/drawingml/2006/diagram" xmlns:c="http://schemas.openxmlformats.org/drawingml/2006/chart" xmlns:mv="urn:schemas-microsoft-com:mac:vml" xmlns:mc="http://schemas.openxmlformats.org/markup-compatibility/2006" xmlns="" r:id="rId37" roundtripDataSignature="AMtx7mjiKT1yVaeywyoPlPSu1Mu7EKCAww=="/>
     </p:ext>
   </p:extLst>
 </p:presentation>
@@ -293,7 +293,7 @@
   <pc:docChgLst>
     <pc:chgData name="渝捷 龔" userId="2490d0ff12808c59" providerId="LiveId" clId="{38F419AE-FF1E-4304-827B-D807DD6E2F6C}"/>
     <pc:docChg chg="addSld delSld modSld">
-      <pc:chgData name="渝捷 龔" userId="2490d0ff12808c59" providerId="LiveId" clId="{38F419AE-FF1E-4304-827B-D807DD6E2F6C}" dt="2022-05-21T03:41:47.270" v="5" actId="2696"/>
+      <pc:chgData name="渝捷 龔" userId="2490d0ff12808c59" providerId="LiveId" clId="{38F419AE-FF1E-4304-827B-D807DD6E2F6C}" dt="2022-05-22T02:48:30.029" v="15"/>
       <pc:docMkLst>
         <pc:docMk/>
       </pc:docMkLst>
@@ -309,6 +309,27 @@
         <pc:sldMkLst>
           <pc:docMk/>
           <pc:sldMk cId="1001035921" sldId="292"/>
+        </pc:sldMkLst>
+      </pc:sldChg>
+      <pc:sldChg chg="add del">
+        <pc:chgData name="渝捷 龔" userId="2490d0ff12808c59" providerId="LiveId" clId="{38F419AE-FF1E-4304-827B-D807DD6E2F6C}" dt="2022-05-22T02:48:26.367" v="14"/>
+        <pc:sldMkLst>
+          <pc:docMk/>
+          <pc:sldMk cId="2016983917" sldId="293"/>
+        </pc:sldMkLst>
+      </pc:sldChg>
+      <pc:sldChg chg="add del">
+        <pc:chgData name="渝捷 龔" userId="2490d0ff12808c59" providerId="LiveId" clId="{38F419AE-FF1E-4304-827B-D807DD6E2F6C}" dt="2022-05-22T02:48:23.691" v="13"/>
+        <pc:sldMkLst>
+          <pc:docMk/>
+          <pc:sldMk cId="2290577841" sldId="294"/>
+        </pc:sldMkLst>
+      </pc:sldChg>
+      <pc:sldChg chg="add del">
+        <pc:chgData name="渝捷 龔" userId="2490d0ff12808c59" providerId="LiveId" clId="{38F419AE-FF1E-4304-827B-D807DD6E2F6C}" dt="2022-05-22T02:48:30.029" v="15"/>
+        <pc:sldMkLst>
+          <pc:docMk/>
+          <pc:sldMk cId="1436881122" sldId="296"/>
         </pc:sldMkLst>
       </pc:sldChg>
       <pc:sldChg chg="del">
@@ -337,6 +358,20 @@
         <pc:sldMkLst>
           <pc:docMk/>
           <pc:sldMk cId="658817696" sldId="306"/>
+        </pc:sldMkLst>
+      </pc:sldChg>
+      <pc:sldChg chg="add del">
+        <pc:chgData name="渝捷 龔" userId="2490d0ff12808c59" providerId="LiveId" clId="{38F419AE-FF1E-4304-827B-D807DD6E2F6C}" dt="2022-05-22T02:48:11.637" v="8" actId="2696"/>
+        <pc:sldMkLst>
+          <pc:docMk/>
+          <pc:sldMk cId="355284936" sldId="307"/>
+        </pc:sldMkLst>
+      </pc:sldChg>
+      <pc:sldChg chg="add del">
+        <pc:chgData name="渝捷 龔" userId="2490d0ff12808c59" providerId="LiveId" clId="{38F419AE-FF1E-4304-827B-D807DD6E2F6C}" dt="2022-05-22T02:48:17.046" v="11" actId="2696"/>
+        <pc:sldMkLst>
+          <pc:docMk/>
+          <pc:sldMk cId="2812741725" sldId="307"/>
         </pc:sldMkLst>
       </pc:sldChg>
     </pc:docChg>
@@ -438,7 +473,7 @@
           <a:p>
             <a:fld id="{DE85EE6E-6BA8-E846-BF1C-6BE0FA6C4A2F}" type="datetimeFigureOut">
               <a:rPr kumimoji="1" lang="zh-TW" altLang="en-US" smtClean="0"/>
-              <a:t>2022/5/21</a:t>
+              <a:t>2022/5/22</a:t>
             </a:fld>
             <a:endParaRPr kumimoji="1" lang="zh-TW" altLang="en-US"/>
           </a:p>
@@ -16129,94 +16164,6 @@
           <p:cNvPr id="2" name="Google Shape;70;g12973218630_0_4">
             <a:extLst>
               <a:ext uri="{FF2B5EF4-FFF2-40B4-BE49-F238E27FC236}">
-                <a16:creationId xmlns:a16="http://schemas.microsoft.com/office/drawing/2014/main" id="{CFF5BFE3-F59A-A1F7-C3A8-A15445260B46}"/>
-              </a:ext>
-            </a:extLst>
-          </p:cNvPr>
-          <p:cNvSpPr txBox="1"/>
-          <p:nvPr/>
-        </p:nvSpPr>
-        <p:spPr>
-          <a:xfrm>
-            <a:off x="904875" y="409884"/>
-            <a:ext cx="2621100" cy="584735"/>
-          </a:xfrm>
-          <a:prstGeom prst="rect">
-            <a:avLst/>
-          </a:prstGeom>
-          <a:noFill/>
-          <a:ln>
-            <a:noFill/>
-          </a:ln>
-        </p:spPr>
-        <p:txBody>
-          <a:bodyPr spcFirstLastPara="1" wrap="square" lIns="91425" tIns="45700" rIns="91425" bIns="45700" anchor="t" anchorCtr="0">
-            <a:spAutoFit/>
-          </a:bodyPr>
-          <a:lstStyle/>
-          <a:p>
-            <a:pPr>
-              <a:buSzPts val="3200"/>
-            </a:pPr>
-            <a:r>
-              <a:rPr lang="zh-TW" altLang="en-US" sz="3200" dirty="0">
-                <a:solidFill>
-                  <a:schemeClr val="dk1"/>
-                </a:solidFill>
-                <a:latin typeface="Microsoft Yahei"/>
-                <a:ea typeface="Microsoft Yahei"/>
-                <a:sym typeface="Microsoft Yahei"/>
-              </a:rPr>
-              <a:t>系統架構</a:t>
-            </a:r>
-            <a:endParaRPr lang="zh-TW" altLang="en-US" sz="3200" dirty="0">
-              <a:solidFill>
-                <a:schemeClr val="dk1"/>
-              </a:solidFill>
-              <a:latin typeface="Microsoft Yahei"/>
-              <a:ea typeface="Microsoft Yahei"/>
-            </a:endParaRPr>
-          </a:p>
-        </p:txBody>
-      </p:sp>
-    </p:spTree>
-    <p:extLst>
-      <p:ext uri="{BB962C8B-B14F-4D97-AF65-F5344CB8AC3E}">
-        <p14:creationId xmlns:p14="http://schemas.microsoft.com/office/powerpoint/2010/main" val="2016983917"/>
-      </p:ext>
-    </p:extLst>
-  </p:cSld>
-  <p:clrMapOvr>
-    <a:masterClrMapping/>
-  </p:clrMapOvr>
-  <p:transition spd="med">
-    <p:pull/>
-  </p:transition>
-</p:sld>
-</file>
-
-<file path=ppt/slides/slide8.xml><?xml version="1.0" encoding="utf-8"?>
-<p:sld xmlns:a="http://schemas.openxmlformats.org/drawingml/2006/main" xmlns:r="http://schemas.openxmlformats.org/officeDocument/2006/relationships" xmlns:p="http://schemas.openxmlformats.org/presentationml/2006/main">
-  <p:cSld>
-    <p:spTree>
-      <p:nvGrpSpPr>
-        <p:cNvPr id="1" name=""/>
-        <p:cNvGrpSpPr/>
-        <p:nvPr/>
-      </p:nvGrpSpPr>
-      <p:grpSpPr>
-        <a:xfrm>
-          <a:off x="0" y="0"/>
-          <a:ext cx="0" cy="0"/>
-          <a:chOff x="0" y="0"/>
-          <a:chExt cx="0" cy="0"/>
-        </a:xfrm>
-      </p:grpSpPr>
-      <p:sp>
-        <p:nvSpPr>
-          <p:cNvPr id="2" name="Google Shape;70;g12973218630_0_4">
-            <a:extLst>
-              <a:ext uri="{FF2B5EF4-FFF2-40B4-BE49-F238E27FC236}">
                 <a16:creationId xmlns:a16="http://schemas.microsoft.com/office/drawing/2014/main" id="{664E9E37-123F-656E-1A5C-A9B89A53FDB7}"/>
               </a:ext>
             </a:extLst>
@@ -16270,6 +16217,966 @@
           </a:p>
         </p:txBody>
       </p:sp>
+      <p:grpSp>
+        <p:nvGrpSpPr>
+          <p:cNvPr id="3" name="Google Shape;180;p10">
+            <a:extLst>
+              <a:ext uri="{FF2B5EF4-FFF2-40B4-BE49-F238E27FC236}">
+                <a16:creationId xmlns:a16="http://schemas.microsoft.com/office/drawing/2014/main" id="{102582C1-FE06-B4C6-D777-2417B025788E}"/>
+              </a:ext>
+            </a:extLst>
+          </p:cNvPr>
+          <p:cNvGrpSpPr/>
+          <p:nvPr/>
+        </p:nvGrpSpPr>
+        <p:grpSpPr>
+          <a:xfrm>
+            <a:off x="1677941" y="1687299"/>
+            <a:ext cx="1980000" cy="1980000"/>
+            <a:chOff x="1025663" y="1759549"/>
+            <a:chExt cx="1894737" cy="1914486"/>
+          </a:xfrm>
+        </p:grpSpPr>
+        <p:sp>
+          <p:nvSpPr>
+            <p:cNvPr id="4" name="Google Shape;181;p10">
+              <a:extLst>
+                <a:ext uri="{FF2B5EF4-FFF2-40B4-BE49-F238E27FC236}">
+                  <a16:creationId xmlns:a16="http://schemas.microsoft.com/office/drawing/2014/main" id="{139C1693-71FC-6D1B-0D3E-14EC6E9AC3A8}"/>
+                </a:ext>
+              </a:extLst>
+            </p:cNvPr>
+            <p:cNvSpPr/>
+            <p:nvPr/>
+          </p:nvSpPr>
+          <p:spPr>
+            <a:xfrm>
+              <a:off x="1025663" y="1759549"/>
+              <a:ext cx="1894737" cy="1914486"/>
+            </a:xfrm>
+            <a:prstGeom prst="ellipse">
+              <a:avLst/>
+            </a:prstGeom>
+            <a:solidFill>
+              <a:srgbClr val="778495"/>
+            </a:solidFill>
+            <a:ln w="9525" cap="flat" cmpd="sng">
+              <a:solidFill>
+                <a:srgbClr val="97CCD4"/>
+              </a:solidFill>
+              <a:prstDash val="solid"/>
+              <a:round/>
+              <a:headEnd type="none" w="sm" len="sm"/>
+              <a:tailEnd type="none" w="sm" len="sm"/>
+            </a:ln>
+          </p:spPr>
+          <p:txBody>
+            <a:bodyPr spcFirstLastPara="1" wrap="square" lIns="91425" tIns="91425" rIns="91425" bIns="91425" anchor="ctr" anchorCtr="0">
+              <a:noAutofit/>
+            </a:bodyPr>
+            <a:lstStyle/>
+            <a:p>
+              <a:pPr marL="0" marR="0" lvl="0" indent="0" algn="ctr" rtl="0">
+                <a:lnSpc>
+                  <a:spcPct val="100000"/>
+                </a:lnSpc>
+                <a:spcBef>
+                  <a:spcPts val="0"/>
+                </a:spcBef>
+                <a:spcAft>
+                  <a:spcPts val="0"/>
+                </a:spcAft>
+                <a:buClr>
+                  <a:srgbClr val="000000"/>
+                </a:buClr>
+                <a:buSzPts val="200"/>
+                <a:buFont typeface="Arial"/>
+                <a:buNone/>
+              </a:pPr>
+              <a:endParaRPr sz="200" b="0" i="0" u="none" strike="noStrike" cap="none">
+                <a:solidFill>
+                  <a:schemeClr val="lt1"/>
+                </a:solidFill>
+                <a:latin typeface="Microsoft Yahei"/>
+                <a:ea typeface="Microsoft Yahei"/>
+                <a:cs typeface="Microsoft Yahei"/>
+                <a:sym typeface="Microsoft Yahei"/>
+              </a:endParaRPr>
+            </a:p>
+          </p:txBody>
+        </p:sp>
+        <p:sp>
+          <p:nvSpPr>
+            <p:cNvPr id="5" name="Google Shape;182;p10">
+              <a:extLst>
+                <a:ext uri="{FF2B5EF4-FFF2-40B4-BE49-F238E27FC236}">
+                  <a16:creationId xmlns:a16="http://schemas.microsoft.com/office/drawing/2014/main" id="{91C28F66-FA84-43F3-EC8C-B28B332341F0}"/>
+                </a:ext>
+              </a:extLst>
+            </p:cNvPr>
+            <p:cNvSpPr txBox="1"/>
+            <p:nvPr/>
+          </p:nvSpPr>
+          <p:spPr>
+            <a:xfrm>
+              <a:off x="1110803" y="2297131"/>
+              <a:ext cx="1724457" cy="1112965"/>
+            </a:xfrm>
+            <a:prstGeom prst="rect">
+              <a:avLst/>
+            </a:prstGeom>
+            <a:noFill/>
+            <a:ln>
+              <a:noFill/>
+            </a:ln>
+          </p:spPr>
+          <p:txBody>
+            <a:bodyPr spcFirstLastPara="1" wrap="square" lIns="91425" tIns="91425" rIns="91425" bIns="91425" anchor="t" anchorCtr="0">
+              <a:spAutoFit/>
+            </a:bodyPr>
+            <a:lstStyle/>
+            <a:p>
+              <a:pPr marL="0" marR="0" lvl="0" indent="0" algn="ctr" rtl="0">
+                <a:lnSpc>
+                  <a:spcPct val="100000"/>
+                </a:lnSpc>
+                <a:spcBef>
+                  <a:spcPts val="0"/>
+                </a:spcBef>
+                <a:spcAft>
+                  <a:spcPts val="0"/>
+                </a:spcAft>
+                <a:buClr>
+                  <a:srgbClr val="000000"/>
+                </a:buClr>
+                <a:buSzPts val="3400"/>
+                <a:buFont typeface="Arial"/>
+                <a:buNone/>
+              </a:pPr>
+              <a:r>
+                <a:rPr lang="en-US" sz="2800" b="0" i="0" u="none" strike="noStrike" cap="none" dirty="0" err="1">
+                  <a:solidFill>
+                    <a:schemeClr val="lt1"/>
+                  </a:solidFill>
+                  <a:latin typeface="Microsoft Yahei"/>
+                  <a:ea typeface="Microsoft Yahei"/>
+                  <a:cs typeface="Microsoft Yahei"/>
+                  <a:sym typeface="Microsoft Yahei"/>
+                </a:rPr>
+                <a:t>即時路線規劃</a:t>
+              </a:r>
+              <a:endParaRPr sz="100" b="0" i="0" u="none" strike="noStrike" cap="none" dirty="0">
+                <a:solidFill>
+                  <a:srgbClr val="000000"/>
+                </a:solidFill>
+                <a:latin typeface="Arial"/>
+                <a:ea typeface="Arial"/>
+                <a:cs typeface="Arial"/>
+                <a:sym typeface="Arial"/>
+              </a:endParaRPr>
+            </a:p>
+          </p:txBody>
+        </p:sp>
+      </p:grpSp>
+      <p:grpSp>
+        <p:nvGrpSpPr>
+          <p:cNvPr id="6" name="Google Shape;183;p10">
+            <a:extLst>
+              <a:ext uri="{FF2B5EF4-FFF2-40B4-BE49-F238E27FC236}">
+                <a16:creationId xmlns:a16="http://schemas.microsoft.com/office/drawing/2014/main" id="{11ACCE99-5F38-2F7C-7770-C2509F4BC782}"/>
+              </a:ext>
+            </a:extLst>
+          </p:cNvPr>
+          <p:cNvGrpSpPr/>
+          <p:nvPr/>
+        </p:nvGrpSpPr>
+        <p:grpSpPr>
+          <a:xfrm>
+            <a:off x="8591588" y="1687301"/>
+            <a:ext cx="1980000" cy="1980000"/>
+            <a:chOff x="1029460" y="1759551"/>
+            <a:chExt cx="2214515" cy="1851600"/>
+          </a:xfrm>
+        </p:grpSpPr>
+        <p:sp>
+          <p:nvSpPr>
+            <p:cNvPr id="7" name="Google Shape;184;p10">
+              <a:extLst>
+                <a:ext uri="{FF2B5EF4-FFF2-40B4-BE49-F238E27FC236}">
+                  <a16:creationId xmlns:a16="http://schemas.microsoft.com/office/drawing/2014/main" id="{EC571F97-4003-B31C-67CE-1FD4D589AB77}"/>
+                </a:ext>
+              </a:extLst>
+            </p:cNvPr>
+            <p:cNvSpPr/>
+            <p:nvPr/>
+          </p:nvSpPr>
+          <p:spPr>
+            <a:xfrm>
+              <a:off x="1029460" y="1759551"/>
+              <a:ext cx="2214515" cy="1851600"/>
+            </a:xfrm>
+            <a:prstGeom prst="ellipse">
+              <a:avLst/>
+            </a:prstGeom>
+            <a:solidFill>
+              <a:srgbClr val="3A414B"/>
+            </a:solidFill>
+            <a:ln w="9525" cap="flat" cmpd="sng">
+              <a:solidFill>
+                <a:srgbClr val="97CCD4"/>
+              </a:solidFill>
+              <a:prstDash val="solid"/>
+              <a:round/>
+              <a:headEnd type="none" w="sm" len="sm"/>
+              <a:tailEnd type="none" w="sm" len="sm"/>
+            </a:ln>
+          </p:spPr>
+          <p:txBody>
+            <a:bodyPr spcFirstLastPara="1" wrap="square" lIns="91425" tIns="91425" rIns="91425" bIns="91425" anchor="ctr" anchorCtr="0">
+              <a:noAutofit/>
+            </a:bodyPr>
+            <a:lstStyle/>
+            <a:p>
+              <a:pPr marL="0" marR="0" lvl="0" indent="0" algn="ctr" rtl="0">
+                <a:lnSpc>
+                  <a:spcPct val="100000"/>
+                </a:lnSpc>
+                <a:spcBef>
+                  <a:spcPts val="0"/>
+                </a:spcBef>
+                <a:spcAft>
+                  <a:spcPts val="0"/>
+                </a:spcAft>
+                <a:buClr>
+                  <a:srgbClr val="000000"/>
+                </a:buClr>
+                <a:buSzPts val="200"/>
+                <a:buFont typeface="Arial"/>
+                <a:buNone/>
+              </a:pPr>
+              <a:endParaRPr sz="200" b="0" i="0" u="none" strike="noStrike" cap="none">
+                <a:solidFill>
+                  <a:schemeClr val="lt1"/>
+                </a:solidFill>
+                <a:latin typeface="Microsoft Yahei"/>
+                <a:ea typeface="Microsoft Yahei"/>
+                <a:cs typeface="Microsoft Yahei"/>
+                <a:sym typeface="Microsoft Yahei"/>
+              </a:endParaRPr>
+            </a:p>
+          </p:txBody>
+        </p:sp>
+        <p:sp>
+          <p:nvSpPr>
+            <p:cNvPr id="8" name="Google Shape;185;p10">
+              <a:extLst>
+                <a:ext uri="{FF2B5EF4-FFF2-40B4-BE49-F238E27FC236}">
+                  <a16:creationId xmlns:a16="http://schemas.microsoft.com/office/drawing/2014/main" id="{ECA0DF81-FB00-CC92-E20C-F54663E754AF}"/>
+                </a:ext>
+              </a:extLst>
+            </p:cNvPr>
+            <p:cNvSpPr txBox="1"/>
+            <p:nvPr/>
+          </p:nvSpPr>
+          <p:spPr>
+            <a:xfrm>
+              <a:off x="1029460" y="2397545"/>
+              <a:ext cx="2214515" cy="575607"/>
+            </a:xfrm>
+            <a:prstGeom prst="rect">
+              <a:avLst/>
+            </a:prstGeom>
+            <a:noFill/>
+            <a:ln>
+              <a:noFill/>
+            </a:ln>
+          </p:spPr>
+          <p:txBody>
+            <a:bodyPr spcFirstLastPara="1" wrap="square" lIns="91425" tIns="91425" rIns="91425" bIns="91425" anchor="t" anchorCtr="0">
+              <a:spAutoFit/>
+            </a:bodyPr>
+            <a:lstStyle/>
+            <a:p>
+              <a:pPr marL="0" marR="0" lvl="0" indent="0" algn="ctr" rtl="0">
+                <a:lnSpc>
+                  <a:spcPct val="100000"/>
+                </a:lnSpc>
+                <a:spcBef>
+                  <a:spcPts val="0"/>
+                </a:spcBef>
+                <a:spcAft>
+                  <a:spcPts val="0"/>
+                </a:spcAft>
+                <a:buClr>
+                  <a:srgbClr val="000000"/>
+                </a:buClr>
+                <a:buSzPts val="3800"/>
+                <a:buFont typeface="Arial"/>
+                <a:buNone/>
+              </a:pPr>
+              <a:r>
+                <a:rPr lang="en-US" sz="2800" b="0" i="0" u="none" strike="noStrike" cap="none" dirty="0" err="1">
+                  <a:solidFill>
+                    <a:schemeClr val="lt1"/>
+                  </a:solidFill>
+                  <a:latin typeface="Microsoft Yahei"/>
+                  <a:ea typeface="Microsoft Yahei"/>
+                  <a:cs typeface="Microsoft Yahei"/>
+                  <a:sym typeface="Microsoft Yahei"/>
+                </a:rPr>
+                <a:t>回饋即時報</a:t>
+              </a:r>
+              <a:endParaRPr sz="2800" b="0" i="0" u="none" strike="noStrike" cap="none" dirty="0">
+                <a:solidFill>
+                  <a:srgbClr val="000000"/>
+                </a:solidFill>
+                <a:latin typeface="Arial"/>
+                <a:ea typeface="Arial"/>
+                <a:cs typeface="Arial"/>
+                <a:sym typeface="Arial"/>
+              </a:endParaRPr>
+            </a:p>
+          </p:txBody>
+        </p:sp>
+      </p:grpSp>
+      <p:grpSp>
+        <p:nvGrpSpPr>
+          <p:cNvPr id="9" name="Google Shape;186;p10">
+            <a:extLst>
+              <a:ext uri="{FF2B5EF4-FFF2-40B4-BE49-F238E27FC236}">
+                <a16:creationId xmlns:a16="http://schemas.microsoft.com/office/drawing/2014/main" id="{9512C1CF-792F-5F1E-1F6A-AB5F386A5800}"/>
+              </a:ext>
+            </a:extLst>
+          </p:cNvPr>
+          <p:cNvGrpSpPr/>
+          <p:nvPr/>
+        </p:nvGrpSpPr>
+        <p:grpSpPr>
+          <a:xfrm>
+            <a:off x="5067490" y="1657973"/>
+            <a:ext cx="2080927" cy="1980000"/>
+            <a:chOff x="977687" y="1759549"/>
+            <a:chExt cx="2190449" cy="2105934"/>
+          </a:xfrm>
+        </p:grpSpPr>
+        <p:sp>
+          <p:nvSpPr>
+            <p:cNvPr id="10" name="Google Shape;187;p10">
+              <a:extLst>
+                <a:ext uri="{FF2B5EF4-FFF2-40B4-BE49-F238E27FC236}">
+                  <a16:creationId xmlns:a16="http://schemas.microsoft.com/office/drawing/2014/main" id="{33742A1B-5EC6-DD61-9789-9535C2E7A312}"/>
+                </a:ext>
+              </a:extLst>
+            </p:cNvPr>
+            <p:cNvSpPr/>
+            <p:nvPr/>
+          </p:nvSpPr>
+          <p:spPr>
+            <a:xfrm>
+              <a:off x="1025663" y="1759549"/>
+              <a:ext cx="2084210" cy="2105934"/>
+            </a:xfrm>
+            <a:prstGeom prst="ellipse">
+              <a:avLst/>
+            </a:prstGeom>
+            <a:solidFill>
+              <a:srgbClr val="97CCD4"/>
+            </a:solidFill>
+            <a:ln w="9525" cap="flat" cmpd="sng">
+              <a:solidFill>
+                <a:srgbClr val="97CCD4"/>
+              </a:solidFill>
+              <a:prstDash val="solid"/>
+              <a:round/>
+              <a:headEnd type="none" w="sm" len="sm"/>
+              <a:tailEnd type="none" w="sm" len="sm"/>
+            </a:ln>
+          </p:spPr>
+          <p:txBody>
+            <a:bodyPr spcFirstLastPara="1" wrap="square" lIns="91425" tIns="91425" rIns="91425" bIns="91425" anchor="ctr" anchorCtr="0">
+              <a:noAutofit/>
+            </a:bodyPr>
+            <a:lstStyle/>
+            <a:p>
+              <a:pPr marL="0" marR="0" lvl="0" indent="0" algn="ctr" rtl="0">
+                <a:lnSpc>
+                  <a:spcPct val="100000"/>
+                </a:lnSpc>
+                <a:spcBef>
+                  <a:spcPts val="0"/>
+                </a:spcBef>
+                <a:spcAft>
+                  <a:spcPts val="0"/>
+                </a:spcAft>
+                <a:buClr>
+                  <a:srgbClr val="000000"/>
+                </a:buClr>
+                <a:buSzPts val="200"/>
+                <a:buFont typeface="Arial"/>
+                <a:buNone/>
+              </a:pPr>
+              <a:endParaRPr sz="200" b="0" i="0" u="none" strike="noStrike" cap="none">
+                <a:solidFill>
+                  <a:schemeClr val="lt1"/>
+                </a:solidFill>
+                <a:latin typeface="Microsoft Yahei"/>
+                <a:ea typeface="Microsoft Yahei"/>
+                <a:cs typeface="Microsoft Yahei"/>
+                <a:sym typeface="Microsoft Yahei"/>
+              </a:endParaRPr>
+            </a:p>
+          </p:txBody>
+        </p:sp>
+        <p:sp>
+          <p:nvSpPr>
+            <p:cNvPr id="11" name="Google Shape;188;p10">
+              <a:extLst>
+                <a:ext uri="{FF2B5EF4-FFF2-40B4-BE49-F238E27FC236}">
+                  <a16:creationId xmlns:a16="http://schemas.microsoft.com/office/drawing/2014/main" id="{9A11152A-83C2-AED5-DF36-D803D585ACB7}"/>
+                </a:ext>
+              </a:extLst>
+            </p:cNvPr>
+            <p:cNvSpPr txBox="1"/>
+            <p:nvPr/>
+          </p:nvSpPr>
+          <p:spPr>
+            <a:xfrm>
+              <a:off x="977687" y="2516371"/>
+              <a:ext cx="2190449" cy="654672"/>
+            </a:xfrm>
+            <a:prstGeom prst="rect">
+              <a:avLst/>
+            </a:prstGeom>
+            <a:noFill/>
+            <a:ln>
+              <a:noFill/>
+            </a:ln>
+          </p:spPr>
+          <p:txBody>
+            <a:bodyPr spcFirstLastPara="1" wrap="square" lIns="91425" tIns="91425" rIns="91425" bIns="91425" anchor="t" anchorCtr="0">
+              <a:spAutoFit/>
+            </a:bodyPr>
+            <a:lstStyle/>
+            <a:p>
+              <a:pPr marL="0" marR="0" lvl="0" indent="0" algn="ctr" rtl="0">
+                <a:lnSpc>
+                  <a:spcPct val="100000"/>
+                </a:lnSpc>
+                <a:spcBef>
+                  <a:spcPts val="0"/>
+                </a:spcBef>
+                <a:spcAft>
+                  <a:spcPts val="0"/>
+                </a:spcAft>
+                <a:buClr>
+                  <a:srgbClr val="000000"/>
+                </a:buClr>
+                <a:buSzPts val="3800"/>
+                <a:buFont typeface="Arial"/>
+                <a:buNone/>
+              </a:pPr>
+              <a:r>
+                <a:rPr lang="en-US" sz="2800" b="0" i="0" u="none" strike="noStrike" cap="none">
+                  <a:solidFill>
+                    <a:schemeClr val="lt1"/>
+                  </a:solidFill>
+                  <a:latin typeface="Microsoft Yahei"/>
+                  <a:ea typeface="Microsoft Yahei"/>
+                  <a:cs typeface="Microsoft Yahei"/>
+                  <a:sym typeface="Microsoft Yahei"/>
+                </a:rPr>
+                <a:t>遺失物通報</a:t>
+              </a:r>
+              <a:endParaRPr sz="2800" b="0" i="0" u="none" strike="noStrike" cap="none">
+                <a:solidFill>
+                  <a:srgbClr val="000000"/>
+                </a:solidFill>
+                <a:latin typeface="Arial"/>
+                <a:ea typeface="Arial"/>
+                <a:cs typeface="Arial"/>
+                <a:sym typeface="Arial"/>
+              </a:endParaRPr>
+            </a:p>
+          </p:txBody>
+        </p:sp>
+      </p:grpSp>
+      <p:grpSp>
+        <p:nvGrpSpPr>
+          <p:cNvPr id="12" name="Google Shape;189;p10">
+            <a:extLst>
+              <a:ext uri="{FF2B5EF4-FFF2-40B4-BE49-F238E27FC236}">
+                <a16:creationId xmlns:a16="http://schemas.microsoft.com/office/drawing/2014/main" id="{D5FCD9A1-83F3-7AA1-D687-4D6CED422C4A}"/>
+              </a:ext>
+            </a:extLst>
+          </p:cNvPr>
+          <p:cNvGrpSpPr/>
+          <p:nvPr/>
+        </p:nvGrpSpPr>
+        <p:grpSpPr>
+          <a:xfrm>
+            <a:off x="5113067" y="4509601"/>
+            <a:ext cx="1980000" cy="1980000"/>
+            <a:chOff x="989456" y="1759549"/>
+            <a:chExt cx="2331562" cy="1851600"/>
+          </a:xfrm>
+        </p:grpSpPr>
+        <p:sp>
+          <p:nvSpPr>
+            <p:cNvPr id="13" name="Google Shape;190;p10">
+              <a:extLst>
+                <a:ext uri="{FF2B5EF4-FFF2-40B4-BE49-F238E27FC236}">
+                  <a16:creationId xmlns:a16="http://schemas.microsoft.com/office/drawing/2014/main" id="{DCFBB0D3-D84B-CE96-491F-8A799E5FAF50}"/>
+                </a:ext>
+              </a:extLst>
+            </p:cNvPr>
+            <p:cNvSpPr/>
+            <p:nvPr/>
+          </p:nvSpPr>
+          <p:spPr>
+            <a:xfrm>
+              <a:off x="989456" y="1759549"/>
+              <a:ext cx="2331562" cy="1851600"/>
+            </a:xfrm>
+            <a:prstGeom prst="ellipse">
+              <a:avLst/>
+            </a:prstGeom>
+            <a:solidFill>
+              <a:srgbClr val="778495"/>
+            </a:solidFill>
+            <a:ln>
+              <a:noFill/>
+            </a:ln>
+          </p:spPr>
+          <p:txBody>
+            <a:bodyPr spcFirstLastPara="1" wrap="square" lIns="91425" tIns="91425" rIns="91425" bIns="91425" anchor="ctr" anchorCtr="0">
+              <a:noAutofit/>
+            </a:bodyPr>
+            <a:lstStyle/>
+            <a:p>
+              <a:pPr marL="0" marR="0" lvl="0" indent="0" algn="ctr" rtl="0">
+                <a:lnSpc>
+                  <a:spcPct val="100000"/>
+                </a:lnSpc>
+                <a:spcBef>
+                  <a:spcPts val="0"/>
+                </a:spcBef>
+                <a:spcAft>
+                  <a:spcPts val="0"/>
+                </a:spcAft>
+                <a:buClr>
+                  <a:srgbClr val="000000"/>
+                </a:buClr>
+                <a:buSzPts val="200"/>
+                <a:buFont typeface="Arial"/>
+                <a:buNone/>
+              </a:pPr>
+              <a:endParaRPr sz="200" b="0" i="0" u="none" strike="noStrike" cap="none">
+                <a:solidFill>
+                  <a:schemeClr val="lt1"/>
+                </a:solidFill>
+                <a:latin typeface="Microsoft Yahei"/>
+                <a:ea typeface="Microsoft Yahei"/>
+                <a:cs typeface="Microsoft Yahei"/>
+                <a:sym typeface="Microsoft Yahei"/>
+              </a:endParaRPr>
+            </a:p>
+          </p:txBody>
+        </p:sp>
+        <p:sp>
+          <p:nvSpPr>
+            <p:cNvPr id="14" name="Google Shape;191;p10">
+              <a:extLst>
+                <a:ext uri="{FF2B5EF4-FFF2-40B4-BE49-F238E27FC236}">
+                  <a16:creationId xmlns:a16="http://schemas.microsoft.com/office/drawing/2014/main" id="{F014F99B-72B2-E877-E502-9384D1FD8589}"/>
+                </a:ext>
+              </a:extLst>
+            </p:cNvPr>
+            <p:cNvSpPr txBox="1"/>
+            <p:nvPr/>
+          </p:nvSpPr>
+          <p:spPr>
+            <a:xfrm>
+              <a:off x="1070287" y="2422246"/>
+              <a:ext cx="2169900" cy="575607"/>
+            </a:xfrm>
+            <a:prstGeom prst="rect">
+              <a:avLst/>
+            </a:prstGeom>
+            <a:noFill/>
+            <a:ln>
+              <a:noFill/>
+            </a:ln>
+          </p:spPr>
+          <p:txBody>
+            <a:bodyPr spcFirstLastPara="1" wrap="square" lIns="91425" tIns="91425" rIns="91425" bIns="91425" anchor="t" anchorCtr="0">
+              <a:spAutoFit/>
+            </a:bodyPr>
+            <a:lstStyle/>
+            <a:p>
+              <a:pPr marL="0" marR="0" lvl="0" indent="0" algn="ctr" rtl="0">
+                <a:lnSpc>
+                  <a:spcPct val="100000"/>
+                </a:lnSpc>
+                <a:spcBef>
+                  <a:spcPts val="0"/>
+                </a:spcBef>
+                <a:spcAft>
+                  <a:spcPts val="0"/>
+                </a:spcAft>
+                <a:buClr>
+                  <a:srgbClr val="000000"/>
+                </a:buClr>
+                <a:buSzPts val="3400"/>
+                <a:buFont typeface="Arial"/>
+                <a:buNone/>
+              </a:pPr>
+              <a:r>
+                <a:rPr lang="en-US" sz="2800" b="0" i="0" u="none" strike="noStrike" cap="none" dirty="0" err="1">
+                  <a:solidFill>
+                    <a:schemeClr val="lt1"/>
+                  </a:solidFill>
+                  <a:latin typeface="Microsoft Yahei"/>
+                  <a:ea typeface="Microsoft Yahei"/>
+                  <a:cs typeface="Microsoft Yahei"/>
+                  <a:sym typeface="Microsoft Yahei"/>
+                </a:rPr>
+                <a:t>下車提醒</a:t>
+              </a:r>
+              <a:endParaRPr sz="100" b="0" i="0" u="none" strike="noStrike" cap="none" dirty="0">
+                <a:solidFill>
+                  <a:srgbClr val="000000"/>
+                </a:solidFill>
+                <a:latin typeface="Arial"/>
+                <a:ea typeface="Arial"/>
+                <a:cs typeface="Arial"/>
+                <a:sym typeface="Arial"/>
+              </a:endParaRPr>
+            </a:p>
+          </p:txBody>
+        </p:sp>
+      </p:grpSp>
+      <p:grpSp>
+        <p:nvGrpSpPr>
+          <p:cNvPr id="15" name="Google Shape;192;p10">
+            <a:extLst>
+              <a:ext uri="{FF2B5EF4-FFF2-40B4-BE49-F238E27FC236}">
+                <a16:creationId xmlns:a16="http://schemas.microsoft.com/office/drawing/2014/main" id="{887F2B40-A301-D30B-53B1-32A8DB8EAC29}"/>
+              </a:ext>
+            </a:extLst>
+          </p:cNvPr>
+          <p:cNvGrpSpPr/>
+          <p:nvPr/>
+        </p:nvGrpSpPr>
+        <p:grpSpPr>
+          <a:xfrm>
+            <a:off x="1677941" y="4420501"/>
+            <a:ext cx="1980000" cy="2187501"/>
+            <a:chOff x="1025663" y="1759548"/>
+            <a:chExt cx="2084211" cy="2823435"/>
+          </a:xfrm>
+        </p:grpSpPr>
+        <p:sp>
+          <p:nvSpPr>
+            <p:cNvPr id="16" name="Google Shape;193;p10">
+              <a:extLst>
+                <a:ext uri="{FF2B5EF4-FFF2-40B4-BE49-F238E27FC236}">
+                  <a16:creationId xmlns:a16="http://schemas.microsoft.com/office/drawing/2014/main" id="{91B06796-1B2D-AECA-0942-F4231981A193}"/>
+                </a:ext>
+              </a:extLst>
+            </p:cNvPr>
+            <p:cNvSpPr/>
+            <p:nvPr/>
+          </p:nvSpPr>
+          <p:spPr>
+            <a:xfrm>
+              <a:off x="1025663" y="1759548"/>
+              <a:ext cx="2084211" cy="2578844"/>
+            </a:xfrm>
+            <a:prstGeom prst="ellipse">
+              <a:avLst/>
+            </a:prstGeom>
+            <a:solidFill>
+              <a:srgbClr val="3A414B"/>
+            </a:solidFill>
+            <a:ln w="9525" cap="flat" cmpd="sng">
+              <a:solidFill>
+                <a:srgbClr val="97CCD4"/>
+              </a:solidFill>
+              <a:prstDash val="solid"/>
+              <a:round/>
+              <a:headEnd type="none" w="sm" len="sm"/>
+              <a:tailEnd type="none" w="sm" len="sm"/>
+            </a:ln>
+          </p:spPr>
+          <p:txBody>
+            <a:bodyPr spcFirstLastPara="1" wrap="square" lIns="91425" tIns="91425" rIns="91425" bIns="91425" anchor="ctr" anchorCtr="0">
+              <a:noAutofit/>
+            </a:bodyPr>
+            <a:lstStyle/>
+            <a:p>
+              <a:pPr marL="0" marR="0" lvl="0" indent="0" algn="ctr" rtl="0">
+                <a:lnSpc>
+                  <a:spcPct val="100000"/>
+                </a:lnSpc>
+                <a:spcBef>
+                  <a:spcPts val="0"/>
+                </a:spcBef>
+                <a:spcAft>
+                  <a:spcPts val="0"/>
+                </a:spcAft>
+                <a:buClr>
+                  <a:srgbClr val="000000"/>
+                </a:buClr>
+                <a:buSzPts val="200"/>
+                <a:buFont typeface="Arial"/>
+                <a:buNone/>
+              </a:pPr>
+              <a:endParaRPr sz="200" b="0" i="0" u="none" strike="noStrike" cap="none">
+                <a:solidFill>
+                  <a:schemeClr val="lt1"/>
+                </a:solidFill>
+                <a:latin typeface="Microsoft Yahei"/>
+                <a:ea typeface="Microsoft Yahei"/>
+                <a:cs typeface="Microsoft Yahei"/>
+                <a:sym typeface="Microsoft Yahei"/>
+              </a:endParaRPr>
+            </a:p>
+          </p:txBody>
+        </p:sp>
+        <p:sp>
+          <p:nvSpPr>
+            <p:cNvPr id="17" name="Google Shape;194;p10">
+              <a:extLst>
+                <a:ext uri="{FF2B5EF4-FFF2-40B4-BE49-F238E27FC236}">
+                  <a16:creationId xmlns:a16="http://schemas.microsoft.com/office/drawing/2014/main" id="{97221C3C-DF8D-3384-8606-B23C9929298D}"/>
+                </a:ext>
+              </a:extLst>
+            </p:cNvPr>
+            <p:cNvSpPr txBox="1"/>
+            <p:nvPr/>
+          </p:nvSpPr>
+          <p:spPr>
+            <a:xfrm>
+              <a:off x="1215136" y="2477049"/>
+              <a:ext cx="1705264" cy="2105934"/>
+            </a:xfrm>
+            <a:prstGeom prst="rect">
+              <a:avLst/>
+            </a:prstGeom>
+            <a:noFill/>
+            <a:ln>
+              <a:noFill/>
+            </a:ln>
+          </p:spPr>
+          <p:txBody>
+            <a:bodyPr spcFirstLastPara="1" wrap="square" lIns="91425" tIns="91425" rIns="91425" bIns="91425" anchor="t" anchorCtr="0">
+              <a:spAutoFit/>
+            </a:bodyPr>
+            <a:lstStyle/>
+            <a:p>
+              <a:pPr marL="0" marR="0" lvl="0" indent="0" algn="ctr" rtl="0">
+                <a:lnSpc>
+                  <a:spcPct val="100000"/>
+                </a:lnSpc>
+                <a:spcBef>
+                  <a:spcPts val="0"/>
+                </a:spcBef>
+                <a:spcAft>
+                  <a:spcPts val="0"/>
+                </a:spcAft>
+                <a:buClr>
+                  <a:srgbClr val="000000"/>
+                </a:buClr>
+                <a:buSzPts val="3400"/>
+                <a:buFont typeface="Arial"/>
+                <a:buNone/>
+              </a:pPr>
+              <a:r>
+                <a:rPr lang="en-US" sz="2800" b="0" i="0" u="none" strike="noStrike" cap="none" dirty="0" err="1">
+                  <a:solidFill>
+                    <a:schemeClr val="lt1"/>
+                  </a:solidFill>
+                  <a:latin typeface="Microsoft Yahei"/>
+                  <a:ea typeface="Microsoft Yahei"/>
+                  <a:cs typeface="Microsoft Yahei"/>
+                  <a:sym typeface="Microsoft Yahei"/>
+                </a:rPr>
+                <a:t>站內路線導覽</a:t>
+              </a:r>
+              <a:endParaRPr sz="100" b="0" i="0" u="none" strike="noStrike" cap="none" dirty="0">
+                <a:solidFill>
+                  <a:srgbClr val="000000"/>
+                </a:solidFill>
+                <a:latin typeface="Arial"/>
+                <a:ea typeface="Arial"/>
+                <a:cs typeface="Arial"/>
+                <a:sym typeface="Arial"/>
+              </a:endParaRPr>
+            </a:p>
+          </p:txBody>
+        </p:sp>
+      </p:grpSp>
+      <p:grpSp>
+        <p:nvGrpSpPr>
+          <p:cNvPr id="18" name="Google Shape;195;p10">
+            <a:extLst>
+              <a:ext uri="{FF2B5EF4-FFF2-40B4-BE49-F238E27FC236}">
+                <a16:creationId xmlns:a16="http://schemas.microsoft.com/office/drawing/2014/main" id="{EEECDABF-90F9-156D-42D1-ED3704F85217}"/>
+              </a:ext>
+            </a:extLst>
+          </p:cNvPr>
+          <p:cNvGrpSpPr/>
+          <p:nvPr/>
+        </p:nvGrpSpPr>
+        <p:grpSpPr>
+          <a:xfrm>
+            <a:off x="8548193" y="4509601"/>
+            <a:ext cx="1980000" cy="1980000"/>
+            <a:chOff x="1025663" y="1759549"/>
+            <a:chExt cx="2084211" cy="2105934"/>
+          </a:xfrm>
+        </p:grpSpPr>
+        <p:sp>
+          <p:nvSpPr>
+            <p:cNvPr id="19" name="Google Shape;196;p10">
+              <a:extLst>
+                <a:ext uri="{FF2B5EF4-FFF2-40B4-BE49-F238E27FC236}">
+                  <a16:creationId xmlns:a16="http://schemas.microsoft.com/office/drawing/2014/main" id="{AF73EE71-E1B3-4814-6D87-54CEC66A407C}"/>
+                </a:ext>
+              </a:extLst>
+            </p:cNvPr>
+            <p:cNvSpPr/>
+            <p:nvPr/>
+          </p:nvSpPr>
+          <p:spPr>
+            <a:xfrm>
+              <a:off x="1025663" y="1759549"/>
+              <a:ext cx="2084211" cy="2105934"/>
+            </a:xfrm>
+            <a:prstGeom prst="ellipse">
+              <a:avLst/>
+            </a:prstGeom>
+            <a:solidFill>
+              <a:srgbClr val="97CCD4"/>
+            </a:solidFill>
+            <a:ln w="9525" cap="flat" cmpd="sng">
+              <a:solidFill>
+                <a:srgbClr val="97CCD4"/>
+              </a:solidFill>
+              <a:prstDash val="solid"/>
+              <a:round/>
+              <a:headEnd type="none" w="sm" len="sm"/>
+              <a:tailEnd type="none" w="sm" len="sm"/>
+            </a:ln>
+          </p:spPr>
+          <p:txBody>
+            <a:bodyPr spcFirstLastPara="1" wrap="square" lIns="91425" tIns="91425" rIns="91425" bIns="91425" anchor="ctr" anchorCtr="0">
+              <a:noAutofit/>
+            </a:bodyPr>
+            <a:lstStyle/>
+            <a:p>
+              <a:pPr marL="0" marR="0" lvl="0" indent="0" algn="ctr" rtl="0">
+                <a:lnSpc>
+                  <a:spcPct val="100000"/>
+                </a:lnSpc>
+                <a:spcBef>
+                  <a:spcPts val="0"/>
+                </a:spcBef>
+                <a:spcAft>
+                  <a:spcPts val="0"/>
+                </a:spcAft>
+                <a:buClr>
+                  <a:srgbClr val="000000"/>
+                </a:buClr>
+                <a:buSzPts val="200"/>
+                <a:buFont typeface="Arial"/>
+                <a:buNone/>
+              </a:pPr>
+              <a:endParaRPr sz="200" b="0" i="0" u="none" strike="noStrike" cap="none">
+                <a:solidFill>
+                  <a:schemeClr val="lt1"/>
+                </a:solidFill>
+                <a:latin typeface="Microsoft Yahei"/>
+                <a:ea typeface="Microsoft Yahei"/>
+                <a:cs typeface="Microsoft Yahei"/>
+                <a:sym typeface="Microsoft Yahei"/>
+              </a:endParaRPr>
+            </a:p>
+          </p:txBody>
+        </p:sp>
+        <p:sp>
+          <p:nvSpPr>
+            <p:cNvPr id="20" name="Google Shape;197;p10">
+              <a:extLst>
+                <a:ext uri="{FF2B5EF4-FFF2-40B4-BE49-F238E27FC236}">
+                  <a16:creationId xmlns:a16="http://schemas.microsoft.com/office/drawing/2014/main" id="{AE1E2669-DE3A-997F-B28C-B201936D4522}"/>
+                </a:ext>
+              </a:extLst>
+            </p:cNvPr>
+            <p:cNvSpPr txBox="1"/>
+            <p:nvPr/>
+          </p:nvSpPr>
+          <p:spPr>
+            <a:xfrm>
+              <a:off x="1165093" y="2256034"/>
+              <a:ext cx="1805351" cy="1112965"/>
+            </a:xfrm>
+            <a:prstGeom prst="rect">
+              <a:avLst/>
+            </a:prstGeom>
+            <a:noFill/>
+            <a:ln>
+              <a:noFill/>
+            </a:ln>
+          </p:spPr>
+          <p:txBody>
+            <a:bodyPr spcFirstLastPara="1" wrap="square" lIns="91425" tIns="91425" rIns="91425" bIns="91425" anchor="t" anchorCtr="0">
+              <a:spAutoFit/>
+            </a:bodyPr>
+            <a:lstStyle/>
+            <a:p>
+              <a:pPr marL="0" marR="0" lvl="0" indent="0" algn="ctr" rtl="0">
+                <a:lnSpc>
+                  <a:spcPct val="100000"/>
+                </a:lnSpc>
+                <a:spcBef>
+                  <a:spcPts val="0"/>
+                </a:spcBef>
+                <a:spcAft>
+                  <a:spcPts val="0"/>
+                </a:spcAft>
+                <a:buClr>
+                  <a:srgbClr val="000000"/>
+                </a:buClr>
+                <a:buSzPts val="3400"/>
+                <a:buFont typeface="Arial"/>
+                <a:buNone/>
+              </a:pPr>
+              <a:r>
+                <a:rPr lang="en-US" sz="2800" b="0" i="0" u="none" strike="noStrike" cap="none" dirty="0" err="1">
+                  <a:solidFill>
+                    <a:schemeClr val="lt1"/>
+                  </a:solidFill>
+                  <a:latin typeface="Microsoft Yahei"/>
+                  <a:ea typeface="Microsoft Yahei"/>
+                  <a:cs typeface="Microsoft Yahei"/>
+                  <a:sym typeface="Microsoft Yahei"/>
+                </a:rPr>
+                <a:t>Youbike站點分析</a:t>
+              </a:r>
+              <a:endParaRPr sz="100" b="0" i="0" u="none" strike="noStrike" cap="none" dirty="0">
+                <a:solidFill>
+                  <a:srgbClr val="000000"/>
+                </a:solidFill>
+                <a:latin typeface="Arial"/>
+                <a:ea typeface="Arial"/>
+                <a:cs typeface="Arial"/>
+                <a:sym typeface="Arial"/>
+              </a:endParaRPr>
+            </a:p>
+          </p:txBody>
+        </p:sp>
+      </p:grpSp>
     </p:spTree>
     <p:extLst>
       <p:ext uri="{BB962C8B-B14F-4D97-AF65-F5344CB8AC3E}">
@@ -16283,6 +17190,2601 @@
   <p:transition spd="med">
     <p:pull/>
   </p:transition>
+  <p:timing>
+    <p:tnLst>
+      <p:par>
+        <p:cTn id="1" dur="indefinite" restart="never" nodeType="tmRoot">
+          <p:childTnLst>
+            <p:seq concurrent="1" nextAc="seek">
+              <p:cTn id="2" dur="indefinite" nodeType="mainSeq">
+                <p:childTnLst>
+                  <p:par>
+                    <p:cTn id="3" fill="hold">
+                      <p:stCondLst>
+                        <p:cond delay="indefinite"/>
+                        <p:cond evt="onBegin" delay="0">
+                          <p:tn val="2"/>
+                        </p:cond>
+                      </p:stCondLst>
+                      <p:childTnLst>
+                        <p:par>
+                          <p:cTn id="4" fill="hold">
+                            <p:stCondLst>
+                              <p:cond delay="0"/>
+                            </p:stCondLst>
+                            <p:childTnLst>
+                              <p:par>
+                                <p:cTn id="5" presetID="10" presetClass="entr" presetSubtype="0" fill="hold" nodeType="withEffect">
+                                  <p:stCondLst>
+                                    <p:cond delay="0"/>
+                                  </p:stCondLst>
+                                  <p:childTnLst>
+                                    <p:set>
+                                      <p:cBhvr>
+                                        <p:cTn id="6" dur="1" fill="hold">
+                                          <p:stCondLst>
+                                            <p:cond delay="0"/>
+                                          </p:stCondLst>
+                                        </p:cTn>
+                                        <p:tgtEl>
+                                          <p:spTgt spid="3"/>
+                                        </p:tgtEl>
+                                        <p:attrNameLst>
+                                          <p:attrName>style.visibility</p:attrName>
+                                        </p:attrNameLst>
+                                      </p:cBhvr>
+                                      <p:to>
+                                        <p:strVal val="visible"/>
+                                      </p:to>
+                                    </p:set>
+                                    <p:animEffect transition="in" filter="fade">
+                                      <p:cBhvr>
+                                        <p:cTn id="7" dur="500"/>
+                                        <p:tgtEl>
+                                          <p:spTgt spid="3"/>
+                                        </p:tgtEl>
+                                      </p:cBhvr>
+                                    </p:animEffect>
+                                  </p:childTnLst>
+                                </p:cTn>
+                              </p:par>
+                            </p:childTnLst>
+                          </p:cTn>
+                        </p:par>
+                        <p:par>
+                          <p:cTn id="8" fill="hold">
+                            <p:stCondLst>
+                              <p:cond delay="500"/>
+                            </p:stCondLst>
+                            <p:childTnLst>
+                              <p:par>
+                                <p:cTn id="9" presetID="10" presetClass="entr" presetSubtype="0" fill="hold" nodeType="afterEffect">
+                                  <p:stCondLst>
+                                    <p:cond delay="0"/>
+                                  </p:stCondLst>
+                                  <p:childTnLst>
+                                    <p:set>
+                                      <p:cBhvr>
+                                        <p:cTn id="10" dur="1" fill="hold">
+                                          <p:stCondLst>
+                                            <p:cond delay="0"/>
+                                          </p:stCondLst>
+                                        </p:cTn>
+                                        <p:tgtEl>
+                                          <p:spTgt spid="9"/>
+                                        </p:tgtEl>
+                                        <p:attrNameLst>
+                                          <p:attrName>style.visibility</p:attrName>
+                                        </p:attrNameLst>
+                                      </p:cBhvr>
+                                      <p:to>
+                                        <p:strVal val="visible"/>
+                                      </p:to>
+                                    </p:set>
+                                    <p:animEffect transition="in" filter="fade">
+                                      <p:cBhvr>
+                                        <p:cTn id="11" dur="750"/>
+                                        <p:tgtEl>
+                                          <p:spTgt spid="9"/>
+                                        </p:tgtEl>
+                                      </p:cBhvr>
+                                    </p:animEffect>
+                                  </p:childTnLst>
+                                </p:cTn>
+                              </p:par>
+                            </p:childTnLst>
+                          </p:cTn>
+                        </p:par>
+                        <p:par>
+                          <p:cTn id="12" fill="hold">
+                            <p:stCondLst>
+                              <p:cond delay="1250"/>
+                            </p:stCondLst>
+                            <p:childTnLst>
+                              <p:par>
+                                <p:cTn id="13" presetID="10" presetClass="entr" presetSubtype="0" fill="hold" nodeType="afterEffect">
+                                  <p:stCondLst>
+                                    <p:cond delay="0"/>
+                                  </p:stCondLst>
+                                  <p:childTnLst>
+                                    <p:set>
+                                      <p:cBhvr>
+                                        <p:cTn id="14" dur="1" fill="hold">
+                                          <p:stCondLst>
+                                            <p:cond delay="0"/>
+                                          </p:stCondLst>
+                                        </p:cTn>
+                                        <p:tgtEl>
+                                          <p:spTgt spid="6"/>
+                                        </p:tgtEl>
+                                        <p:attrNameLst>
+                                          <p:attrName>style.visibility</p:attrName>
+                                        </p:attrNameLst>
+                                      </p:cBhvr>
+                                      <p:to>
+                                        <p:strVal val="visible"/>
+                                      </p:to>
+                                    </p:set>
+                                    <p:animEffect transition="in" filter="fade">
+                                      <p:cBhvr>
+                                        <p:cTn id="15" dur="750"/>
+                                        <p:tgtEl>
+                                          <p:spTgt spid="6"/>
+                                        </p:tgtEl>
+                                      </p:cBhvr>
+                                    </p:animEffect>
+                                  </p:childTnLst>
+                                </p:cTn>
+                              </p:par>
+                            </p:childTnLst>
+                          </p:cTn>
+                        </p:par>
+                        <p:par>
+                          <p:cTn id="16" fill="hold">
+                            <p:stCondLst>
+                              <p:cond delay="2000"/>
+                            </p:stCondLst>
+                            <p:childTnLst>
+                              <p:par>
+                                <p:cTn id="17" presetID="10" presetClass="entr" presetSubtype="0" fill="hold" nodeType="afterEffect">
+                                  <p:stCondLst>
+                                    <p:cond delay="0"/>
+                                  </p:stCondLst>
+                                  <p:childTnLst>
+                                    <p:set>
+                                      <p:cBhvr>
+                                        <p:cTn id="18" dur="1" fill="hold">
+                                          <p:stCondLst>
+                                            <p:cond delay="0"/>
+                                          </p:stCondLst>
+                                        </p:cTn>
+                                        <p:tgtEl>
+                                          <p:spTgt spid="15"/>
+                                        </p:tgtEl>
+                                        <p:attrNameLst>
+                                          <p:attrName>style.visibility</p:attrName>
+                                        </p:attrNameLst>
+                                      </p:cBhvr>
+                                      <p:to>
+                                        <p:strVal val="visible"/>
+                                      </p:to>
+                                    </p:set>
+                                    <p:animEffect transition="in" filter="fade">
+                                      <p:cBhvr>
+                                        <p:cTn id="19" dur="750"/>
+                                        <p:tgtEl>
+                                          <p:spTgt spid="15"/>
+                                        </p:tgtEl>
+                                      </p:cBhvr>
+                                    </p:animEffect>
+                                  </p:childTnLst>
+                                </p:cTn>
+                              </p:par>
+                            </p:childTnLst>
+                          </p:cTn>
+                        </p:par>
+                        <p:par>
+                          <p:cTn id="20" fill="hold">
+                            <p:stCondLst>
+                              <p:cond delay="2750"/>
+                            </p:stCondLst>
+                            <p:childTnLst>
+                              <p:par>
+                                <p:cTn id="21" presetID="10" presetClass="entr" presetSubtype="0" fill="hold" nodeType="afterEffect">
+                                  <p:stCondLst>
+                                    <p:cond delay="0"/>
+                                  </p:stCondLst>
+                                  <p:childTnLst>
+                                    <p:set>
+                                      <p:cBhvr>
+                                        <p:cTn id="22" dur="1" fill="hold">
+                                          <p:stCondLst>
+                                            <p:cond delay="0"/>
+                                          </p:stCondLst>
+                                        </p:cTn>
+                                        <p:tgtEl>
+                                          <p:spTgt spid="12"/>
+                                        </p:tgtEl>
+                                        <p:attrNameLst>
+                                          <p:attrName>style.visibility</p:attrName>
+                                        </p:attrNameLst>
+                                      </p:cBhvr>
+                                      <p:to>
+                                        <p:strVal val="visible"/>
+                                      </p:to>
+                                    </p:set>
+                                    <p:animEffect transition="in" filter="fade">
+                                      <p:cBhvr>
+                                        <p:cTn id="23" dur="750"/>
+                                        <p:tgtEl>
+                                          <p:spTgt spid="12"/>
+                                        </p:tgtEl>
+                                      </p:cBhvr>
+                                    </p:animEffect>
+                                  </p:childTnLst>
+                                </p:cTn>
+                              </p:par>
+                            </p:childTnLst>
+                          </p:cTn>
+                        </p:par>
+                        <p:par>
+                          <p:cTn id="24" fill="hold">
+                            <p:stCondLst>
+                              <p:cond delay="3500"/>
+                            </p:stCondLst>
+                            <p:childTnLst>
+                              <p:par>
+                                <p:cTn id="25" presetID="10" presetClass="entr" presetSubtype="0" fill="hold" nodeType="afterEffect">
+                                  <p:stCondLst>
+                                    <p:cond delay="0"/>
+                                  </p:stCondLst>
+                                  <p:childTnLst>
+                                    <p:set>
+                                      <p:cBhvr>
+                                        <p:cTn id="26" dur="1" fill="hold">
+                                          <p:stCondLst>
+                                            <p:cond delay="0"/>
+                                          </p:stCondLst>
+                                        </p:cTn>
+                                        <p:tgtEl>
+                                          <p:spTgt spid="18"/>
+                                        </p:tgtEl>
+                                        <p:attrNameLst>
+                                          <p:attrName>style.visibility</p:attrName>
+                                        </p:attrNameLst>
+                                      </p:cBhvr>
+                                      <p:to>
+                                        <p:strVal val="visible"/>
+                                      </p:to>
+                                    </p:set>
+                                    <p:animEffect transition="in" filter="fade">
+                                      <p:cBhvr>
+                                        <p:cTn id="27" dur="750"/>
+                                        <p:tgtEl>
+                                          <p:spTgt spid="18"/>
+                                        </p:tgtEl>
+                                      </p:cBhvr>
+                                    </p:animEffect>
+                                  </p:childTnLst>
+                                </p:cTn>
+                              </p:par>
+                            </p:childTnLst>
+                          </p:cTn>
+                        </p:par>
+                      </p:childTnLst>
+                    </p:cTn>
+                  </p:par>
+                </p:childTnLst>
+              </p:cTn>
+              <p:prevCondLst>
+                <p:cond evt="onPrev" delay="0">
+                  <p:tgtEl>
+                    <p:sldTgt/>
+                  </p:tgtEl>
+                </p:cond>
+              </p:prevCondLst>
+              <p:nextCondLst>
+                <p:cond evt="onNext" delay="0">
+                  <p:tgtEl>
+                    <p:sldTgt/>
+                  </p:tgtEl>
+                </p:cond>
+              </p:nextCondLst>
+            </p:seq>
+          </p:childTnLst>
+        </p:cTn>
+      </p:par>
+    </p:tnLst>
+  </p:timing>
+</p:sld>
+</file>
+
+<file path=ppt/slides/slide8.xml><?xml version="1.0" encoding="utf-8"?>
+<p:sld xmlns:a="http://schemas.openxmlformats.org/drawingml/2006/main" xmlns:r="http://schemas.openxmlformats.org/officeDocument/2006/relationships" xmlns:p="http://schemas.openxmlformats.org/presentationml/2006/main">
+  <p:cSld>
+    <p:spTree>
+      <p:nvGrpSpPr>
+        <p:cNvPr id="1" name=""/>
+        <p:cNvGrpSpPr/>
+        <p:nvPr/>
+      </p:nvGrpSpPr>
+      <p:grpSpPr>
+        <a:xfrm>
+          <a:off x="0" y="0"/>
+          <a:ext cx="0" cy="0"/>
+          <a:chOff x="0" y="0"/>
+          <a:chExt cx="0" cy="0"/>
+        </a:xfrm>
+      </p:grpSpPr>
+      <p:sp>
+        <p:nvSpPr>
+          <p:cNvPr id="2" name="Google Shape;70;g12973218630_0_4">
+            <a:extLst>
+              <a:ext uri="{FF2B5EF4-FFF2-40B4-BE49-F238E27FC236}">
+                <a16:creationId xmlns:a16="http://schemas.microsoft.com/office/drawing/2014/main" id="{CFF5BFE3-F59A-A1F7-C3A8-A15445260B46}"/>
+              </a:ext>
+            </a:extLst>
+          </p:cNvPr>
+          <p:cNvSpPr txBox="1"/>
+          <p:nvPr/>
+        </p:nvSpPr>
+        <p:spPr>
+          <a:xfrm>
+            <a:off x="904875" y="409884"/>
+            <a:ext cx="2621100" cy="584735"/>
+          </a:xfrm>
+          <a:prstGeom prst="rect">
+            <a:avLst/>
+          </a:prstGeom>
+          <a:noFill/>
+          <a:ln>
+            <a:noFill/>
+          </a:ln>
+        </p:spPr>
+        <p:txBody>
+          <a:bodyPr spcFirstLastPara="1" wrap="square" lIns="91425" tIns="45700" rIns="91425" bIns="45700" anchor="t" anchorCtr="0">
+            <a:spAutoFit/>
+          </a:bodyPr>
+          <a:lstStyle/>
+          <a:p>
+            <a:pPr>
+              <a:buSzPts val="3200"/>
+            </a:pPr>
+            <a:r>
+              <a:rPr lang="zh-TW" altLang="en-US" sz="3200" dirty="0">
+                <a:solidFill>
+                  <a:schemeClr val="dk1"/>
+                </a:solidFill>
+                <a:latin typeface="Microsoft Yahei"/>
+                <a:ea typeface="Microsoft Yahei"/>
+                <a:sym typeface="Microsoft Yahei"/>
+              </a:rPr>
+              <a:t>系統架構</a:t>
+            </a:r>
+            <a:endParaRPr lang="zh-TW" altLang="en-US" sz="3200" dirty="0">
+              <a:solidFill>
+                <a:schemeClr val="dk1"/>
+              </a:solidFill>
+              <a:latin typeface="Microsoft Yahei"/>
+              <a:ea typeface="Microsoft Yahei"/>
+            </a:endParaRPr>
+          </a:p>
+        </p:txBody>
+      </p:sp>
+      <p:cxnSp>
+        <p:nvCxnSpPr>
+          <p:cNvPr id="3" name="接點: 弧形 28">
+            <a:extLst>
+              <a:ext uri="{FF2B5EF4-FFF2-40B4-BE49-F238E27FC236}">
+                <a16:creationId xmlns:a16="http://schemas.microsoft.com/office/drawing/2014/main" id="{4E106AC7-BD5E-E38B-5775-DD12B58F1822}"/>
+              </a:ext>
+            </a:extLst>
+          </p:cNvPr>
+          <p:cNvCxnSpPr>
+            <a:cxnSpLocks/>
+            <a:stCxn id="22" idx="1"/>
+            <a:endCxn id="5" idx="1"/>
+          </p:cNvCxnSpPr>
+          <p:nvPr/>
+        </p:nvCxnSpPr>
+        <p:spPr>
+          <a:xfrm rot="10800000" flipH="1">
+            <a:off x="5718184" y="1889828"/>
+            <a:ext cx="554849" cy="2998512"/>
+          </a:xfrm>
+          <a:prstGeom prst="curvedConnector3">
+            <a:avLst>
+              <a:gd name="adj1" fmla="val -118451"/>
+            </a:avLst>
+          </a:prstGeom>
+          <a:ln w="57150">
+            <a:solidFill>
+              <a:srgbClr val="38B2C6"/>
+            </a:solidFill>
+            <a:tailEnd type="triangle"/>
+          </a:ln>
+        </p:spPr>
+        <p:style>
+          <a:lnRef idx="1">
+            <a:schemeClr val="accent1"/>
+          </a:lnRef>
+          <a:fillRef idx="0">
+            <a:schemeClr val="accent1"/>
+          </a:fillRef>
+          <a:effectRef idx="0">
+            <a:schemeClr val="accent1"/>
+          </a:effectRef>
+          <a:fontRef idx="minor">
+            <a:schemeClr val="tx1"/>
+          </a:fontRef>
+        </p:style>
+      </p:cxnSp>
+      <p:grpSp>
+        <p:nvGrpSpPr>
+          <p:cNvPr id="4" name="群組 3">
+            <a:extLst>
+              <a:ext uri="{FF2B5EF4-FFF2-40B4-BE49-F238E27FC236}">
+                <a16:creationId xmlns:a16="http://schemas.microsoft.com/office/drawing/2014/main" id="{1CBEA4D1-C8E7-297D-9E8C-626638C88ABB}"/>
+              </a:ext>
+            </a:extLst>
+          </p:cNvPr>
+          <p:cNvGrpSpPr/>
+          <p:nvPr/>
+        </p:nvGrpSpPr>
+        <p:grpSpPr>
+          <a:xfrm>
+            <a:off x="6273034" y="865761"/>
+            <a:ext cx="5065432" cy="2091154"/>
+            <a:chOff x="6273034" y="865761"/>
+            <a:chExt cx="5065432" cy="2091154"/>
+          </a:xfrm>
+        </p:grpSpPr>
+        <p:sp>
+          <p:nvSpPr>
+            <p:cNvPr id="5" name="矩形: 圓角 14">
+              <a:extLst>
+                <a:ext uri="{FF2B5EF4-FFF2-40B4-BE49-F238E27FC236}">
+                  <a16:creationId xmlns:a16="http://schemas.microsoft.com/office/drawing/2014/main" id="{3AB8897C-48F8-704E-411A-1FEAA5FEA0BB}"/>
+                </a:ext>
+              </a:extLst>
+            </p:cNvPr>
+            <p:cNvSpPr/>
+            <p:nvPr/>
+          </p:nvSpPr>
+          <p:spPr>
+            <a:xfrm>
+              <a:off x="6273034" y="1235081"/>
+              <a:ext cx="1202219" cy="1309493"/>
+            </a:xfrm>
+            <a:prstGeom prst="roundRect">
+              <a:avLst>
+                <a:gd name="adj" fmla="val 8697"/>
+              </a:avLst>
+            </a:prstGeom>
+            <a:noFill/>
+            <a:ln w="57150">
+              <a:solidFill>
+                <a:srgbClr val="316D77"/>
+              </a:solidFill>
+            </a:ln>
+          </p:spPr>
+          <p:style>
+            <a:lnRef idx="2">
+              <a:schemeClr val="accent1">
+                <a:shade val="50000"/>
+              </a:schemeClr>
+            </a:lnRef>
+            <a:fillRef idx="1">
+              <a:schemeClr val="accent1"/>
+            </a:fillRef>
+            <a:effectRef idx="0">
+              <a:schemeClr val="accent1"/>
+            </a:effectRef>
+            <a:fontRef idx="minor">
+              <a:schemeClr val="lt1"/>
+            </a:fontRef>
+          </p:style>
+          <p:txBody>
+            <a:bodyPr rtlCol="0" anchor="ctr"/>
+            <a:lstStyle/>
+            <a:p>
+              <a:pPr algn="ctr"/>
+              <a:endParaRPr lang="zh-TW" altLang="en-US" sz="933"/>
+            </a:p>
+          </p:txBody>
+        </p:sp>
+        <p:sp>
+          <p:nvSpPr>
+            <p:cNvPr id="6" name="矩形: 圓角 15">
+              <a:extLst>
+                <a:ext uri="{FF2B5EF4-FFF2-40B4-BE49-F238E27FC236}">
+                  <a16:creationId xmlns:a16="http://schemas.microsoft.com/office/drawing/2014/main" id="{E1C17C2C-F2B3-E93C-732A-496FB7C0341A}"/>
+                </a:ext>
+              </a:extLst>
+            </p:cNvPr>
+            <p:cNvSpPr/>
+            <p:nvPr/>
+          </p:nvSpPr>
+          <p:spPr>
+            <a:xfrm>
+              <a:off x="7638005" y="865761"/>
+              <a:ext cx="3700461" cy="321919"/>
+            </a:xfrm>
+            <a:prstGeom prst="roundRect">
+              <a:avLst>
+                <a:gd name="adj" fmla="val 8697"/>
+              </a:avLst>
+            </a:prstGeom>
+            <a:noFill/>
+            <a:ln w="57150">
+              <a:solidFill>
+                <a:srgbClr val="316D77"/>
+              </a:solidFill>
+            </a:ln>
+          </p:spPr>
+          <p:style>
+            <a:lnRef idx="2">
+              <a:schemeClr val="accent1">
+                <a:shade val="50000"/>
+              </a:schemeClr>
+            </a:lnRef>
+            <a:fillRef idx="1">
+              <a:schemeClr val="accent1"/>
+            </a:fillRef>
+            <a:effectRef idx="0">
+              <a:schemeClr val="accent1"/>
+            </a:effectRef>
+            <a:fontRef idx="minor">
+              <a:schemeClr val="lt1"/>
+            </a:fontRef>
+          </p:style>
+          <p:txBody>
+            <a:bodyPr rtlCol="0" anchor="ctr"/>
+            <a:lstStyle/>
+            <a:p>
+              <a:pPr algn="ctr"/>
+              <a:endParaRPr lang="zh-TW" altLang="en-US" sz="933" b="1">
+                <a:latin typeface="微軟正黑體" panose="020B0604030504040204" pitchFamily="34" charset="-120"/>
+                <a:ea typeface="微軟正黑體" panose="020B0604030504040204" pitchFamily="34" charset="-120"/>
+              </a:endParaRPr>
+            </a:p>
+          </p:txBody>
+        </p:sp>
+        <p:sp>
+          <p:nvSpPr>
+            <p:cNvPr id="7" name="矩形: 圓角 16">
+              <a:extLst>
+                <a:ext uri="{FF2B5EF4-FFF2-40B4-BE49-F238E27FC236}">
+                  <a16:creationId xmlns:a16="http://schemas.microsoft.com/office/drawing/2014/main" id="{8969B6B3-6081-21B3-3693-A3C4634693F4}"/>
+                </a:ext>
+              </a:extLst>
+            </p:cNvPr>
+            <p:cNvSpPr/>
+            <p:nvPr/>
+          </p:nvSpPr>
+          <p:spPr>
+            <a:xfrm>
+              <a:off x="7638005" y="1310105"/>
+              <a:ext cx="3700461" cy="321919"/>
+            </a:xfrm>
+            <a:prstGeom prst="roundRect">
+              <a:avLst>
+                <a:gd name="adj" fmla="val 8697"/>
+              </a:avLst>
+            </a:prstGeom>
+            <a:noFill/>
+            <a:ln w="57150">
+              <a:solidFill>
+                <a:srgbClr val="316D77"/>
+              </a:solidFill>
+            </a:ln>
+          </p:spPr>
+          <p:style>
+            <a:lnRef idx="2">
+              <a:schemeClr val="accent1">
+                <a:shade val="50000"/>
+              </a:schemeClr>
+            </a:lnRef>
+            <a:fillRef idx="1">
+              <a:schemeClr val="accent1"/>
+            </a:fillRef>
+            <a:effectRef idx="0">
+              <a:schemeClr val="accent1"/>
+            </a:effectRef>
+            <a:fontRef idx="minor">
+              <a:schemeClr val="lt1"/>
+            </a:fontRef>
+          </p:style>
+          <p:txBody>
+            <a:bodyPr rtlCol="0" anchor="ctr"/>
+            <a:lstStyle/>
+            <a:p>
+              <a:pPr algn="ctr"/>
+              <a:endParaRPr lang="zh-TW" altLang="en-US" sz="933" b="1">
+                <a:latin typeface="微軟正黑體" panose="020B0604030504040204" pitchFamily="34" charset="-120"/>
+                <a:ea typeface="微軟正黑體" panose="020B0604030504040204" pitchFamily="34" charset="-120"/>
+              </a:endParaRPr>
+            </a:p>
+          </p:txBody>
+        </p:sp>
+        <p:sp>
+          <p:nvSpPr>
+            <p:cNvPr id="8" name="矩形: 圓角 17">
+              <a:extLst>
+                <a:ext uri="{FF2B5EF4-FFF2-40B4-BE49-F238E27FC236}">
+                  <a16:creationId xmlns:a16="http://schemas.microsoft.com/office/drawing/2014/main" id="{044BAEE7-A666-BD89-9D08-AE07E3604D83}"/>
+                </a:ext>
+              </a:extLst>
+            </p:cNvPr>
+            <p:cNvSpPr/>
+            <p:nvPr/>
+          </p:nvSpPr>
+          <p:spPr>
+            <a:xfrm>
+              <a:off x="7638005" y="1749950"/>
+              <a:ext cx="3700461" cy="321919"/>
+            </a:xfrm>
+            <a:prstGeom prst="roundRect">
+              <a:avLst>
+                <a:gd name="adj" fmla="val 8697"/>
+              </a:avLst>
+            </a:prstGeom>
+            <a:noFill/>
+            <a:ln w="57150">
+              <a:solidFill>
+                <a:srgbClr val="316D77"/>
+              </a:solidFill>
+            </a:ln>
+          </p:spPr>
+          <p:style>
+            <a:lnRef idx="2">
+              <a:schemeClr val="accent1">
+                <a:shade val="50000"/>
+              </a:schemeClr>
+            </a:lnRef>
+            <a:fillRef idx="1">
+              <a:schemeClr val="accent1"/>
+            </a:fillRef>
+            <a:effectRef idx="0">
+              <a:schemeClr val="accent1"/>
+            </a:effectRef>
+            <a:fontRef idx="minor">
+              <a:schemeClr val="lt1"/>
+            </a:fontRef>
+          </p:style>
+          <p:txBody>
+            <a:bodyPr rtlCol="0" anchor="ctr"/>
+            <a:lstStyle/>
+            <a:p>
+              <a:pPr algn="ctr"/>
+              <a:endParaRPr lang="zh-TW" altLang="en-US" sz="933" b="1">
+                <a:latin typeface="微軟正黑體" panose="020B0604030504040204" pitchFamily="34" charset="-120"/>
+                <a:ea typeface="微軟正黑體" panose="020B0604030504040204" pitchFamily="34" charset="-120"/>
+              </a:endParaRPr>
+            </a:p>
+          </p:txBody>
+        </p:sp>
+        <p:sp>
+          <p:nvSpPr>
+            <p:cNvPr id="9" name="矩形: 圓角 18">
+              <a:extLst>
+                <a:ext uri="{FF2B5EF4-FFF2-40B4-BE49-F238E27FC236}">
+                  <a16:creationId xmlns:a16="http://schemas.microsoft.com/office/drawing/2014/main" id="{E5344B3B-AB78-B136-7C63-03C17D38C378}"/>
+                </a:ext>
+              </a:extLst>
+            </p:cNvPr>
+            <p:cNvSpPr/>
+            <p:nvPr/>
+          </p:nvSpPr>
+          <p:spPr>
+            <a:xfrm>
+              <a:off x="7638005" y="2202700"/>
+              <a:ext cx="3700461" cy="321919"/>
+            </a:xfrm>
+            <a:prstGeom prst="roundRect">
+              <a:avLst>
+                <a:gd name="adj" fmla="val 8697"/>
+              </a:avLst>
+            </a:prstGeom>
+            <a:noFill/>
+            <a:ln w="57150">
+              <a:solidFill>
+                <a:srgbClr val="316D77"/>
+              </a:solidFill>
+            </a:ln>
+          </p:spPr>
+          <p:style>
+            <a:lnRef idx="2">
+              <a:schemeClr val="accent1">
+                <a:shade val="50000"/>
+              </a:schemeClr>
+            </a:lnRef>
+            <a:fillRef idx="1">
+              <a:schemeClr val="accent1"/>
+            </a:fillRef>
+            <a:effectRef idx="0">
+              <a:schemeClr val="accent1"/>
+            </a:effectRef>
+            <a:fontRef idx="minor">
+              <a:schemeClr val="lt1"/>
+            </a:fontRef>
+          </p:style>
+          <p:txBody>
+            <a:bodyPr rtlCol="0" anchor="ctr"/>
+            <a:lstStyle/>
+            <a:p>
+              <a:pPr algn="ctr"/>
+              <a:endParaRPr lang="zh-TW" altLang="en-US" sz="933" b="1">
+                <a:latin typeface="微軟正黑體" panose="020B0604030504040204" pitchFamily="34" charset="-120"/>
+                <a:ea typeface="微軟正黑體" panose="020B0604030504040204" pitchFamily="34" charset="-120"/>
+              </a:endParaRPr>
+            </a:p>
+          </p:txBody>
+        </p:sp>
+        <p:sp>
+          <p:nvSpPr>
+            <p:cNvPr id="10" name="矩形: 圓角 19">
+              <a:extLst>
+                <a:ext uri="{FF2B5EF4-FFF2-40B4-BE49-F238E27FC236}">
+                  <a16:creationId xmlns:a16="http://schemas.microsoft.com/office/drawing/2014/main" id="{CEA81A7A-B3ED-9C70-F5A3-F99FE2C7AE37}"/>
+                </a:ext>
+              </a:extLst>
+            </p:cNvPr>
+            <p:cNvSpPr/>
+            <p:nvPr/>
+          </p:nvSpPr>
+          <p:spPr>
+            <a:xfrm>
+              <a:off x="7638005" y="2632182"/>
+              <a:ext cx="3700461" cy="321919"/>
+            </a:xfrm>
+            <a:prstGeom prst="roundRect">
+              <a:avLst>
+                <a:gd name="adj" fmla="val 8697"/>
+              </a:avLst>
+            </a:prstGeom>
+            <a:noFill/>
+            <a:ln w="57150">
+              <a:solidFill>
+                <a:srgbClr val="316D77"/>
+              </a:solidFill>
+            </a:ln>
+          </p:spPr>
+          <p:style>
+            <a:lnRef idx="2">
+              <a:schemeClr val="accent1">
+                <a:shade val="50000"/>
+              </a:schemeClr>
+            </a:lnRef>
+            <a:fillRef idx="1">
+              <a:schemeClr val="accent1"/>
+            </a:fillRef>
+            <a:effectRef idx="0">
+              <a:schemeClr val="accent1"/>
+            </a:effectRef>
+            <a:fontRef idx="minor">
+              <a:schemeClr val="lt1"/>
+            </a:fontRef>
+          </p:style>
+          <p:txBody>
+            <a:bodyPr rtlCol="0" anchor="ctr"/>
+            <a:lstStyle/>
+            <a:p>
+              <a:pPr algn="ctr"/>
+              <a:endParaRPr lang="zh-TW" altLang="en-US" sz="933" b="1">
+                <a:latin typeface="微軟正黑體" panose="020B0604030504040204" pitchFamily="34" charset="-120"/>
+                <a:ea typeface="微軟正黑體" panose="020B0604030504040204" pitchFamily="34" charset="-120"/>
+              </a:endParaRPr>
+            </a:p>
+          </p:txBody>
+        </p:sp>
+        <p:pic>
+          <p:nvPicPr>
+            <p:cNvPr id="11" name="圖片 10">
+              <a:extLst>
+                <a:ext uri="{FF2B5EF4-FFF2-40B4-BE49-F238E27FC236}">
+                  <a16:creationId xmlns:a16="http://schemas.microsoft.com/office/drawing/2014/main" id="{F7992428-2249-89C7-B947-54D5345B87B0}"/>
+                </a:ext>
+              </a:extLst>
+            </p:cNvPr>
+            <p:cNvPicPr>
+              <a:picLocks noChangeAspect="1"/>
+            </p:cNvPicPr>
+            <p:nvPr/>
+          </p:nvPicPr>
+          <p:blipFill>
+            <a:blip r:embed="rId2"/>
+            <a:stretch>
+              <a:fillRect/>
+            </a:stretch>
+          </p:blipFill>
+          <p:spPr>
+            <a:xfrm>
+              <a:off x="6377131" y="1421369"/>
+              <a:ext cx="995743" cy="995743"/>
+            </a:xfrm>
+            <a:prstGeom prst="rect">
+              <a:avLst/>
+            </a:prstGeom>
+          </p:spPr>
+        </p:pic>
+        <p:sp>
+          <p:nvSpPr>
+            <p:cNvPr id="12" name="文字方塊 11">
+              <a:extLst>
+                <a:ext uri="{FF2B5EF4-FFF2-40B4-BE49-F238E27FC236}">
+                  <a16:creationId xmlns:a16="http://schemas.microsoft.com/office/drawing/2014/main" id="{F8ED3E12-30B1-C5A2-60D8-C24D391D2F2C}"/>
+                </a:ext>
+              </a:extLst>
+            </p:cNvPr>
+            <p:cNvSpPr txBox="1"/>
+            <p:nvPr/>
+          </p:nvSpPr>
+          <p:spPr>
+            <a:xfrm>
+              <a:off x="8191786" y="886598"/>
+              <a:ext cx="2664512" cy="276999"/>
+            </a:xfrm>
+            <a:prstGeom prst="rect">
+              <a:avLst/>
+            </a:prstGeom>
+            <a:noFill/>
+          </p:spPr>
+          <p:txBody>
+            <a:bodyPr wrap="none" rtlCol="0">
+              <a:spAutoFit/>
+            </a:bodyPr>
+            <a:lstStyle/>
+            <a:p>
+              <a:pPr algn="ctr"/>
+              <a:r>
+                <a:rPr lang="en-US" altLang="zh-TW" sz="1200" b="1" dirty="0">
+                  <a:latin typeface="微軟正黑體" panose="020B0604030504040204" pitchFamily="34" charset="-120"/>
+                  <a:ea typeface="微軟正黑體" panose="020B0604030504040204" pitchFamily="34" charset="-120"/>
+                  <a:cs typeface="Times New Roman" panose="02020603050405020304" pitchFamily="18" charset="0"/>
+                </a:rPr>
+                <a:t>Google Maps API (Directions API)</a:t>
+              </a:r>
+              <a:endParaRPr lang="zh-TW" altLang="en-US" sz="1200" b="1" dirty="0">
+                <a:latin typeface="微軟正黑體" panose="020B0604030504040204" pitchFamily="34" charset="-120"/>
+                <a:ea typeface="微軟正黑體" panose="020B0604030504040204" pitchFamily="34" charset="-120"/>
+                <a:cs typeface="Times New Roman" panose="02020603050405020304" pitchFamily="18" charset="0"/>
+              </a:endParaRPr>
+            </a:p>
+          </p:txBody>
+        </p:sp>
+        <p:sp>
+          <p:nvSpPr>
+            <p:cNvPr id="13" name="文字方塊 12">
+              <a:extLst>
+                <a:ext uri="{FF2B5EF4-FFF2-40B4-BE49-F238E27FC236}">
+                  <a16:creationId xmlns:a16="http://schemas.microsoft.com/office/drawing/2014/main" id="{4EAAE9BB-EB3C-043D-9F68-A3F29901222D}"/>
+                </a:ext>
+              </a:extLst>
+            </p:cNvPr>
+            <p:cNvSpPr txBox="1"/>
+            <p:nvPr/>
+          </p:nvSpPr>
+          <p:spPr>
+            <a:xfrm>
+              <a:off x="8455736" y="1363695"/>
+              <a:ext cx="2136611" cy="276999"/>
+            </a:xfrm>
+            <a:prstGeom prst="rect">
+              <a:avLst/>
+            </a:prstGeom>
+            <a:noFill/>
+          </p:spPr>
+          <p:txBody>
+            <a:bodyPr wrap="square">
+              <a:spAutoFit/>
+            </a:bodyPr>
+            <a:lstStyle/>
+            <a:p>
+              <a:pPr algn="ctr"/>
+              <a:r>
+                <a:rPr lang="zh-TW" altLang="en-US" sz="1200" b="1" dirty="0">
+                  <a:latin typeface="微軟正黑體" panose="020B0604030504040204" pitchFamily="34" charset="-120"/>
+                  <a:ea typeface="微軟正黑體" panose="020B0604030504040204" pitchFamily="34" charset="-120"/>
+                  <a:cs typeface="Times New Roman" panose="02020603050405020304" pitchFamily="18" charset="0"/>
+                </a:rPr>
+                <a:t>捷運剖面圖路線計算</a:t>
+              </a:r>
+            </a:p>
+          </p:txBody>
+        </p:sp>
+        <p:sp>
+          <p:nvSpPr>
+            <p:cNvPr id="14" name="文字方塊 13">
+              <a:extLst>
+                <a:ext uri="{FF2B5EF4-FFF2-40B4-BE49-F238E27FC236}">
+                  <a16:creationId xmlns:a16="http://schemas.microsoft.com/office/drawing/2014/main" id="{8DD3EB21-E31D-465C-BCED-26E9CD3DBC1D}"/>
+                </a:ext>
+              </a:extLst>
+            </p:cNvPr>
+            <p:cNvSpPr txBox="1"/>
+            <p:nvPr/>
+          </p:nvSpPr>
+          <p:spPr>
+            <a:xfrm>
+              <a:off x="7765777" y="2250450"/>
+              <a:ext cx="3441033" cy="276999"/>
+            </a:xfrm>
+            <a:prstGeom prst="rect">
+              <a:avLst/>
+            </a:prstGeom>
+            <a:noFill/>
+          </p:spPr>
+          <p:txBody>
+            <a:bodyPr wrap="square">
+              <a:spAutoFit/>
+            </a:bodyPr>
+            <a:lstStyle/>
+            <a:p>
+              <a:pPr algn="ctr"/>
+              <a:r>
+                <a:rPr lang="zh-TW" altLang="en-US" sz="1200" b="1" dirty="0">
+                  <a:latin typeface="微軟正黑體" panose="020B0604030504040204" pitchFamily="34" charset="-120"/>
+                  <a:ea typeface="微軟正黑體" panose="020B0604030504040204" pitchFamily="34" charset="-120"/>
+                  <a:cs typeface="Times New Roman" panose="02020603050405020304" pitchFamily="18" charset="0"/>
+                </a:rPr>
+                <a:t>出口位置、手扶梯、車廂位置 </a:t>
+              </a:r>
+              <a:r>
+                <a:rPr lang="en-US" altLang="zh-TW" sz="1200" b="1" dirty="0">
+                  <a:latin typeface="微軟正黑體" panose="020B0604030504040204" pitchFamily="34" charset="-120"/>
+                  <a:ea typeface="微軟正黑體" panose="020B0604030504040204" pitchFamily="34" charset="-120"/>
+                  <a:cs typeface="Times New Roman" panose="02020603050405020304" pitchFamily="18" charset="0"/>
+                </a:rPr>
+                <a:t>open data</a:t>
+              </a:r>
+              <a:endParaRPr lang="zh-TW" altLang="en-US" sz="1200" b="1" dirty="0">
+                <a:latin typeface="微軟正黑體" panose="020B0604030504040204" pitchFamily="34" charset="-120"/>
+                <a:ea typeface="微軟正黑體" panose="020B0604030504040204" pitchFamily="34" charset="-120"/>
+                <a:cs typeface="Times New Roman" panose="02020603050405020304" pitchFamily="18" charset="0"/>
+              </a:endParaRPr>
+            </a:p>
+          </p:txBody>
+        </p:sp>
+        <p:sp>
+          <p:nvSpPr>
+            <p:cNvPr id="15" name="文字方塊 14">
+              <a:extLst>
+                <a:ext uri="{FF2B5EF4-FFF2-40B4-BE49-F238E27FC236}">
+                  <a16:creationId xmlns:a16="http://schemas.microsoft.com/office/drawing/2014/main" id="{83B5B25A-CE4F-329C-5DEC-AEA88B7873C3}"/>
+                </a:ext>
+              </a:extLst>
+            </p:cNvPr>
+            <p:cNvSpPr txBox="1"/>
+            <p:nvPr/>
+          </p:nvSpPr>
+          <p:spPr>
+            <a:xfrm>
+              <a:off x="7785276" y="2679916"/>
+              <a:ext cx="3477529" cy="276999"/>
+            </a:xfrm>
+            <a:prstGeom prst="rect">
+              <a:avLst/>
+            </a:prstGeom>
+            <a:noFill/>
+          </p:spPr>
+          <p:txBody>
+            <a:bodyPr wrap="square">
+              <a:spAutoFit/>
+            </a:bodyPr>
+            <a:lstStyle/>
+            <a:p>
+              <a:pPr algn="ctr"/>
+              <a:r>
+                <a:rPr lang="en-US" altLang="zh-TW" sz="1200" b="1" dirty="0">
+                  <a:latin typeface="微軟正黑體" panose="020B0604030504040204" pitchFamily="34" charset="-120"/>
+                  <a:ea typeface="微軟正黑體" panose="020B0604030504040204" pitchFamily="34" charset="-120"/>
+                  <a:cs typeface="Times New Roman" panose="02020603050405020304" pitchFamily="18" charset="0"/>
+                </a:rPr>
+                <a:t>YouBike2.0</a:t>
+              </a:r>
+              <a:r>
+                <a:rPr lang="zh-TW" altLang="en-US" sz="1200" b="1" dirty="0">
+                  <a:latin typeface="微軟正黑體" panose="020B0604030504040204" pitchFamily="34" charset="-120"/>
+                  <a:ea typeface="微軟正黑體" panose="020B0604030504040204" pitchFamily="34" charset="-120"/>
+                  <a:cs typeface="Times New Roman" panose="02020603050405020304" pitchFamily="18" charset="0"/>
+                </a:rPr>
+                <a:t>臺北市公共自行車即時資訊</a:t>
+              </a:r>
+            </a:p>
+          </p:txBody>
+        </p:sp>
+        <p:sp>
+          <p:nvSpPr>
+            <p:cNvPr id="16" name="文字方塊 15">
+              <a:extLst>
+                <a:ext uri="{FF2B5EF4-FFF2-40B4-BE49-F238E27FC236}">
+                  <a16:creationId xmlns:a16="http://schemas.microsoft.com/office/drawing/2014/main" id="{3241509D-C585-5B42-07E0-5DD1F5879624}"/>
+                </a:ext>
+              </a:extLst>
+            </p:cNvPr>
+            <p:cNvSpPr txBox="1"/>
+            <p:nvPr/>
+          </p:nvSpPr>
+          <p:spPr>
+            <a:xfrm>
+              <a:off x="8444406" y="1792907"/>
+              <a:ext cx="2159271" cy="276999"/>
+            </a:xfrm>
+            <a:prstGeom prst="rect">
+              <a:avLst/>
+            </a:prstGeom>
+            <a:noFill/>
+          </p:spPr>
+          <p:txBody>
+            <a:bodyPr wrap="square">
+              <a:spAutoFit/>
+            </a:bodyPr>
+            <a:lstStyle/>
+            <a:p>
+              <a:pPr algn="ctr"/>
+              <a:r>
+                <a:rPr lang="zh-TW" altLang="en-US" sz="1200" b="1" dirty="0">
+                  <a:latin typeface="微軟正黑體" panose="020B0604030504040204" pitchFamily="34" charset="-120"/>
+                  <a:ea typeface="微軟正黑體" panose="020B0604030504040204" pitchFamily="34" charset="-120"/>
+                  <a:cs typeface="Times New Roman" panose="02020603050405020304" pitchFamily="18" charset="0"/>
+                </a:rPr>
+                <a:t>停靠站時間開放資料 </a:t>
+              </a:r>
+              <a:endParaRPr lang="zh-TW" altLang="en-US" sz="933" b="1" dirty="0">
+                <a:latin typeface="微軟正黑體" panose="020B0604030504040204" pitchFamily="34" charset="-120"/>
+                <a:ea typeface="微軟正黑體" panose="020B0604030504040204" pitchFamily="34" charset="-120"/>
+              </a:endParaRPr>
+            </a:p>
+          </p:txBody>
+        </p:sp>
+      </p:grpSp>
+      <p:grpSp>
+        <p:nvGrpSpPr>
+          <p:cNvPr id="48" name="群組 47">
+            <a:extLst>
+              <a:ext uri="{FF2B5EF4-FFF2-40B4-BE49-F238E27FC236}">
+                <a16:creationId xmlns:a16="http://schemas.microsoft.com/office/drawing/2014/main" id="{E93E0BF2-A274-0AAA-602B-5433F69DBB32}"/>
+              </a:ext>
+            </a:extLst>
+          </p:cNvPr>
+          <p:cNvGrpSpPr/>
+          <p:nvPr/>
+        </p:nvGrpSpPr>
+        <p:grpSpPr>
+          <a:xfrm>
+            <a:off x="360188" y="2061100"/>
+            <a:ext cx="10812663" cy="4628352"/>
+            <a:chOff x="360188" y="2061100"/>
+            <a:chExt cx="10812663" cy="4628352"/>
+          </a:xfrm>
+        </p:grpSpPr>
+        <p:grpSp>
+          <p:nvGrpSpPr>
+            <p:cNvPr id="17" name="群組 16">
+              <a:extLst>
+                <a:ext uri="{FF2B5EF4-FFF2-40B4-BE49-F238E27FC236}">
+                  <a16:creationId xmlns:a16="http://schemas.microsoft.com/office/drawing/2014/main" id="{9E38E57C-56BB-D129-14ED-61E58EAF1AA4}"/>
+                </a:ext>
+              </a:extLst>
+            </p:cNvPr>
+            <p:cNvGrpSpPr/>
+            <p:nvPr/>
+          </p:nvGrpSpPr>
+          <p:grpSpPr>
+            <a:xfrm>
+              <a:off x="360188" y="2490334"/>
+              <a:ext cx="10812663" cy="4199118"/>
+              <a:chOff x="360188" y="2490334"/>
+              <a:chExt cx="10812663" cy="4199118"/>
+            </a:xfrm>
+          </p:grpSpPr>
+          <p:sp>
+            <p:nvSpPr>
+              <p:cNvPr id="18" name="矩形: 圓角 3">
+                <a:extLst>
+                  <a:ext uri="{FF2B5EF4-FFF2-40B4-BE49-F238E27FC236}">
+                    <a16:creationId xmlns:a16="http://schemas.microsoft.com/office/drawing/2014/main" id="{A11990B8-B674-5D57-A827-05610179BD9A}"/>
+                  </a:ext>
+                </a:extLst>
+              </p:cNvPr>
+              <p:cNvSpPr/>
+              <p:nvPr/>
+            </p:nvSpPr>
+            <p:spPr>
+              <a:xfrm>
+                <a:off x="386977" y="4444926"/>
+                <a:ext cx="886830" cy="886830"/>
+              </a:xfrm>
+              <a:prstGeom prst="roundRect">
+                <a:avLst/>
+              </a:prstGeom>
+              <a:noFill/>
+              <a:ln w="57150">
+                <a:solidFill>
+                  <a:srgbClr val="00B900"/>
+                </a:solidFill>
+              </a:ln>
+            </p:spPr>
+            <p:style>
+              <a:lnRef idx="2">
+                <a:schemeClr val="accent1">
+                  <a:shade val="50000"/>
+                </a:schemeClr>
+              </a:lnRef>
+              <a:fillRef idx="1">
+                <a:schemeClr val="accent1"/>
+              </a:fillRef>
+              <a:effectRef idx="0">
+                <a:schemeClr val="accent1"/>
+              </a:effectRef>
+              <a:fontRef idx="minor">
+                <a:schemeClr val="lt1"/>
+              </a:fontRef>
+            </p:style>
+            <p:txBody>
+              <a:bodyPr rtlCol="0" anchor="ctr"/>
+              <a:lstStyle/>
+              <a:p>
+                <a:pPr algn="ctr"/>
+                <a:endParaRPr lang="zh-TW" altLang="en-US" sz="933"/>
+              </a:p>
+            </p:txBody>
+          </p:sp>
+          <p:sp>
+            <p:nvSpPr>
+              <p:cNvPr id="19" name="矩形: 圓角 5">
+                <a:extLst>
+                  <a:ext uri="{FF2B5EF4-FFF2-40B4-BE49-F238E27FC236}">
+                    <a16:creationId xmlns:a16="http://schemas.microsoft.com/office/drawing/2014/main" id="{5D961DF0-FB0C-402F-FDF7-5EFFAB8F9A4F}"/>
+                  </a:ext>
+                </a:extLst>
+              </p:cNvPr>
+              <p:cNvSpPr/>
+              <p:nvPr/>
+            </p:nvSpPr>
+            <p:spPr>
+              <a:xfrm>
+                <a:off x="2064920" y="3142133"/>
+                <a:ext cx="7090046" cy="3547319"/>
+              </a:xfrm>
+              <a:prstGeom prst="roundRect">
+                <a:avLst>
+                  <a:gd name="adj" fmla="val 6506"/>
+                </a:avLst>
+              </a:prstGeom>
+              <a:solidFill>
+                <a:srgbClr val="00B900">
+                  <a:alpha val="7000"/>
+                </a:srgbClr>
+              </a:solidFill>
+              <a:ln w="57150">
+                <a:solidFill>
+                  <a:srgbClr val="00B900"/>
+                </a:solidFill>
+              </a:ln>
+            </p:spPr>
+            <p:style>
+              <a:lnRef idx="2">
+                <a:schemeClr val="accent1">
+                  <a:shade val="50000"/>
+                </a:schemeClr>
+              </a:lnRef>
+              <a:fillRef idx="1">
+                <a:schemeClr val="accent1"/>
+              </a:fillRef>
+              <a:effectRef idx="0">
+                <a:schemeClr val="accent1"/>
+              </a:effectRef>
+              <a:fontRef idx="minor">
+                <a:schemeClr val="lt1"/>
+              </a:fontRef>
+            </p:style>
+            <p:txBody>
+              <a:bodyPr rtlCol="0" anchor="ctr"/>
+              <a:lstStyle/>
+              <a:p>
+                <a:pPr algn="ctr"/>
+                <a:endParaRPr lang="zh-TW" altLang="en-US" sz="933"/>
+              </a:p>
+            </p:txBody>
+          </p:sp>
+          <p:cxnSp>
+            <p:nvCxnSpPr>
+              <p:cNvPr id="20" name="直線單箭頭接點 31">
+                <a:extLst>
+                  <a:ext uri="{FF2B5EF4-FFF2-40B4-BE49-F238E27FC236}">
+                    <a16:creationId xmlns:a16="http://schemas.microsoft.com/office/drawing/2014/main" id="{D089A97E-C693-0CE2-C0AF-CEFC502D6A6C}"/>
+                  </a:ext>
+                </a:extLst>
+              </p:cNvPr>
+              <p:cNvCxnSpPr>
+                <a:cxnSpLocks/>
+                <a:stCxn id="18" idx="3"/>
+                <a:endCxn id="29" idx="1"/>
+              </p:cNvCxnSpPr>
+              <p:nvPr/>
+            </p:nvCxnSpPr>
+            <p:spPr>
+              <a:xfrm>
+                <a:off x="1273807" y="4888341"/>
+                <a:ext cx="1337337" cy="3030"/>
+              </a:xfrm>
+              <a:prstGeom prst="straightConnector1">
+                <a:avLst/>
+              </a:prstGeom>
+              <a:ln w="57150">
+                <a:solidFill>
+                  <a:srgbClr val="00B900"/>
+                </a:solidFill>
+                <a:headEnd type="triangle" w="med" len="med"/>
+                <a:tailEnd type="triangle" w="med" len="med"/>
+              </a:ln>
+            </p:spPr>
+            <p:style>
+              <a:lnRef idx="1">
+                <a:schemeClr val="accent1"/>
+              </a:lnRef>
+              <a:fillRef idx="0">
+                <a:schemeClr val="accent1"/>
+              </a:fillRef>
+              <a:effectRef idx="0">
+                <a:schemeClr val="accent1"/>
+              </a:effectRef>
+              <a:fontRef idx="minor">
+                <a:schemeClr val="tx1"/>
+              </a:fontRef>
+            </p:style>
+          </p:cxnSp>
+          <p:pic>
+            <p:nvPicPr>
+              <p:cNvPr id="21" name="圖片 20">
+                <a:extLst>
+                  <a:ext uri="{FF2B5EF4-FFF2-40B4-BE49-F238E27FC236}">
+                    <a16:creationId xmlns:a16="http://schemas.microsoft.com/office/drawing/2014/main" id="{86463BF1-F28C-828B-A6A1-71FFE3194D0B}"/>
+                  </a:ext>
+                </a:extLst>
+              </p:cNvPr>
+              <p:cNvPicPr>
+                <a:picLocks noChangeAspect="1"/>
+              </p:cNvPicPr>
+              <p:nvPr/>
+            </p:nvPicPr>
+            <p:blipFill>
+              <a:blip r:embed="rId3"/>
+              <a:stretch>
+                <a:fillRect/>
+              </a:stretch>
+            </p:blipFill>
+            <p:spPr>
+              <a:xfrm>
+                <a:off x="360188" y="4422755"/>
+                <a:ext cx="931171" cy="931171"/>
+              </a:xfrm>
+              <a:prstGeom prst="rect">
+                <a:avLst/>
+              </a:prstGeom>
+            </p:spPr>
+          </p:pic>
+          <p:sp>
+            <p:nvSpPr>
+              <p:cNvPr id="22" name="矩形: 圓角 6">
+                <a:extLst>
+                  <a:ext uri="{FF2B5EF4-FFF2-40B4-BE49-F238E27FC236}">
+                    <a16:creationId xmlns:a16="http://schemas.microsoft.com/office/drawing/2014/main" id="{79D6487D-EC87-7ACF-518F-BD521F89DCC3}"/>
+                  </a:ext>
+                </a:extLst>
+              </p:cNvPr>
+              <p:cNvSpPr/>
+              <p:nvPr/>
+            </p:nvSpPr>
+            <p:spPr>
+              <a:xfrm>
+                <a:off x="5718185" y="3314217"/>
+                <a:ext cx="3103904" cy="3148246"/>
+              </a:xfrm>
+              <a:prstGeom prst="roundRect">
+                <a:avLst>
+                  <a:gd name="adj" fmla="val 8697"/>
+                </a:avLst>
+              </a:prstGeom>
+              <a:noFill/>
+              <a:ln w="57150">
+                <a:solidFill>
+                  <a:srgbClr val="4A7EBB"/>
+                </a:solidFill>
+              </a:ln>
+            </p:spPr>
+            <p:style>
+              <a:lnRef idx="2">
+                <a:schemeClr val="accent1">
+                  <a:shade val="50000"/>
+                </a:schemeClr>
+              </a:lnRef>
+              <a:fillRef idx="1">
+                <a:schemeClr val="accent1"/>
+              </a:fillRef>
+              <a:effectRef idx="0">
+                <a:schemeClr val="accent1"/>
+              </a:effectRef>
+              <a:fontRef idx="minor">
+                <a:schemeClr val="lt1"/>
+              </a:fontRef>
+            </p:style>
+            <p:txBody>
+              <a:bodyPr rtlCol="0" anchor="ctr"/>
+              <a:lstStyle/>
+              <a:p>
+                <a:pPr algn="ctr"/>
+                <a:endParaRPr lang="zh-TW" altLang="en-US" sz="933"/>
+              </a:p>
+            </p:txBody>
+          </p:sp>
+          <p:sp>
+            <p:nvSpPr>
+              <p:cNvPr id="23" name="矩形: 圓角 7">
+                <a:extLst>
+                  <a:ext uri="{FF2B5EF4-FFF2-40B4-BE49-F238E27FC236}">
+                    <a16:creationId xmlns:a16="http://schemas.microsoft.com/office/drawing/2014/main" id="{E9085B3F-A4C6-455F-2764-888EB2069331}"/>
+                  </a:ext>
+                </a:extLst>
+              </p:cNvPr>
+              <p:cNvSpPr/>
+              <p:nvPr/>
+            </p:nvSpPr>
+            <p:spPr>
+              <a:xfrm>
+                <a:off x="5990671" y="3523782"/>
+                <a:ext cx="1202941" cy="842488"/>
+              </a:xfrm>
+              <a:prstGeom prst="roundRect">
+                <a:avLst>
+                  <a:gd name="adj" fmla="val 8697"/>
+                </a:avLst>
+              </a:prstGeom>
+              <a:solidFill>
+                <a:schemeClr val="accent4">
+                  <a:lumMod val="20000"/>
+                  <a:lumOff val="80000"/>
+                </a:schemeClr>
+              </a:solidFill>
+              <a:ln w="57150">
+                <a:noFill/>
+              </a:ln>
+            </p:spPr>
+            <p:style>
+              <a:lnRef idx="2">
+                <a:schemeClr val="accent1">
+                  <a:shade val="50000"/>
+                </a:schemeClr>
+              </a:lnRef>
+              <a:fillRef idx="1">
+                <a:schemeClr val="accent1"/>
+              </a:fillRef>
+              <a:effectRef idx="0">
+                <a:schemeClr val="accent1"/>
+              </a:effectRef>
+              <a:fontRef idx="minor">
+                <a:schemeClr val="lt1"/>
+              </a:fontRef>
+            </p:style>
+            <p:txBody>
+              <a:bodyPr rtlCol="0" anchor="ctr"/>
+              <a:lstStyle/>
+              <a:p>
+                <a:pPr algn="ctr"/>
+                <a:endParaRPr lang="zh-TW" altLang="en-US" sz="933"/>
+              </a:p>
+            </p:txBody>
+          </p:sp>
+          <p:sp>
+            <p:nvSpPr>
+              <p:cNvPr id="24" name="矩形: 圓角 8">
+                <a:extLst>
+                  <a:ext uri="{FF2B5EF4-FFF2-40B4-BE49-F238E27FC236}">
+                    <a16:creationId xmlns:a16="http://schemas.microsoft.com/office/drawing/2014/main" id="{67C81C24-C7C8-3B16-B6C3-3B87EDE0A072}"/>
+                  </a:ext>
+                </a:extLst>
+              </p:cNvPr>
+              <p:cNvSpPr/>
+              <p:nvPr/>
+            </p:nvSpPr>
+            <p:spPr>
+              <a:xfrm>
+                <a:off x="7404592" y="3523782"/>
+                <a:ext cx="1202941" cy="842488"/>
+              </a:xfrm>
+              <a:prstGeom prst="roundRect">
+                <a:avLst>
+                  <a:gd name="adj" fmla="val 8697"/>
+                </a:avLst>
+              </a:prstGeom>
+              <a:solidFill>
+                <a:schemeClr val="accent4">
+                  <a:lumMod val="20000"/>
+                  <a:lumOff val="80000"/>
+                </a:schemeClr>
+              </a:solidFill>
+              <a:ln w="57150">
+                <a:noFill/>
+              </a:ln>
+            </p:spPr>
+            <p:style>
+              <a:lnRef idx="2">
+                <a:schemeClr val="accent1">
+                  <a:shade val="50000"/>
+                </a:schemeClr>
+              </a:lnRef>
+              <a:fillRef idx="1">
+                <a:schemeClr val="accent1"/>
+              </a:fillRef>
+              <a:effectRef idx="0">
+                <a:schemeClr val="accent1"/>
+              </a:effectRef>
+              <a:fontRef idx="minor">
+                <a:schemeClr val="lt1"/>
+              </a:fontRef>
+            </p:style>
+            <p:txBody>
+              <a:bodyPr rtlCol="0" anchor="ctr"/>
+              <a:lstStyle/>
+              <a:p>
+                <a:pPr algn="ctr"/>
+                <a:endParaRPr lang="zh-TW" altLang="en-US" sz="933"/>
+              </a:p>
+            </p:txBody>
+          </p:sp>
+          <p:sp>
+            <p:nvSpPr>
+              <p:cNvPr id="25" name="矩形: 圓角 9">
+                <a:extLst>
+                  <a:ext uri="{FF2B5EF4-FFF2-40B4-BE49-F238E27FC236}">
+                    <a16:creationId xmlns:a16="http://schemas.microsoft.com/office/drawing/2014/main" id="{3A8CCFD8-F887-36AF-5770-3F86F0DF6CDB}"/>
+                  </a:ext>
+                </a:extLst>
+              </p:cNvPr>
+              <p:cNvSpPr/>
+              <p:nvPr/>
+            </p:nvSpPr>
+            <p:spPr>
+              <a:xfrm>
+                <a:off x="5990671" y="4489266"/>
+                <a:ext cx="1202941" cy="842488"/>
+              </a:xfrm>
+              <a:prstGeom prst="roundRect">
+                <a:avLst>
+                  <a:gd name="adj" fmla="val 8697"/>
+                </a:avLst>
+              </a:prstGeom>
+              <a:solidFill>
+                <a:schemeClr val="accent4">
+                  <a:lumMod val="20000"/>
+                  <a:lumOff val="80000"/>
+                </a:schemeClr>
+              </a:solidFill>
+              <a:ln w="57150">
+                <a:noFill/>
+              </a:ln>
+            </p:spPr>
+            <p:style>
+              <a:lnRef idx="2">
+                <a:schemeClr val="accent1">
+                  <a:shade val="50000"/>
+                </a:schemeClr>
+              </a:lnRef>
+              <a:fillRef idx="1">
+                <a:schemeClr val="accent1"/>
+              </a:fillRef>
+              <a:effectRef idx="0">
+                <a:schemeClr val="accent1"/>
+              </a:effectRef>
+              <a:fontRef idx="minor">
+                <a:schemeClr val="lt1"/>
+              </a:fontRef>
+            </p:style>
+            <p:txBody>
+              <a:bodyPr rtlCol="0" anchor="ctr"/>
+              <a:lstStyle/>
+              <a:p>
+                <a:pPr algn="ctr"/>
+                <a:endParaRPr lang="zh-TW" altLang="en-US" sz="933"/>
+              </a:p>
+            </p:txBody>
+          </p:sp>
+          <p:sp>
+            <p:nvSpPr>
+              <p:cNvPr id="26" name="矩形: 圓角 10">
+                <a:extLst>
+                  <a:ext uri="{FF2B5EF4-FFF2-40B4-BE49-F238E27FC236}">
+                    <a16:creationId xmlns:a16="http://schemas.microsoft.com/office/drawing/2014/main" id="{6FF8AA7A-FC3D-59CA-798D-33A8AEB570D7}"/>
+                  </a:ext>
+                </a:extLst>
+              </p:cNvPr>
+              <p:cNvSpPr/>
+              <p:nvPr/>
+            </p:nvSpPr>
+            <p:spPr>
+              <a:xfrm>
+                <a:off x="7404592" y="4489266"/>
+                <a:ext cx="1202941" cy="842488"/>
+              </a:xfrm>
+              <a:prstGeom prst="roundRect">
+                <a:avLst>
+                  <a:gd name="adj" fmla="val 8697"/>
+                </a:avLst>
+              </a:prstGeom>
+              <a:solidFill>
+                <a:schemeClr val="accent4">
+                  <a:lumMod val="20000"/>
+                  <a:lumOff val="80000"/>
+                </a:schemeClr>
+              </a:solidFill>
+              <a:ln w="57150">
+                <a:noFill/>
+              </a:ln>
+            </p:spPr>
+            <p:style>
+              <a:lnRef idx="2">
+                <a:schemeClr val="accent1">
+                  <a:shade val="50000"/>
+                </a:schemeClr>
+              </a:lnRef>
+              <a:fillRef idx="1">
+                <a:schemeClr val="accent1"/>
+              </a:fillRef>
+              <a:effectRef idx="0">
+                <a:schemeClr val="accent1"/>
+              </a:effectRef>
+              <a:fontRef idx="minor">
+                <a:schemeClr val="lt1"/>
+              </a:fontRef>
+            </p:style>
+            <p:txBody>
+              <a:bodyPr rtlCol="0" anchor="ctr"/>
+              <a:lstStyle/>
+              <a:p>
+                <a:pPr algn="ctr"/>
+                <a:endParaRPr lang="zh-TW" altLang="en-US" sz="933"/>
+              </a:p>
+            </p:txBody>
+          </p:sp>
+          <p:sp>
+            <p:nvSpPr>
+              <p:cNvPr id="27" name="矩形: 圓角 11">
+                <a:extLst>
+                  <a:ext uri="{FF2B5EF4-FFF2-40B4-BE49-F238E27FC236}">
+                    <a16:creationId xmlns:a16="http://schemas.microsoft.com/office/drawing/2014/main" id="{B5EA86F4-600E-3677-5303-253E43E40137}"/>
+                  </a:ext>
+                </a:extLst>
+              </p:cNvPr>
+              <p:cNvSpPr/>
+              <p:nvPr/>
+            </p:nvSpPr>
+            <p:spPr>
+              <a:xfrm>
+                <a:off x="5990671" y="5454750"/>
+                <a:ext cx="1202941" cy="842488"/>
+              </a:xfrm>
+              <a:prstGeom prst="roundRect">
+                <a:avLst>
+                  <a:gd name="adj" fmla="val 8697"/>
+                </a:avLst>
+              </a:prstGeom>
+              <a:solidFill>
+                <a:schemeClr val="accent4">
+                  <a:lumMod val="20000"/>
+                  <a:lumOff val="80000"/>
+                </a:schemeClr>
+              </a:solidFill>
+              <a:ln w="57150">
+                <a:noFill/>
+              </a:ln>
+            </p:spPr>
+            <p:style>
+              <a:lnRef idx="2">
+                <a:schemeClr val="accent1">
+                  <a:shade val="50000"/>
+                </a:schemeClr>
+              </a:lnRef>
+              <a:fillRef idx="1">
+                <a:schemeClr val="accent1"/>
+              </a:fillRef>
+              <a:effectRef idx="0">
+                <a:schemeClr val="accent1"/>
+              </a:effectRef>
+              <a:fontRef idx="minor">
+                <a:schemeClr val="lt1"/>
+              </a:fontRef>
+            </p:style>
+            <p:txBody>
+              <a:bodyPr rtlCol="0" anchor="ctr"/>
+              <a:lstStyle/>
+              <a:p>
+                <a:pPr algn="ctr"/>
+                <a:endParaRPr lang="zh-TW" altLang="en-US" sz="933"/>
+              </a:p>
+            </p:txBody>
+          </p:sp>
+          <p:sp>
+            <p:nvSpPr>
+              <p:cNvPr id="28" name="矩形: 圓角 12">
+                <a:extLst>
+                  <a:ext uri="{FF2B5EF4-FFF2-40B4-BE49-F238E27FC236}">
+                    <a16:creationId xmlns:a16="http://schemas.microsoft.com/office/drawing/2014/main" id="{402A2870-3D1D-05AA-E7CB-F6E41B4089D7}"/>
+                  </a:ext>
+                </a:extLst>
+              </p:cNvPr>
+              <p:cNvSpPr/>
+              <p:nvPr/>
+            </p:nvSpPr>
+            <p:spPr>
+              <a:xfrm>
+                <a:off x="7404592" y="5454750"/>
+                <a:ext cx="1202941" cy="842488"/>
+              </a:xfrm>
+              <a:prstGeom prst="roundRect">
+                <a:avLst>
+                  <a:gd name="adj" fmla="val 8697"/>
+                </a:avLst>
+              </a:prstGeom>
+              <a:solidFill>
+                <a:schemeClr val="accent4">
+                  <a:lumMod val="20000"/>
+                  <a:lumOff val="80000"/>
+                </a:schemeClr>
+              </a:solidFill>
+              <a:ln w="57150">
+                <a:noFill/>
+              </a:ln>
+            </p:spPr>
+            <p:style>
+              <a:lnRef idx="2">
+                <a:schemeClr val="accent1">
+                  <a:shade val="50000"/>
+                </a:schemeClr>
+              </a:lnRef>
+              <a:fillRef idx="1">
+                <a:schemeClr val="accent1"/>
+              </a:fillRef>
+              <a:effectRef idx="0">
+                <a:schemeClr val="accent1"/>
+              </a:effectRef>
+              <a:fontRef idx="minor">
+                <a:schemeClr val="lt1"/>
+              </a:fontRef>
+            </p:style>
+            <p:txBody>
+              <a:bodyPr rtlCol="0" anchor="ctr"/>
+              <a:lstStyle/>
+              <a:p>
+                <a:pPr algn="ctr"/>
+                <a:endParaRPr lang="zh-TW" altLang="en-US" sz="933"/>
+              </a:p>
+            </p:txBody>
+          </p:sp>
+          <p:sp>
+            <p:nvSpPr>
+              <p:cNvPr id="29" name="矩形: 圓角 13">
+                <a:extLst>
+                  <a:ext uri="{FF2B5EF4-FFF2-40B4-BE49-F238E27FC236}">
+                    <a16:creationId xmlns:a16="http://schemas.microsoft.com/office/drawing/2014/main" id="{8F45C10D-EA5F-7660-5C74-7BD3CEA56A11}"/>
+                  </a:ext>
+                </a:extLst>
+              </p:cNvPr>
+              <p:cNvSpPr/>
+              <p:nvPr/>
+            </p:nvSpPr>
+            <p:spPr>
+              <a:xfrm>
+                <a:off x="2611144" y="4444925"/>
+                <a:ext cx="2011656" cy="892891"/>
+              </a:xfrm>
+              <a:prstGeom prst="roundRect">
+                <a:avLst>
+                  <a:gd name="adj" fmla="val 19190"/>
+                </a:avLst>
+              </a:prstGeom>
+              <a:noFill/>
+              <a:ln w="57150">
+                <a:solidFill>
+                  <a:srgbClr val="4A7EBB"/>
+                </a:solidFill>
+              </a:ln>
+            </p:spPr>
+            <p:style>
+              <a:lnRef idx="2">
+                <a:schemeClr val="accent1">
+                  <a:shade val="50000"/>
+                </a:schemeClr>
+              </a:lnRef>
+              <a:fillRef idx="1">
+                <a:schemeClr val="accent1"/>
+              </a:fillRef>
+              <a:effectRef idx="0">
+                <a:schemeClr val="accent1"/>
+              </a:effectRef>
+              <a:fontRef idx="minor">
+                <a:schemeClr val="lt1"/>
+              </a:fontRef>
+            </p:style>
+            <p:txBody>
+              <a:bodyPr rtlCol="0" anchor="ctr"/>
+              <a:lstStyle/>
+              <a:p>
+                <a:pPr algn="ctr"/>
+                <a:endParaRPr lang="zh-TW" altLang="en-US" sz="933"/>
+              </a:p>
+            </p:txBody>
+          </p:sp>
+          <p:cxnSp>
+            <p:nvCxnSpPr>
+              <p:cNvPr id="30" name="直線單箭頭接點 37">
+                <a:extLst>
+                  <a:ext uri="{FF2B5EF4-FFF2-40B4-BE49-F238E27FC236}">
+                    <a16:creationId xmlns:a16="http://schemas.microsoft.com/office/drawing/2014/main" id="{69CC1199-9EF4-DF6A-3252-F4F851875C9B}"/>
+                  </a:ext>
+                </a:extLst>
+              </p:cNvPr>
+              <p:cNvCxnSpPr>
+                <a:cxnSpLocks/>
+                <a:stCxn id="19" idx="3"/>
+                <a:endCxn id="44" idx="1"/>
+              </p:cNvCxnSpPr>
+              <p:nvPr/>
+            </p:nvCxnSpPr>
+            <p:spPr>
+              <a:xfrm flipV="1">
+                <a:off x="9154966" y="4910510"/>
+                <a:ext cx="679462" cy="5283"/>
+              </a:xfrm>
+              <a:prstGeom prst="straightConnector1">
+                <a:avLst/>
+              </a:prstGeom>
+              <a:ln w="57150">
+                <a:solidFill>
+                  <a:srgbClr val="00B900"/>
+                </a:solidFill>
+                <a:headEnd type="triangle" w="med" len="med"/>
+                <a:tailEnd type="triangle" w="med" len="med"/>
+              </a:ln>
+            </p:spPr>
+            <p:style>
+              <a:lnRef idx="1">
+                <a:schemeClr val="accent1"/>
+              </a:lnRef>
+              <a:fillRef idx="0">
+                <a:schemeClr val="accent1"/>
+              </a:fillRef>
+              <a:effectRef idx="0">
+                <a:schemeClr val="accent1"/>
+              </a:effectRef>
+              <a:fontRef idx="minor">
+                <a:schemeClr val="tx1"/>
+              </a:fontRef>
+            </p:style>
+          </p:cxnSp>
+          <p:pic>
+            <p:nvPicPr>
+              <p:cNvPr id="31" name="圖片 30">
+                <a:extLst>
+                  <a:ext uri="{FF2B5EF4-FFF2-40B4-BE49-F238E27FC236}">
+                    <a16:creationId xmlns:a16="http://schemas.microsoft.com/office/drawing/2014/main" id="{0B201B1D-B466-FEE2-4AD4-89406A5CBD3C}"/>
+                  </a:ext>
+                </a:extLst>
+              </p:cNvPr>
+              <p:cNvPicPr>
+                <a:picLocks noChangeAspect="1"/>
+              </p:cNvPicPr>
+              <p:nvPr/>
+            </p:nvPicPr>
+            <p:blipFill rotWithShape="1">
+              <a:blip r:embed="rId4">
+                <a:extLst>
+                  <a:ext uri="{BEBA8EAE-BF5A-486C-A8C5-ECC9F3942E4B}">
+                    <a14:imgProps xmlns:a14="http://schemas.microsoft.com/office/drawing/2010/main">
+                      <a14:imgLayer r:embed="rId5">
+                        <a14:imgEffect>
+                          <a14:backgroundRemoval t="10000" b="90000" l="10000" r="90000">
+                            <a14:foregroundMark x1="45000" y1="46250" x2="45000" y2="46250"/>
+                            <a14:foregroundMark x1="52000" y1="50313" x2="52000" y2="50313"/>
+                            <a14:foregroundMark x1="59375" y1="51250" x2="59375" y2="51250"/>
+                            <a14:foregroundMark x1="66250" y1="59688" x2="66250" y2="59688"/>
+                            <a14:foregroundMark x1="69375" y1="54063" x2="69375" y2="54063"/>
+                            <a14:foregroundMark x1="69250" y1="35625" x2="69250" y2="35625"/>
+                            <a14:foregroundMark x1="72125" y1="46250" x2="72125" y2="46250"/>
+                          </a14:backgroundRemoval>
+                        </a14:imgEffect>
+                      </a14:imgLayer>
+                    </a14:imgProps>
+                  </a:ext>
+                </a:extLst>
+              </a:blip>
+              <a:srcRect l="14990" t="23445" r="18545" b="21102"/>
+              <a:stretch/>
+            </p:blipFill>
+            <p:spPr>
+              <a:xfrm>
+                <a:off x="2786765" y="4653928"/>
+                <a:ext cx="1702357" cy="568141"/>
+              </a:xfrm>
+              <a:prstGeom prst="rect">
+                <a:avLst/>
+              </a:prstGeom>
+            </p:spPr>
+          </p:pic>
+          <p:grpSp>
+            <p:nvGrpSpPr>
+              <p:cNvPr id="32" name="群組 31">
+                <a:extLst>
+                  <a:ext uri="{FF2B5EF4-FFF2-40B4-BE49-F238E27FC236}">
+                    <a16:creationId xmlns:a16="http://schemas.microsoft.com/office/drawing/2014/main" id="{DF1EFE75-0973-3ABB-7AAC-519BA33FBCF1}"/>
+                  </a:ext>
+                </a:extLst>
+              </p:cNvPr>
+              <p:cNvGrpSpPr/>
+              <p:nvPr/>
+            </p:nvGrpSpPr>
+            <p:grpSpPr>
+              <a:xfrm>
+                <a:off x="9834428" y="4255027"/>
+                <a:ext cx="1338423" cy="1310965"/>
+                <a:chOff x="14275861" y="6210300"/>
+                <a:chExt cx="2007634" cy="1966447"/>
+              </a:xfrm>
+            </p:grpSpPr>
+            <p:sp>
+              <p:nvSpPr>
+                <p:cNvPr id="44" name="矩形: 圓角 20">
+                  <a:extLst>
+                    <a:ext uri="{FF2B5EF4-FFF2-40B4-BE49-F238E27FC236}">
+                      <a16:creationId xmlns:a16="http://schemas.microsoft.com/office/drawing/2014/main" id="{E0E12F06-F0B2-AFD6-4766-A5D83A3D0035}"/>
+                    </a:ext>
+                  </a:extLst>
+                </p:cNvPr>
+                <p:cNvSpPr/>
+                <p:nvPr/>
+              </p:nvSpPr>
+              <p:spPr>
+                <a:xfrm>
+                  <a:off x="14275861" y="6210300"/>
+                  <a:ext cx="2007634" cy="1966447"/>
+                </a:xfrm>
+                <a:prstGeom prst="roundRect">
+                  <a:avLst>
+                    <a:gd name="adj" fmla="val 50000"/>
+                  </a:avLst>
+                </a:prstGeom>
+                <a:noFill/>
+                <a:ln w="57150">
+                  <a:solidFill>
+                    <a:srgbClr val="316D77"/>
+                  </a:solidFill>
+                </a:ln>
+              </p:spPr>
+              <p:style>
+                <a:lnRef idx="2">
+                  <a:schemeClr val="accent1">
+                    <a:shade val="50000"/>
+                  </a:schemeClr>
+                </a:lnRef>
+                <a:fillRef idx="1">
+                  <a:schemeClr val="accent1"/>
+                </a:fillRef>
+                <a:effectRef idx="0">
+                  <a:schemeClr val="accent1"/>
+                </a:effectRef>
+                <a:fontRef idx="minor">
+                  <a:schemeClr val="lt1"/>
+                </a:fontRef>
+              </p:style>
+              <p:txBody>
+                <a:bodyPr rtlCol="0" anchor="ctr"/>
+                <a:lstStyle/>
+                <a:p>
+                  <a:pPr algn="ctr"/>
+                  <a:endParaRPr lang="zh-TW" altLang="en-US" sz="933"/>
+                </a:p>
+              </p:txBody>
+            </p:sp>
+            <p:pic>
+              <p:nvPicPr>
+                <p:cNvPr id="45" name="圖片 44">
+                  <a:extLst>
+                    <a:ext uri="{FF2B5EF4-FFF2-40B4-BE49-F238E27FC236}">
+                      <a16:creationId xmlns:a16="http://schemas.microsoft.com/office/drawing/2014/main" id="{084938F5-275F-0C37-D9EC-4090907768E8}"/>
+                    </a:ext>
+                  </a:extLst>
+                </p:cNvPr>
+                <p:cNvPicPr>
+                  <a:picLocks noChangeAspect="1"/>
+                </p:cNvPicPr>
+                <p:nvPr/>
+              </p:nvPicPr>
+              <p:blipFill>
+                <a:blip r:embed="rId6"/>
+                <a:stretch>
+                  <a:fillRect/>
+                </a:stretch>
+              </p:blipFill>
+              <p:spPr>
+                <a:xfrm>
+                  <a:off x="14827810" y="6882228"/>
+                  <a:ext cx="1062283" cy="1062283"/>
+                </a:xfrm>
+                <a:prstGeom prst="rect">
+                  <a:avLst/>
+                </a:prstGeom>
+                <a:ln>
+                  <a:noFill/>
+                </a:ln>
+              </p:spPr>
+            </p:pic>
+          </p:grpSp>
+          <p:cxnSp>
+            <p:nvCxnSpPr>
+              <p:cNvPr id="33" name="直線單箭頭接點 89">
+                <a:extLst>
+                  <a:ext uri="{FF2B5EF4-FFF2-40B4-BE49-F238E27FC236}">
+                    <a16:creationId xmlns:a16="http://schemas.microsoft.com/office/drawing/2014/main" id="{700A5CFF-36E4-8235-9792-38DACA7AB8FA}"/>
+                  </a:ext>
+                </a:extLst>
+              </p:cNvPr>
+              <p:cNvCxnSpPr>
+                <a:cxnSpLocks/>
+                <a:stCxn id="22" idx="1"/>
+                <a:endCxn id="29" idx="3"/>
+              </p:cNvCxnSpPr>
+              <p:nvPr/>
+            </p:nvCxnSpPr>
+            <p:spPr>
+              <a:xfrm flipH="1">
+                <a:off x="4622800" y="4888340"/>
+                <a:ext cx="1095385" cy="3031"/>
+              </a:xfrm>
+              <a:prstGeom prst="straightConnector1">
+                <a:avLst/>
+              </a:prstGeom>
+              <a:ln w="57150">
+                <a:solidFill>
+                  <a:srgbClr val="00B900"/>
+                </a:solidFill>
+                <a:headEnd type="triangle" w="med" len="med"/>
+                <a:tailEnd type="triangle" w="med" len="med"/>
+              </a:ln>
+            </p:spPr>
+            <p:style>
+              <a:lnRef idx="1">
+                <a:schemeClr val="accent1"/>
+              </a:lnRef>
+              <a:fillRef idx="0">
+                <a:schemeClr val="accent1"/>
+              </a:fillRef>
+              <a:effectRef idx="0">
+                <a:schemeClr val="accent1"/>
+              </a:effectRef>
+              <a:fontRef idx="minor">
+                <a:schemeClr val="tx1"/>
+              </a:fontRef>
+            </p:style>
+          </p:cxnSp>
+          <p:pic>
+            <p:nvPicPr>
+              <p:cNvPr id="34" name="圖片 33">
+                <a:extLst>
+                  <a:ext uri="{FF2B5EF4-FFF2-40B4-BE49-F238E27FC236}">
+                    <a16:creationId xmlns:a16="http://schemas.microsoft.com/office/drawing/2014/main" id="{A63209FC-C0D3-920B-C915-496506C26258}"/>
+                  </a:ext>
+                </a:extLst>
+              </p:cNvPr>
+              <p:cNvPicPr>
+                <a:picLocks noChangeAspect="1"/>
+              </p:cNvPicPr>
+              <p:nvPr/>
+            </p:nvPicPr>
+            <p:blipFill>
+              <a:blip r:embed="rId7"/>
+              <a:stretch>
+                <a:fillRect/>
+              </a:stretch>
+            </p:blipFill>
+            <p:spPr>
+              <a:xfrm>
+                <a:off x="2082373" y="2490334"/>
+                <a:ext cx="520306" cy="520306"/>
+              </a:xfrm>
+              <a:prstGeom prst="rect">
+                <a:avLst/>
+              </a:prstGeom>
+            </p:spPr>
+          </p:pic>
+          <p:sp>
+            <p:nvSpPr>
+              <p:cNvPr id="35" name="文字方塊 34">
+                <a:extLst>
+                  <a:ext uri="{FF2B5EF4-FFF2-40B4-BE49-F238E27FC236}">
+                    <a16:creationId xmlns:a16="http://schemas.microsoft.com/office/drawing/2014/main" id="{BEA407EE-1885-CB3A-CC6B-B99EEF4A3324}"/>
+                  </a:ext>
+                </a:extLst>
+              </p:cNvPr>
+              <p:cNvSpPr txBox="1"/>
+              <p:nvPr/>
+            </p:nvSpPr>
+            <p:spPr>
+              <a:xfrm>
+                <a:off x="2602679" y="2576079"/>
+                <a:ext cx="1766830" cy="379656"/>
+              </a:xfrm>
+              <a:prstGeom prst="rect">
+                <a:avLst/>
+              </a:prstGeom>
+              <a:noFill/>
+            </p:spPr>
+            <p:txBody>
+              <a:bodyPr wrap="none" rtlCol="0">
+                <a:spAutoFit/>
+              </a:bodyPr>
+              <a:lstStyle/>
+              <a:p>
+                <a:r>
+                  <a:rPr kumimoji="1" lang="en-US" altLang="zh-TW" sz="1867" b="1" dirty="0">
+                    <a:latin typeface="+mj-lt"/>
+                    <a:cs typeface="Times New Roman" panose="02020603050405020304" pitchFamily="18" charset="0"/>
+                  </a:rPr>
+                  <a:t>Azure Service</a:t>
+                </a:r>
+                <a:endParaRPr kumimoji="1" lang="zh-TW" altLang="en-US" sz="1867" b="1" dirty="0">
+                  <a:latin typeface="+mj-lt"/>
+                  <a:cs typeface="Times New Roman" panose="02020603050405020304" pitchFamily="18" charset="0"/>
+                </a:endParaRPr>
+              </a:p>
+            </p:txBody>
+          </p:sp>
+          <p:sp>
+            <p:nvSpPr>
+              <p:cNvPr id="36" name="文字方塊 35">
+                <a:extLst>
+                  <a:ext uri="{FF2B5EF4-FFF2-40B4-BE49-F238E27FC236}">
+                    <a16:creationId xmlns:a16="http://schemas.microsoft.com/office/drawing/2014/main" id="{A89289D4-E4B5-5B0F-0FA2-FC813728EE78}"/>
+                  </a:ext>
+                </a:extLst>
+              </p:cNvPr>
+              <p:cNvSpPr txBox="1"/>
+              <p:nvPr/>
+            </p:nvSpPr>
+            <p:spPr>
+              <a:xfrm>
+                <a:off x="3326722" y="4082737"/>
+                <a:ext cx="689612" cy="379656"/>
+              </a:xfrm>
+              <a:prstGeom prst="rect">
+                <a:avLst/>
+              </a:prstGeom>
+              <a:noFill/>
+            </p:spPr>
+            <p:txBody>
+              <a:bodyPr wrap="none" rtlCol="0">
+                <a:spAutoFit/>
+              </a:bodyPr>
+              <a:lstStyle/>
+              <a:p>
+                <a:r>
+                  <a:rPr kumimoji="1" lang="en-US" altLang="zh-TW" sz="1867" b="1" dirty="0">
+                    <a:latin typeface="+mj-lt"/>
+                    <a:cs typeface="Times New Roman" panose="02020603050405020304" pitchFamily="18" charset="0"/>
+                  </a:rPr>
+                  <a:t>Web</a:t>
+                </a:r>
+                <a:endParaRPr kumimoji="1" lang="zh-TW" altLang="en-US" sz="1867" b="1" dirty="0">
+                  <a:latin typeface="+mj-lt"/>
+                  <a:cs typeface="Times New Roman" panose="02020603050405020304" pitchFamily="18" charset="0"/>
+                </a:endParaRPr>
+              </a:p>
+            </p:txBody>
+          </p:sp>
+          <p:sp>
+            <p:nvSpPr>
+              <p:cNvPr id="37" name="文字方塊 36">
+                <a:extLst>
+                  <a:ext uri="{FF2B5EF4-FFF2-40B4-BE49-F238E27FC236}">
+                    <a16:creationId xmlns:a16="http://schemas.microsoft.com/office/drawing/2014/main" id="{5254559E-E10F-38E5-F585-E203114370BA}"/>
+                  </a:ext>
+                </a:extLst>
+              </p:cNvPr>
+              <p:cNvSpPr txBox="1"/>
+              <p:nvPr/>
+            </p:nvSpPr>
+            <p:spPr>
+              <a:xfrm>
+                <a:off x="6111877" y="3719882"/>
+                <a:ext cx="960530" cy="502573"/>
+              </a:xfrm>
+              <a:prstGeom prst="rect">
+                <a:avLst/>
+              </a:prstGeom>
+              <a:noFill/>
+            </p:spPr>
+            <p:txBody>
+              <a:bodyPr wrap="square">
+                <a:spAutoFit/>
+              </a:bodyPr>
+              <a:lstStyle/>
+              <a:p>
+                <a:pPr algn="ctr"/>
+                <a:r>
+                  <a:rPr kumimoji="1" lang="zh-TW" altLang="en-US" sz="1333" b="1" dirty="0">
+                    <a:solidFill>
+                      <a:schemeClr val="tx1"/>
+                    </a:solidFill>
+                    <a:latin typeface="微軟正黑體" panose="020B0604030504040204" pitchFamily="34" charset="-120"/>
+                    <a:ea typeface="微軟正黑體" panose="020B0604030504040204" pitchFamily="34" charset="-120"/>
+                    <a:cs typeface="Times New Roman" panose="02020603050405020304" pitchFamily="18" charset="0"/>
+                  </a:rPr>
+                  <a:t>即時路線規劃</a:t>
+                </a:r>
+              </a:p>
+            </p:txBody>
+          </p:sp>
+          <p:sp>
+            <p:nvSpPr>
+              <p:cNvPr id="38" name="文字方塊 37">
+                <a:extLst>
+                  <a:ext uri="{FF2B5EF4-FFF2-40B4-BE49-F238E27FC236}">
+                    <a16:creationId xmlns:a16="http://schemas.microsoft.com/office/drawing/2014/main" id="{0020F700-A305-CCDA-F7AD-D64BAAAC694A}"/>
+                  </a:ext>
+                </a:extLst>
+              </p:cNvPr>
+              <p:cNvSpPr txBox="1"/>
+              <p:nvPr/>
+            </p:nvSpPr>
+            <p:spPr>
+              <a:xfrm>
+                <a:off x="7437278" y="3717150"/>
+                <a:ext cx="1206061" cy="502573"/>
+              </a:xfrm>
+              <a:prstGeom prst="rect">
+                <a:avLst/>
+              </a:prstGeom>
+              <a:noFill/>
+            </p:spPr>
+            <p:txBody>
+              <a:bodyPr wrap="square">
+                <a:spAutoFit/>
+              </a:bodyPr>
+              <a:lstStyle>
+                <a:defPPr>
+                  <a:defRPr lang="en-US"/>
+                </a:defPPr>
+                <a:lvl1pPr algn="ctr">
+                  <a:defRPr kumimoji="1" sz="2000" b="1">
+                    <a:latin typeface="微軟正黑體" panose="020B0604030504040204" pitchFamily="34" charset="-120"/>
+                    <a:ea typeface="微軟正黑體" panose="020B0604030504040204" pitchFamily="34" charset="-120"/>
+                    <a:cs typeface="Times New Roman" panose="02020603050405020304" pitchFamily="18" charset="0"/>
+                  </a:defRPr>
+                </a:lvl1pPr>
+              </a:lstStyle>
+              <a:p>
+                <a:r>
+                  <a:rPr lang="zh-TW" altLang="en-US" sz="1333" dirty="0"/>
+                  <a:t>站內</a:t>
+                </a:r>
+                <a:endParaRPr lang="en-US" altLang="zh-TW" sz="1333" dirty="0"/>
+              </a:p>
+              <a:p>
+                <a:r>
+                  <a:rPr lang="zh-TW" altLang="en-US" sz="1333" dirty="0"/>
+                  <a:t>路線導覽</a:t>
+                </a:r>
+              </a:p>
+            </p:txBody>
+          </p:sp>
+          <p:sp>
+            <p:nvSpPr>
+              <p:cNvPr id="39" name="文字方塊 38">
+                <a:extLst>
+                  <a:ext uri="{FF2B5EF4-FFF2-40B4-BE49-F238E27FC236}">
+                    <a16:creationId xmlns:a16="http://schemas.microsoft.com/office/drawing/2014/main" id="{6C8F6F9C-4F69-A3FE-154F-BCFD2064CA85}"/>
+                  </a:ext>
+                </a:extLst>
+              </p:cNvPr>
+              <p:cNvSpPr txBox="1"/>
+              <p:nvPr/>
+            </p:nvSpPr>
+            <p:spPr>
+              <a:xfrm>
+                <a:off x="7391078" y="4803639"/>
+                <a:ext cx="1301997" cy="297454"/>
+              </a:xfrm>
+              <a:prstGeom prst="rect">
+                <a:avLst/>
+              </a:prstGeom>
+              <a:noFill/>
+            </p:spPr>
+            <p:txBody>
+              <a:bodyPr wrap="square">
+                <a:spAutoFit/>
+              </a:bodyPr>
+              <a:lstStyle>
+                <a:defPPr>
+                  <a:defRPr lang="en-US"/>
+                </a:defPPr>
+                <a:lvl1pPr algn="ctr">
+                  <a:defRPr kumimoji="1" sz="2000" b="1">
+                    <a:latin typeface="微軟正黑體" panose="020B0604030504040204" pitchFamily="34" charset="-120"/>
+                    <a:ea typeface="微軟正黑體" panose="020B0604030504040204" pitchFamily="34" charset="-120"/>
+                    <a:cs typeface="Times New Roman" panose="02020603050405020304" pitchFamily="18" charset="0"/>
+                  </a:defRPr>
+                </a:lvl1pPr>
+              </a:lstStyle>
+              <a:p>
+                <a:r>
+                  <a:rPr lang="zh-TW" altLang="en-US" sz="1333" dirty="0"/>
+                  <a:t>下車提醒</a:t>
+                </a:r>
+              </a:p>
+            </p:txBody>
+          </p:sp>
+          <p:sp>
+            <p:nvSpPr>
+              <p:cNvPr id="40" name="文字方塊 39">
+                <a:extLst>
+                  <a:ext uri="{FF2B5EF4-FFF2-40B4-BE49-F238E27FC236}">
+                    <a16:creationId xmlns:a16="http://schemas.microsoft.com/office/drawing/2014/main" id="{495EA6D4-7143-EEEA-3E0F-5BC0B74CC5AF}"/>
+                  </a:ext>
+                </a:extLst>
+              </p:cNvPr>
+              <p:cNvSpPr txBox="1"/>
+              <p:nvPr/>
+            </p:nvSpPr>
+            <p:spPr>
+              <a:xfrm>
+                <a:off x="5945318" y="4803639"/>
+                <a:ext cx="1301997" cy="297454"/>
+              </a:xfrm>
+              <a:prstGeom prst="rect">
+                <a:avLst/>
+              </a:prstGeom>
+              <a:noFill/>
+            </p:spPr>
+            <p:txBody>
+              <a:bodyPr wrap="square">
+                <a:spAutoFit/>
+              </a:bodyPr>
+              <a:lstStyle>
+                <a:defPPr>
+                  <a:defRPr lang="en-US"/>
+                </a:defPPr>
+                <a:lvl1pPr algn="ctr">
+                  <a:defRPr kumimoji="1" sz="2000" b="1">
+                    <a:latin typeface="微軟正黑體" panose="020B0604030504040204" pitchFamily="34" charset="-120"/>
+                    <a:ea typeface="微軟正黑體" panose="020B0604030504040204" pitchFamily="34" charset="-120"/>
+                    <a:cs typeface="Times New Roman" panose="02020603050405020304" pitchFamily="18" charset="0"/>
+                  </a:defRPr>
+                </a:lvl1pPr>
+              </a:lstStyle>
+              <a:p>
+                <a:r>
+                  <a:rPr lang="zh-TW" altLang="en-US" sz="1333" dirty="0"/>
+                  <a:t>回饋及時報</a:t>
+                </a:r>
+              </a:p>
+            </p:txBody>
+          </p:sp>
+          <p:sp>
+            <p:nvSpPr>
+              <p:cNvPr id="41" name="文字方塊 40">
+                <a:extLst>
+                  <a:ext uri="{FF2B5EF4-FFF2-40B4-BE49-F238E27FC236}">
+                    <a16:creationId xmlns:a16="http://schemas.microsoft.com/office/drawing/2014/main" id="{8664993B-66B8-2E86-6542-AF420F9EF931}"/>
+                  </a:ext>
+                </a:extLst>
+              </p:cNvPr>
+              <p:cNvSpPr txBox="1"/>
+              <p:nvPr/>
+            </p:nvSpPr>
+            <p:spPr>
+              <a:xfrm>
+                <a:off x="5950977" y="5662745"/>
+                <a:ext cx="1327581" cy="502573"/>
+              </a:xfrm>
+              <a:prstGeom prst="rect">
+                <a:avLst/>
+              </a:prstGeom>
+              <a:noFill/>
+            </p:spPr>
+            <p:txBody>
+              <a:bodyPr wrap="square">
+                <a:spAutoFit/>
+              </a:bodyPr>
+              <a:lstStyle>
+                <a:defPPr>
+                  <a:defRPr lang="en-US"/>
+                </a:defPPr>
+                <a:lvl1pPr algn="ctr">
+                  <a:defRPr kumimoji="1" sz="2000" b="1">
+                    <a:latin typeface="微軟正黑體" panose="020B0604030504040204" pitchFamily="34" charset="-120"/>
+                    <a:ea typeface="微軟正黑體" panose="020B0604030504040204" pitchFamily="34" charset="-120"/>
+                    <a:cs typeface="Times New Roman" panose="02020603050405020304" pitchFamily="18" charset="0"/>
+                  </a:defRPr>
+                </a:lvl1pPr>
+              </a:lstStyle>
+              <a:p>
+                <a:r>
+                  <a:rPr lang="en-US" altLang="zh-TW" sz="1333" dirty="0" err="1"/>
+                  <a:t>Youbike</a:t>
+                </a:r>
+                <a:endParaRPr lang="en-US" altLang="zh-TW" sz="1333" dirty="0"/>
+              </a:p>
+              <a:p>
+                <a:r>
+                  <a:rPr lang="zh-TW" altLang="en-US" sz="1333" dirty="0"/>
+                  <a:t>站點分析</a:t>
+                </a:r>
+              </a:p>
+            </p:txBody>
+          </p:sp>
+          <p:sp>
+            <p:nvSpPr>
+              <p:cNvPr id="42" name="文字方塊 41">
+                <a:extLst>
+                  <a:ext uri="{FF2B5EF4-FFF2-40B4-BE49-F238E27FC236}">
+                    <a16:creationId xmlns:a16="http://schemas.microsoft.com/office/drawing/2014/main" id="{B27AC1B0-5B9F-E3B7-113E-41AC059BD4A6}"/>
+                  </a:ext>
+                </a:extLst>
+              </p:cNvPr>
+              <p:cNvSpPr txBox="1"/>
+              <p:nvPr/>
+            </p:nvSpPr>
+            <p:spPr>
+              <a:xfrm>
+                <a:off x="7376318" y="5736465"/>
+                <a:ext cx="1337630" cy="297454"/>
+              </a:xfrm>
+              <a:prstGeom prst="rect">
+                <a:avLst/>
+              </a:prstGeom>
+              <a:noFill/>
+            </p:spPr>
+            <p:txBody>
+              <a:bodyPr wrap="square">
+                <a:spAutoFit/>
+              </a:bodyPr>
+              <a:lstStyle>
+                <a:defPPr>
+                  <a:defRPr lang="en-US"/>
+                </a:defPPr>
+                <a:lvl1pPr algn="ctr">
+                  <a:defRPr kumimoji="1" sz="2000" b="1">
+                    <a:latin typeface="微軟正黑體" panose="020B0604030504040204" pitchFamily="34" charset="-120"/>
+                    <a:ea typeface="微軟正黑體" panose="020B0604030504040204" pitchFamily="34" charset="-120"/>
+                    <a:cs typeface="Times New Roman" panose="02020603050405020304" pitchFamily="18" charset="0"/>
+                  </a:defRPr>
+                </a:lvl1pPr>
+              </a:lstStyle>
+              <a:p>
+                <a:r>
+                  <a:rPr lang="zh-TW" altLang="en-US" sz="1333" dirty="0"/>
+                  <a:t>遺失物通報</a:t>
+                </a:r>
+              </a:p>
+            </p:txBody>
+          </p:sp>
+          <p:sp>
+            <p:nvSpPr>
+              <p:cNvPr id="43" name="文字方塊 42">
+                <a:extLst>
+                  <a:ext uri="{FF2B5EF4-FFF2-40B4-BE49-F238E27FC236}">
+                    <a16:creationId xmlns:a16="http://schemas.microsoft.com/office/drawing/2014/main" id="{1A139D22-F820-953D-DB2D-B96C8FFDF551}"/>
+                  </a:ext>
+                </a:extLst>
+              </p:cNvPr>
+              <p:cNvSpPr txBox="1"/>
+              <p:nvPr/>
+            </p:nvSpPr>
+            <p:spPr>
+              <a:xfrm>
+                <a:off x="10242665" y="4293162"/>
+                <a:ext cx="530915" cy="379656"/>
+              </a:xfrm>
+              <a:prstGeom prst="rect">
+                <a:avLst/>
+              </a:prstGeom>
+              <a:noFill/>
+            </p:spPr>
+            <p:txBody>
+              <a:bodyPr wrap="square" rtlCol="0">
+                <a:spAutoFit/>
+              </a:bodyPr>
+              <a:lstStyle/>
+              <a:p>
+                <a:r>
+                  <a:rPr kumimoji="1" lang="en-US" altLang="zh-TW" sz="1867" b="1" dirty="0">
+                    <a:latin typeface="+mj-lt"/>
+                    <a:cs typeface="Times New Roman" panose="02020603050405020304" pitchFamily="18" charset="0"/>
+                  </a:rPr>
+                  <a:t>DB</a:t>
+                </a:r>
+                <a:endParaRPr kumimoji="1" lang="zh-TW" altLang="en-US" sz="1867" b="1" dirty="0">
+                  <a:latin typeface="+mj-lt"/>
+                  <a:cs typeface="Times New Roman" panose="02020603050405020304" pitchFamily="18" charset="0"/>
+                </a:endParaRPr>
+              </a:p>
+            </p:txBody>
+          </p:sp>
+        </p:grpSp>
+        <p:pic>
+          <p:nvPicPr>
+            <p:cNvPr id="47" name="圖片 46">
+              <a:extLst>
+                <a:ext uri="{FF2B5EF4-FFF2-40B4-BE49-F238E27FC236}">
+                  <a16:creationId xmlns:a16="http://schemas.microsoft.com/office/drawing/2014/main" id="{04F3DCCE-D8C5-0747-169E-153A1DE6F2B5}"/>
+                </a:ext>
+              </a:extLst>
+            </p:cNvPr>
+            <p:cNvPicPr>
+              <a:picLocks noChangeAspect="1"/>
+            </p:cNvPicPr>
+            <p:nvPr/>
+          </p:nvPicPr>
+          <p:blipFill>
+            <a:blip r:embed="rId8"/>
+            <a:stretch>
+              <a:fillRect/>
+            </a:stretch>
+          </p:blipFill>
+          <p:spPr>
+            <a:xfrm>
+              <a:off x="1706731" y="2061100"/>
+              <a:ext cx="2844800" cy="927100"/>
+            </a:xfrm>
+            <a:prstGeom prst="rect">
+              <a:avLst/>
+            </a:prstGeom>
+          </p:spPr>
+        </p:pic>
+      </p:grpSp>
+    </p:spTree>
+    <p:extLst>
+      <p:ext uri="{BB962C8B-B14F-4D97-AF65-F5344CB8AC3E}">
+        <p14:creationId xmlns:p14="http://schemas.microsoft.com/office/powerpoint/2010/main" val="2016983917"/>
+      </p:ext>
+    </p:extLst>
+  </p:cSld>
+  <p:clrMapOvr>
+    <a:masterClrMapping/>
+  </p:clrMapOvr>
+  <p:transition spd="med">
+    <p:pull/>
+  </p:transition>
+  <p:timing>
+    <p:tnLst>
+      <p:par>
+        <p:cTn id="1" dur="indefinite" restart="never" nodeType="tmRoot">
+          <p:childTnLst>
+            <p:seq concurrent="1" nextAc="seek">
+              <p:cTn id="2" dur="indefinite" nodeType="mainSeq">
+                <p:childTnLst>
+                  <p:par>
+                    <p:cTn id="3" fill="hold">
+                      <p:stCondLst>
+                        <p:cond delay="indefinite"/>
+                        <p:cond evt="onBegin" delay="0">
+                          <p:tn val="2"/>
+                        </p:cond>
+                      </p:stCondLst>
+                      <p:childTnLst>
+                        <p:par>
+                          <p:cTn id="4" fill="hold">
+                            <p:stCondLst>
+                              <p:cond delay="0"/>
+                            </p:stCondLst>
+                            <p:childTnLst>
+                              <p:par>
+                                <p:cTn id="5" presetID="22" presetClass="entr" presetSubtype="4" fill="hold" nodeType="afterEffect">
+                                  <p:stCondLst>
+                                    <p:cond delay="0"/>
+                                  </p:stCondLst>
+                                  <p:childTnLst>
+                                    <p:set>
+                                      <p:cBhvr>
+                                        <p:cTn id="6" dur="1" fill="hold">
+                                          <p:stCondLst>
+                                            <p:cond delay="0"/>
+                                          </p:stCondLst>
+                                        </p:cTn>
+                                        <p:tgtEl>
+                                          <p:spTgt spid="3"/>
+                                        </p:tgtEl>
+                                        <p:attrNameLst>
+                                          <p:attrName>style.visibility</p:attrName>
+                                        </p:attrNameLst>
+                                      </p:cBhvr>
+                                      <p:to>
+                                        <p:strVal val="visible"/>
+                                      </p:to>
+                                    </p:set>
+                                    <p:animEffect transition="in" filter="wipe(down)">
+                                      <p:cBhvr>
+                                        <p:cTn id="7" dur="500"/>
+                                        <p:tgtEl>
+                                          <p:spTgt spid="3"/>
+                                        </p:tgtEl>
+                                      </p:cBhvr>
+                                    </p:animEffect>
+                                  </p:childTnLst>
+                                </p:cTn>
+                              </p:par>
+                            </p:childTnLst>
+                          </p:cTn>
+                        </p:par>
+                        <p:par>
+                          <p:cTn id="8" fill="hold">
+                            <p:stCondLst>
+                              <p:cond delay="500"/>
+                            </p:stCondLst>
+                            <p:childTnLst>
+                              <p:par>
+                                <p:cTn id="9" presetID="22" presetClass="entr" presetSubtype="8" fill="hold" nodeType="afterEffect">
+                                  <p:stCondLst>
+                                    <p:cond delay="0"/>
+                                  </p:stCondLst>
+                                  <p:childTnLst>
+                                    <p:set>
+                                      <p:cBhvr>
+                                        <p:cTn id="10" dur="1" fill="hold">
+                                          <p:stCondLst>
+                                            <p:cond delay="0"/>
+                                          </p:stCondLst>
+                                        </p:cTn>
+                                        <p:tgtEl>
+                                          <p:spTgt spid="4"/>
+                                        </p:tgtEl>
+                                        <p:attrNameLst>
+                                          <p:attrName>style.visibility</p:attrName>
+                                        </p:attrNameLst>
+                                      </p:cBhvr>
+                                      <p:to>
+                                        <p:strVal val="visible"/>
+                                      </p:to>
+                                    </p:set>
+                                    <p:animEffect transition="in" filter="wipe(left)">
+                                      <p:cBhvr>
+                                        <p:cTn id="11" dur="500"/>
+                                        <p:tgtEl>
+                                          <p:spTgt spid="4"/>
+                                        </p:tgtEl>
+                                      </p:cBhvr>
+                                    </p:animEffect>
+                                  </p:childTnLst>
+                                </p:cTn>
+                              </p:par>
+                            </p:childTnLst>
+                          </p:cTn>
+                        </p:par>
+                      </p:childTnLst>
+                    </p:cTn>
+                  </p:par>
+                </p:childTnLst>
+              </p:cTn>
+              <p:prevCondLst>
+                <p:cond evt="onPrev" delay="0">
+                  <p:tgtEl>
+                    <p:sldTgt/>
+                  </p:tgtEl>
+                </p:cond>
+              </p:prevCondLst>
+              <p:nextCondLst>
+                <p:cond evt="onNext" delay="0">
+                  <p:tgtEl>
+                    <p:sldTgt/>
+                  </p:tgtEl>
+                </p:cond>
+              </p:nextCondLst>
+            </p:seq>
+          </p:childTnLst>
+        </p:cTn>
+      </p:par>
+    </p:tnLst>
+  </p:timing>
 </p:sld>
 </file>
 
@@ -16347,7 +19849,7 @@
                 <a:cs typeface="Microsoft Yahei"/>
                 <a:sym typeface="Microsoft Yahei"/>
               </a:rPr>
-              <a:t>系統架構</a:t>
+              <a:t>使用技術</a:t>
             </a:r>
             <a:endParaRPr lang="zh-TW" altLang="en-US" sz="2800" dirty="0">
               <a:solidFill>
@@ -16361,6 +19863,916 @@
           </a:p>
         </p:txBody>
       </p:sp>
+      <p:pic>
+        <p:nvPicPr>
+          <p:cNvPr id="4" name="Google Shape;206;p22">
+            <a:extLst>
+              <a:ext uri="{FF2B5EF4-FFF2-40B4-BE49-F238E27FC236}">
+                <a16:creationId xmlns:a16="http://schemas.microsoft.com/office/drawing/2014/main" id="{01E9EBDF-F98D-15E8-C92F-E6553B62C11C}"/>
+              </a:ext>
+            </a:extLst>
+          </p:cNvPr>
+          <p:cNvPicPr preferRelativeResize="0"/>
+          <p:nvPr/>
+        </p:nvPicPr>
+        <p:blipFill rotWithShape="1">
+          <a:blip r:embed="rId2">
+            <a:alphaModFix/>
+          </a:blip>
+          <a:srcRect/>
+          <a:stretch/>
+        </p:blipFill>
+        <p:spPr>
+          <a:xfrm>
+            <a:off x="1568338" y="4495638"/>
+            <a:ext cx="800400" cy="800400"/>
+          </a:xfrm>
+          <a:prstGeom prst="rect">
+            <a:avLst/>
+          </a:prstGeom>
+          <a:noFill/>
+          <a:ln>
+            <a:noFill/>
+          </a:ln>
+        </p:spPr>
+      </p:pic>
+      <p:cxnSp>
+        <p:nvCxnSpPr>
+          <p:cNvPr id="5" name="Google Shape;207;p22">
+            <a:extLst>
+              <a:ext uri="{FF2B5EF4-FFF2-40B4-BE49-F238E27FC236}">
+                <a16:creationId xmlns:a16="http://schemas.microsoft.com/office/drawing/2014/main" id="{1FD20A7D-59F3-01DB-7CB1-F42B8B907F69}"/>
+              </a:ext>
+            </a:extLst>
+          </p:cNvPr>
+          <p:cNvCxnSpPr/>
+          <p:nvPr/>
+        </p:nvCxnSpPr>
+        <p:spPr>
+          <a:xfrm flipH="1">
+            <a:off x="3835318" y="1647827"/>
+            <a:ext cx="25500" cy="4872900"/>
+          </a:xfrm>
+          <a:prstGeom prst="straightConnector1">
+            <a:avLst/>
+          </a:prstGeom>
+          <a:noFill/>
+          <a:ln w="19050" cap="rnd" cmpd="sng">
+            <a:solidFill>
+              <a:srgbClr val="7F7F7F"/>
+            </a:solidFill>
+            <a:prstDash val="dash"/>
+            <a:round/>
+            <a:headEnd type="none" w="sm" len="sm"/>
+            <a:tailEnd type="none" w="sm" len="sm"/>
+          </a:ln>
+        </p:spPr>
+      </p:cxnSp>
+      <p:grpSp>
+        <p:nvGrpSpPr>
+          <p:cNvPr id="6" name="Google Shape;208;p22">
+            <a:extLst>
+              <a:ext uri="{FF2B5EF4-FFF2-40B4-BE49-F238E27FC236}">
+                <a16:creationId xmlns:a16="http://schemas.microsoft.com/office/drawing/2014/main" id="{6FA5A5B5-BD3D-9BCA-50D4-D17BDE098FA4}"/>
+              </a:ext>
+            </a:extLst>
+          </p:cNvPr>
+          <p:cNvGrpSpPr/>
+          <p:nvPr/>
+        </p:nvGrpSpPr>
+        <p:grpSpPr>
+          <a:xfrm>
+            <a:off x="1020904" y="1647827"/>
+            <a:ext cx="1980000" cy="1980000"/>
+            <a:chOff x="1025663" y="1759550"/>
+            <a:chExt cx="2169912" cy="1851600"/>
+          </a:xfrm>
+        </p:grpSpPr>
+        <p:sp>
+          <p:nvSpPr>
+            <p:cNvPr id="7" name="Google Shape;209;p22">
+              <a:extLst>
+                <a:ext uri="{FF2B5EF4-FFF2-40B4-BE49-F238E27FC236}">
+                  <a16:creationId xmlns:a16="http://schemas.microsoft.com/office/drawing/2014/main" id="{32251268-E1B8-FB8C-D09F-BCF4C0F280FA}"/>
+                </a:ext>
+              </a:extLst>
+            </p:cNvPr>
+            <p:cNvSpPr/>
+            <p:nvPr/>
+          </p:nvSpPr>
+          <p:spPr>
+            <a:xfrm>
+              <a:off x="1025663" y="1759550"/>
+              <a:ext cx="2169912" cy="1851600"/>
+            </a:xfrm>
+            <a:prstGeom prst="ellipse">
+              <a:avLst/>
+            </a:prstGeom>
+            <a:solidFill>
+              <a:srgbClr val="97CCD4"/>
+            </a:solidFill>
+            <a:ln w="9525" cap="flat" cmpd="sng">
+              <a:solidFill>
+                <a:srgbClr val="97CCD4"/>
+              </a:solidFill>
+              <a:prstDash val="solid"/>
+              <a:round/>
+              <a:headEnd type="none" w="sm" len="sm"/>
+              <a:tailEnd type="none" w="sm" len="sm"/>
+            </a:ln>
+          </p:spPr>
+          <p:txBody>
+            <a:bodyPr spcFirstLastPara="1" wrap="square" lIns="91425" tIns="91425" rIns="91425" bIns="91425" anchor="ctr" anchorCtr="0">
+              <a:noAutofit/>
+            </a:bodyPr>
+            <a:lstStyle/>
+            <a:p>
+              <a:pPr marL="0" marR="0" lvl="0" indent="0" algn="ctr" rtl="0">
+                <a:lnSpc>
+                  <a:spcPct val="100000"/>
+                </a:lnSpc>
+                <a:spcBef>
+                  <a:spcPts val="0"/>
+                </a:spcBef>
+                <a:spcAft>
+                  <a:spcPts val="0"/>
+                </a:spcAft>
+                <a:buClr>
+                  <a:srgbClr val="000000"/>
+                </a:buClr>
+                <a:buSzPts val="200"/>
+                <a:buFont typeface="Arial"/>
+                <a:buNone/>
+              </a:pPr>
+              <a:endParaRPr sz="200" b="0" i="0" u="none" strike="noStrike" cap="none">
+                <a:solidFill>
+                  <a:schemeClr val="lt1"/>
+                </a:solidFill>
+                <a:latin typeface="Microsoft Yahei"/>
+                <a:ea typeface="Microsoft Yahei"/>
+                <a:cs typeface="Microsoft Yahei"/>
+                <a:sym typeface="Microsoft Yahei"/>
+              </a:endParaRPr>
+            </a:p>
+          </p:txBody>
+        </p:sp>
+        <p:sp>
+          <p:nvSpPr>
+            <p:cNvPr id="8" name="Google Shape;210;p22">
+              <a:extLst>
+                <a:ext uri="{FF2B5EF4-FFF2-40B4-BE49-F238E27FC236}">
+                  <a16:creationId xmlns:a16="http://schemas.microsoft.com/office/drawing/2014/main" id="{07F1B2CB-E6EB-35C2-EC6D-FB353C491658}"/>
+                </a:ext>
+              </a:extLst>
+            </p:cNvPr>
+            <p:cNvSpPr txBox="1"/>
+            <p:nvPr/>
+          </p:nvSpPr>
+          <p:spPr>
+            <a:xfrm>
+              <a:off x="1025675" y="2371593"/>
+              <a:ext cx="2169900" cy="661953"/>
+            </a:xfrm>
+            <a:prstGeom prst="rect">
+              <a:avLst/>
+            </a:prstGeom>
+            <a:noFill/>
+            <a:ln>
+              <a:noFill/>
+            </a:ln>
+          </p:spPr>
+          <p:txBody>
+            <a:bodyPr spcFirstLastPara="1" wrap="square" lIns="91425" tIns="91425" rIns="91425" bIns="91425" anchor="t" anchorCtr="0">
+              <a:spAutoFit/>
+            </a:bodyPr>
+            <a:lstStyle/>
+            <a:p>
+              <a:pPr marL="0" marR="0" lvl="0" indent="0" algn="ctr" rtl="0">
+                <a:lnSpc>
+                  <a:spcPct val="100000"/>
+                </a:lnSpc>
+                <a:spcBef>
+                  <a:spcPts val="0"/>
+                </a:spcBef>
+                <a:spcAft>
+                  <a:spcPts val="0"/>
+                </a:spcAft>
+                <a:buClr>
+                  <a:srgbClr val="000000"/>
+                </a:buClr>
+                <a:buSzPts val="3400"/>
+                <a:buFont typeface="Arial"/>
+                <a:buNone/>
+              </a:pPr>
+              <a:r>
+                <a:rPr lang="en-US" sz="3400" i="0" u="none" strike="noStrike" cap="none" dirty="0" err="1">
+                  <a:solidFill>
+                    <a:schemeClr val="lt1"/>
+                  </a:solidFill>
+                  <a:latin typeface="Microsoft Yahei"/>
+                  <a:ea typeface="Microsoft Yahei"/>
+                  <a:cs typeface="Microsoft Yahei"/>
+                  <a:sym typeface="Microsoft Yahei"/>
+                </a:rPr>
+                <a:t>開發工具</a:t>
+              </a:r>
+              <a:endParaRPr sz="200" i="0" u="none" strike="noStrike" cap="none" dirty="0">
+                <a:solidFill>
+                  <a:srgbClr val="000000"/>
+                </a:solidFill>
+                <a:latin typeface="Arial"/>
+                <a:ea typeface="Arial"/>
+                <a:cs typeface="Arial"/>
+                <a:sym typeface="Arial"/>
+              </a:endParaRPr>
+            </a:p>
+          </p:txBody>
+        </p:sp>
+      </p:grpSp>
+      <p:pic>
+        <p:nvPicPr>
+          <p:cNvPr id="9" name="Google Shape;211;p22">
+            <a:extLst>
+              <a:ext uri="{FF2B5EF4-FFF2-40B4-BE49-F238E27FC236}">
+                <a16:creationId xmlns:a16="http://schemas.microsoft.com/office/drawing/2014/main" id="{5AF837B3-A50D-0AD2-C080-19F8D8A5525E}"/>
+              </a:ext>
+            </a:extLst>
+          </p:cNvPr>
+          <p:cNvPicPr preferRelativeResize="0"/>
+          <p:nvPr/>
+        </p:nvPicPr>
+        <p:blipFill rotWithShape="1">
+          <a:blip r:embed="rId3">
+            <a:alphaModFix/>
+          </a:blip>
+          <a:srcRect/>
+          <a:stretch/>
+        </p:blipFill>
+        <p:spPr>
+          <a:xfrm>
+            <a:off x="1737797" y="3803451"/>
+            <a:ext cx="461482" cy="358240"/>
+          </a:xfrm>
+          <a:prstGeom prst="rect">
+            <a:avLst/>
+          </a:prstGeom>
+          <a:noFill/>
+          <a:ln>
+            <a:noFill/>
+          </a:ln>
+        </p:spPr>
+      </p:pic>
+      <p:grpSp>
+        <p:nvGrpSpPr>
+          <p:cNvPr id="10" name="Google Shape;212;p22">
+            <a:extLst>
+              <a:ext uri="{FF2B5EF4-FFF2-40B4-BE49-F238E27FC236}">
+                <a16:creationId xmlns:a16="http://schemas.microsoft.com/office/drawing/2014/main" id="{23778554-12EF-5B24-22B5-5877C16AC0E3}"/>
+              </a:ext>
+            </a:extLst>
+          </p:cNvPr>
+          <p:cNvGrpSpPr/>
+          <p:nvPr/>
+        </p:nvGrpSpPr>
+        <p:grpSpPr>
+          <a:xfrm>
+            <a:off x="4843786" y="1618277"/>
+            <a:ext cx="1980000" cy="1980000"/>
+            <a:chOff x="988081" y="1648677"/>
+            <a:chExt cx="2004600" cy="1851600"/>
+          </a:xfrm>
+        </p:grpSpPr>
+        <p:sp>
+          <p:nvSpPr>
+            <p:cNvPr id="11" name="Google Shape;213;p22">
+              <a:extLst>
+                <a:ext uri="{FF2B5EF4-FFF2-40B4-BE49-F238E27FC236}">
+                  <a16:creationId xmlns:a16="http://schemas.microsoft.com/office/drawing/2014/main" id="{FC7131BD-CB8C-C20F-AFDC-05CFE61A38A3}"/>
+                </a:ext>
+              </a:extLst>
+            </p:cNvPr>
+            <p:cNvSpPr/>
+            <p:nvPr/>
+          </p:nvSpPr>
+          <p:spPr>
+            <a:xfrm>
+              <a:off x="988081" y="1648677"/>
+              <a:ext cx="2004600" cy="1851600"/>
+            </a:xfrm>
+            <a:prstGeom prst="ellipse">
+              <a:avLst/>
+            </a:prstGeom>
+            <a:solidFill>
+              <a:srgbClr val="97CCD4"/>
+            </a:solidFill>
+            <a:ln w="9525" cap="flat" cmpd="sng">
+              <a:solidFill>
+                <a:srgbClr val="97CCD4"/>
+              </a:solidFill>
+              <a:prstDash val="solid"/>
+              <a:round/>
+              <a:headEnd type="none" w="sm" len="sm"/>
+              <a:tailEnd type="none" w="sm" len="sm"/>
+            </a:ln>
+          </p:spPr>
+          <p:txBody>
+            <a:bodyPr spcFirstLastPara="1" wrap="square" lIns="91425" tIns="91425" rIns="91425" bIns="91425" anchor="ctr" anchorCtr="0">
+              <a:noAutofit/>
+            </a:bodyPr>
+            <a:lstStyle/>
+            <a:p>
+              <a:pPr marL="0" marR="0" lvl="0" indent="0" algn="ctr" rtl="0">
+                <a:lnSpc>
+                  <a:spcPct val="100000"/>
+                </a:lnSpc>
+                <a:spcBef>
+                  <a:spcPts val="0"/>
+                </a:spcBef>
+                <a:spcAft>
+                  <a:spcPts val="0"/>
+                </a:spcAft>
+                <a:buClr>
+                  <a:srgbClr val="000000"/>
+                </a:buClr>
+                <a:buSzPts val="200"/>
+                <a:buFont typeface="Arial"/>
+                <a:buNone/>
+              </a:pPr>
+              <a:endParaRPr sz="200" b="0" i="0" u="none" strike="noStrike" cap="none">
+                <a:solidFill>
+                  <a:schemeClr val="lt1"/>
+                </a:solidFill>
+                <a:latin typeface="Microsoft Yahei"/>
+                <a:ea typeface="Microsoft Yahei"/>
+                <a:cs typeface="Microsoft Yahei"/>
+                <a:sym typeface="Microsoft Yahei"/>
+              </a:endParaRPr>
+            </a:p>
+          </p:txBody>
+        </p:sp>
+        <p:sp>
+          <p:nvSpPr>
+            <p:cNvPr id="12" name="Google Shape;214;p22">
+              <a:extLst>
+                <a:ext uri="{FF2B5EF4-FFF2-40B4-BE49-F238E27FC236}">
+                  <a16:creationId xmlns:a16="http://schemas.microsoft.com/office/drawing/2014/main" id="{BBFE6352-76FF-CC1A-B9F9-5CA6DF1DD43A}"/>
+                </a:ext>
+              </a:extLst>
+            </p:cNvPr>
+            <p:cNvSpPr txBox="1"/>
+            <p:nvPr/>
+          </p:nvSpPr>
+          <p:spPr>
+            <a:xfrm>
+              <a:off x="1167479" y="2192911"/>
+              <a:ext cx="1645800" cy="818400"/>
+            </a:xfrm>
+            <a:prstGeom prst="rect">
+              <a:avLst/>
+            </a:prstGeom>
+            <a:noFill/>
+            <a:ln>
+              <a:noFill/>
+            </a:ln>
+          </p:spPr>
+          <p:txBody>
+            <a:bodyPr spcFirstLastPara="1" wrap="square" lIns="91425" tIns="91425" rIns="91425" bIns="91425" anchor="t" anchorCtr="0">
+              <a:spAutoFit/>
+            </a:bodyPr>
+            <a:lstStyle/>
+            <a:p>
+              <a:pPr marL="0" marR="0" lvl="0" indent="0" algn="ctr" rtl="0">
+                <a:lnSpc>
+                  <a:spcPct val="100000"/>
+                </a:lnSpc>
+                <a:spcBef>
+                  <a:spcPts val="0"/>
+                </a:spcBef>
+                <a:spcAft>
+                  <a:spcPts val="0"/>
+                </a:spcAft>
+                <a:buClr>
+                  <a:srgbClr val="000000"/>
+                </a:buClr>
+                <a:buSzPts val="3800"/>
+                <a:buFont typeface="Arial"/>
+                <a:buNone/>
+              </a:pPr>
+              <a:r>
+                <a:rPr lang="en-US" sz="3800" b="0" i="0" u="none" strike="noStrike" cap="none" dirty="0" err="1">
+                  <a:solidFill>
+                    <a:schemeClr val="lt1"/>
+                  </a:solidFill>
+                  <a:latin typeface="Microsoft Yahei"/>
+                  <a:ea typeface="Microsoft Yahei"/>
+                  <a:cs typeface="Microsoft Yahei"/>
+                  <a:sym typeface="Microsoft Yahei"/>
+                </a:rPr>
+                <a:t>前端</a:t>
+              </a:r>
+              <a:endParaRPr sz="600" b="0" i="0" u="none" strike="noStrike" cap="none" dirty="0">
+                <a:solidFill>
+                  <a:srgbClr val="000000"/>
+                </a:solidFill>
+                <a:latin typeface="Arial"/>
+                <a:ea typeface="Arial"/>
+                <a:cs typeface="Arial"/>
+                <a:sym typeface="Arial"/>
+              </a:endParaRPr>
+            </a:p>
+          </p:txBody>
+        </p:sp>
+      </p:grpSp>
+      <p:grpSp>
+        <p:nvGrpSpPr>
+          <p:cNvPr id="13" name="Google Shape;215;p22">
+            <a:extLst>
+              <a:ext uri="{FF2B5EF4-FFF2-40B4-BE49-F238E27FC236}">
+                <a16:creationId xmlns:a16="http://schemas.microsoft.com/office/drawing/2014/main" id="{D2D44CFC-0974-DFFF-02E2-E1C8D801536A}"/>
+              </a:ext>
+            </a:extLst>
+          </p:cNvPr>
+          <p:cNvGrpSpPr/>
+          <p:nvPr/>
+        </p:nvGrpSpPr>
+        <p:grpSpPr>
+          <a:xfrm>
+            <a:off x="8652308" y="1618277"/>
+            <a:ext cx="1980000" cy="1980000"/>
+            <a:chOff x="1025663" y="1759550"/>
+            <a:chExt cx="2004600" cy="1851600"/>
+          </a:xfrm>
+        </p:grpSpPr>
+        <p:sp>
+          <p:nvSpPr>
+            <p:cNvPr id="14" name="Google Shape;216;p22">
+              <a:extLst>
+                <a:ext uri="{FF2B5EF4-FFF2-40B4-BE49-F238E27FC236}">
+                  <a16:creationId xmlns:a16="http://schemas.microsoft.com/office/drawing/2014/main" id="{E7C70028-317F-8800-5EEC-640A3D9CFABD}"/>
+                </a:ext>
+              </a:extLst>
+            </p:cNvPr>
+            <p:cNvSpPr/>
+            <p:nvPr/>
+          </p:nvSpPr>
+          <p:spPr>
+            <a:xfrm>
+              <a:off x="1025663" y="1759550"/>
+              <a:ext cx="2004600" cy="1851600"/>
+            </a:xfrm>
+            <a:prstGeom prst="ellipse">
+              <a:avLst/>
+            </a:prstGeom>
+            <a:solidFill>
+              <a:srgbClr val="97CCD4"/>
+            </a:solidFill>
+            <a:ln w="9525" cap="flat" cmpd="sng">
+              <a:solidFill>
+                <a:srgbClr val="97CCD4"/>
+              </a:solidFill>
+              <a:prstDash val="solid"/>
+              <a:round/>
+              <a:headEnd type="none" w="sm" len="sm"/>
+              <a:tailEnd type="none" w="sm" len="sm"/>
+            </a:ln>
+          </p:spPr>
+          <p:txBody>
+            <a:bodyPr spcFirstLastPara="1" wrap="square" lIns="91425" tIns="91425" rIns="91425" bIns="91425" anchor="ctr" anchorCtr="0">
+              <a:noAutofit/>
+            </a:bodyPr>
+            <a:lstStyle/>
+            <a:p>
+              <a:pPr marL="0" marR="0" lvl="0" indent="0" algn="ctr" rtl="0">
+                <a:lnSpc>
+                  <a:spcPct val="100000"/>
+                </a:lnSpc>
+                <a:spcBef>
+                  <a:spcPts val="0"/>
+                </a:spcBef>
+                <a:spcAft>
+                  <a:spcPts val="0"/>
+                </a:spcAft>
+                <a:buClr>
+                  <a:srgbClr val="000000"/>
+                </a:buClr>
+                <a:buSzPts val="200"/>
+                <a:buFont typeface="Arial"/>
+                <a:buNone/>
+              </a:pPr>
+              <a:endParaRPr sz="200" b="0" i="0" u="none" strike="noStrike" cap="none">
+                <a:solidFill>
+                  <a:schemeClr val="lt1"/>
+                </a:solidFill>
+                <a:latin typeface="Microsoft Yahei"/>
+                <a:ea typeface="Microsoft Yahei"/>
+                <a:cs typeface="Microsoft Yahei"/>
+                <a:sym typeface="Microsoft Yahei"/>
+              </a:endParaRPr>
+            </a:p>
+          </p:txBody>
+        </p:sp>
+        <p:sp>
+          <p:nvSpPr>
+            <p:cNvPr id="15" name="Google Shape;217;p22">
+              <a:extLst>
+                <a:ext uri="{FF2B5EF4-FFF2-40B4-BE49-F238E27FC236}">
+                  <a16:creationId xmlns:a16="http://schemas.microsoft.com/office/drawing/2014/main" id="{7403FD1F-0371-72AA-BBAF-009024A00744}"/>
+                </a:ext>
+              </a:extLst>
+            </p:cNvPr>
+            <p:cNvSpPr txBox="1"/>
+            <p:nvPr/>
+          </p:nvSpPr>
+          <p:spPr>
+            <a:xfrm>
+              <a:off x="1205062" y="2353225"/>
+              <a:ext cx="1645801" cy="719516"/>
+            </a:xfrm>
+            <a:prstGeom prst="rect">
+              <a:avLst/>
+            </a:prstGeom>
+            <a:noFill/>
+            <a:ln>
+              <a:noFill/>
+            </a:ln>
+          </p:spPr>
+          <p:txBody>
+            <a:bodyPr spcFirstLastPara="1" wrap="square" lIns="91425" tIns="91425" rIns="91425" bIns="91425" anchor="t" anchorCtr="0">
+              <a:spAutoFit/>
+            </a:bodyPr>
+            <a:lstStyle/>
+            <a:p>
+              <a:pPr marL="0" marR="0" lvl="0" indent="0" algn="ctr" rtl="0">
+                <a:lnSpc>
+                  <a:spcPct val="100000"/>
+                </a:lnSpc>
+                <a:spcBef>
+                  <a:spcPts val="0"/>
+                </a:spcBef>
+                <a:spcAft>
+                  <a:spcPts val="0"/>
+                </a:spcAft>
+                <a:buClr>
+                  <a:srgbClr val="000000"/>
+                </a:buClr>
+                <a:buSzPts val="3800"/>
+                <a:buFont typeface="Arial"/>
+                <a:buNone/>
+              </a:pPr>
+              <a:r>
+                <a:rPr lang="en-US" sz="3800" b="0" i="0" u="none" strike="noStrike" cap="none" dirty="0" err="1">
+                  <a:solidFill>
+                    <a:schemeClr val="lt1"/>
+                  </a:solidFill>
+                  <a:latin typeface="Microsoft Yahei"/>
+                  <a:ea typeface="Microsoft Yahei"/>
+                  <a:cs typeface="Microsoft Yahei"/>
+                  <a:sym typeface="Microsoft Yahei"/>
+                </a:rPr>
+                <a:t>後端</a:t>
+              </a:r>
+              <a:endParaRPr sz="600" b="0" i="0" u="none" strike="noStrike" cap="none" dirty="0">
+                <a:solidFill>
+                  <a:srgbClr val="000000"/>
+                </a:solidFill>
+                <a:latin typeface="Arial"/>
+                <a:ea typeface="Arial"/>
+                <a:cs typeface="Arial"/>
+                <a:sym typeface="Arial"/>
+              </a:endParaRPr>
+            </a:p>
+          </p:txBody>
+        </p:sp>
+      </p:grpSp>
+      <p:pic>
+        <p:nvPicPr>
+          <p:cNvPr id="16" name="Google Shape;218;p22">
+            <a:extLst>
+              <a:ext uri="{FF2B5EF4-FFF2-40B4-BE49-F238E27FC236}">
+                <a16:creationId xmlns:a16="http://schemas.microsoft.com/office/drawing/2014/main" id="{9378587C-2785-3BAE-FA43-25DC07927357}"/>
+              </a:ext>
+            </a:extLst>
+          </p:cNvPr>
+          <p:cNvPicPr preferRelativeResize="0"/>
+          <p:nvPr/>
+        </p:nvPicPr>
+        <p:blipFill rotWithShape="1">
+          <a:blip r:embed="rId3">
+            <a:alphaModFix/>
+          </a:blip>
+          <a:srcRect/>
+          <a:stretch/>
+        </p:blipFill>
+        <p:spPr>
+          <a:xfrm>
+            <a:off x="5603042" y="3803451"/>
+            <a:ext cx="461485" cy="358240"/>
+          </a:xfrm>
+          <a:prstGeom prst="rect">
+            <a:avLst/>
+          </a:prstGeom>
+          <a:noFill/>
+          <a:ln>
+            <a:noFill/>
+          </a:ln>
+        </p:spPr>
+      </p:pic>
+      <p:pic>
+        <p:nvPicPr>
+          <p:cNvPr id="17" name="Google Shape;219;p22">
+            <a:extLst>
+              <a:ext uri="{FF2B5EF4-FFF2-40B4-BE49-F238E27FC236}">
+                <a16:creationId xmlns:a16="http://schemas.microsoft.com/office/drawing/2014/main" id="{4EA5DD93-9164-ACBB-5326-03122CB0FFDC}"/>
+              </a:ext>
+            </a:extLst>
+          </p:cNvPr>
+          <p:cNvPicPr preferRelativeResize="0"/>
+          <p:nvPr/>
+        </p:nvPicPr>
+        <p:blipFill rotWithShape="1">
+          <a:blip r:embed="rId3">
+            <a:alphaModFix/>
+          </a:blip>
+          <a:srcRect/>
+          <a:stretch/>
+        </p:blipFill>
+        <p:spPr>
+          <a:xfrm>
+            <a:off x="9424490" y="3834443"/>
+            <a:ext cx="435635" cy="358239"/>
+          </a:xfrm>
+          <a:prstGeom prst="rect">
+            <a:avLst/>
+          </a:prstGeom>
+          <a:noFill/>
+          <a:ln>
+            <a:noFill/>
+          </a:ln>
+        </p:spPr>
+      </p:pic>
+      <p:pic>
+        <p:nvPicPr>
+          <p:cNvPr id="18" name="Google Shape;220;p22">
+            <a:extLst>
+              <a:ext uri="{FF2B5EF4-FFF2-40B4-BE49-F238E27FC236}">
+                <a16:creationId xmlns:a16="http://schemas.microsoft.com/office/drawing/2014/main" id="{C1C5A0F2-0A80-DBC9-0432-EA144AA9367E}"/>
+              </a:ext>
+            </a:extLst>
+          </p:cNvPr>
+          <p:cNvPicPr preferRelativeResize="0"/>
+          <p:nvPr/>
+        </p:nvPicPr>
+        <p:blipFill rotWithShape="1">
+          <a:blip r:embed="rId4">
+            <a:alphaModFix/>
+          </a:blip>
+          <a:srcRect l="24106" r="20476"/>
+          <a:stretch/>
+        </p:blipFill>
+        <p:spPr>
+          <a:xfrm>
+            <a:off x="4781813" y="4366875"/>
+            <a:ext cx="1187199" cy="1121275"/>
+          </a:xfrm>
+          <a:prstGeom prst="rect">
+            <a:avLst/>
+          </a:prstGeom>
+          <a:noFill/>
+          <a:ln>
+            <a:noFill/>
+          </a:ln>
+        </p:spPr>
+      </p:pic>
+      <p:pic>
+        <p:nvPicPr>
+          <p:cNvPr id="19" name="Google Shape;221;p22">
+            <a:extLst>
+              <a:ext uri="{FF2B5EF4-FFF2-40B4-BE49-F238E27FC236}">
+                <a16:creationId xmlns:a16="http://schemas.microsoft.com/office/drawing/2014/main" id="{18DB7B4E-8ECD-99BC-0035-4DB1F40A9D66}"/>
+              </a:ext>
+            </a:extLst>
+          </p:cNvPr>
+          <p:cNvPicPr preferRelativeResize="0"/>
+          <p:nvPr/>
+        </p:nvPicPr>
+        <p:blipFill rotWithShape="1">
+          <a:blip r:embed="rId5">
+            <a:alphaModFix/>
+          </a:blip>
+          <a:srcRect/>
+          <a:stretch/>
+        </p:blipFill>
+        <p:spPr>
+          <a:xfrm>
+            <a:off x="8855150" y="4428848"/>
+            <a:ext cx="934001" cy="933978"/>
+          </a:xfrm>
+          <a:prstGeom prst="rect">
+            <a:avLst/>
+          </a:prstGeom>
+          <a:noFill/>
+          <a:ln>
+            <a:noFill/>
+          </a:ln>
+        </p:spPr>
+      </p:pic>
+      <p:pic>
+        <p:nvPicPr>
+          <p:cNvPr id="20" name="Google Shape;222;p22">
+            <a:extLst>
+              <a:ext uri="{FF2B5EF4-FFF2-40B4-BE49-F238E27FC236}">
+                <a16:creationId xmlns:a16="http://schemas.microsoft.com/office/drawing/2014/main" id="{08900EB8-D957-0A18-EBBE-C9AF79F41621}"/>
+              </a:ext>
+            </a:extLst>
+          </p:cNvPr>
+          <p:cNvPicPr preferRelativeResize="0"/>
+          <p:nvPr/>
+        </p:nvPicPr>
+        <p:blipFill rotWithShape="1">
+          <a:blip r:embed="rId6">
+            <a:alphaModFix/>
+          </a:blip>
+          <a:srcRect l="11588" r="8768"/>
+          <a:stretch/>
+        </p:blipFill>
+        <p:spPr>
+          <a:xfrm>
+            <a:off x="8276113" y="5701025"/>
+            <a:ext cx="1729550" cy="800400"/>
+          </a:xfrm>
+          <a:prstGeom prst="rect">
+            <a:avLst/>
+          </a:prstGeom>
+          <a:noFill/>
+          <a:ln>
+            <a:noFill/>
+          </a:ln>
+        </p:spPr>
+      </p:pic>
+      <p:pic>
+        <p:nvPicPr>
+          <p:cNvPr id="21" name="Google Shape;223;p22">
+            <a:extLst>
+              <a:ext uri="{FF2B5EF4-FFF2-40B4-BE49-F238E27FC236}">
+                <a16:creationId xmlns:a16="http://schemas.microsoft.com/office/drawing/2014/main" id="{27656530-F508-D43F-6132-1B6D241B1866}"/>
+              </a:ext>
+            </a:extLst>
+          </p:cNvPr>
+          <p:cNvPicPr preferRelativeResize="0"/>
+          <p:nvPr/>
+        </p:nvPicPr>
+        <p:blipFill rotWithShape="1">
+          <a:blip r:embed="rId7">
+            <a:alphaModFix/>
+          </a:blip>
+          <a:srcRect/>
+          <a:stretch/>
+        </p:blipFill>
+        <p:spPr>
+          <a:xfrm>
+            <a:off x="10184525" y="4366866"/>
+            <a:ext cx="934000" cy="1057932"/>
+          </a:xfrm>
+          <a:prstGeom prst="rect">
+            <a:avLst/>
+          </a:prstGeom>
+          <a:noFill/>
+          <a:ln>
+            <a:noFill/>
+          </a:ln>
+        </p:spPr>
+      </p:pic>
+      <p:pic>
+        <p:nvPicPr>
+          <p:cNvPr id="22" name="Google Shape;224;p22">
+            <a:extLst>
+              <a:ext uri="{FF2B5EF4-FFF2-40B4-BE49-F238E27FC236}">
+                <a16:creationId xmlns:a16="http://schemas.microsoft.com/office/drawing/2014/main" id="{82C2F954-93BB-F5B6-126C-11649619CF05}"/>
+              </a:ext>
+            </a:extLst>
+          </p:cNvPr>
+          <p:cNvPicPr preferRelativeResize="0"/>
+          <p:nvPr/>
+        </p:nvPicPr>
+        <p:blipFill rotWithShape="1">
+          <a:blip r:embed="rId8">
+            <a:alphaModFix/>
+          </a:blip>
+          <a:srcRect/>
+          <a:stretch/>
+        </p:blipFill>
+        <p:spPr>
+          <a:xfrm>
+            <a:off x="10184527" y="5564674"/>
+            <a:ext cx="1253100" cy="644558"/>
+          </a:xfrm>
+          <a:prstGeom prst="rect">
+            <a:avLst/>
+          </a:prstGeom>
+          <a:noFill/>
+          <a:ln>
+            <a:noFill/>
+          </a:ln>
+        </p:spPr>
+      </p:pic>
+      <p:cxnSp>
+        <p:nvCxnSpPr>
+          <p:cNvPr id="23" name="Google Shape;225;p22">
+            <a:extLst>
+              <a:ext uri="{FF2B5EF4-FFF2-40B4-BE49-F238E27FC236}">
+                <a16:creationId xmlns:a16="http://schemas.microsoft.com/office/drawing/2014/main" id="{119E485F-41EA-BFF2-5C02-2F8120446AD0}"/>
+              </a:ext>
+            </a:extLst>
+          </p:cNvPr>
+          <p:cNvCxnSpPr/>
+          <p:nvPr/>
+        </p:nvCxnSpPr>
+        <p:spPr>
+          <a:xfrm flipH="1">
+            <a:off x="7757738" y="1618277"/>
+            <a:ext cx="25500" cy="4872900"/>
+          </a:xfrm>
+          <a:prstGeom prst="straightConnector1">
+            <a:avLst/>
+          </a:prstGeom>
+          <a:noFill/>
+          <a:ln w="19050" cap="rnd" cmpd="sng">
+            <a:solidFill>
+              <a:srgbClr val="7F7F7F"/>
+            </a:solidFill>
+            <a:prstDash val="dash"/>
+            <a:round/>
+            <a:headEnd type="none" w="sm" len="sm"/>
+            <a:tailEnd type="none" w="sm" len="sm"/>
+          </a:ln>
+        </p:spPr>
+      </p:cxnSp>
+      <p:pic>
+        <p:nvPicPr>
+          <p:cNvPr id="24" name="Google Shape;226;p22">
+            <a:extLst>
+              <a:ext uri="{FF2B5EF4-FFF2-40B4-BE49-F238E27FC236}">
+                <a16:creationId xmlns:a16="http://schemas.microsoft.com/office/drawing/2014/main" id="{A40D11A3-FC4C-0FB7-F11D-E47B3BD938F3}"/>
+              </a:ext>
+            </a:extLst>
+          </p:cNvPr>
+          <p:cNvPicPr preferRelativeResize="0"/>
+          <p:nvPr/>
+        </p:nvPicPr>
+        <p:blipFill rotWithShape="1">
+          <a:blip r:embed="rId9">
+            <a:alphaModFix/>
+          </a:blip>
+          <a:srcRect/>
+          <a:stretch/>
+        </p:blipFill>
+        <p:spPr>
+          <a:xfrm>
+            <a:off x="6124560" y="4366866"/>
+            <a:ext cx="765447" cy="1153274"/>
+          </a:xfrm>
+          <a:prstGeom prst="rect">
+            <a:avLst/>
+          </a:prstGeom>
+          <a:noFill/>
+          <a:ln>
+            <a:noFill/>
+          </a:ln>
+        </p:spPr>
+      </p:pic>
+      <p:pic>
+        <p:nvPicPr>
+          <p:cNvPr id="25" name="Google Shape;227;p22">
+            <a:extLst>
+              <a:ext uri="{FF2B5EF4-FFF2-40B4-BE49-F238E27FC236}">
+                <a16:creationId xmlns:a16="http://schemas.microsoft.com/office/drawing/2014/main" id="{77FF71BD-035D-D08C-422B-2465C209A48B}"/>
+              </a:ext>
+            </a:extLst>
+          </p:cNvPr>
+          <p:cNvPicPr preferRelativeResize="0"/>
+          <p:nvPr/>
+        </p:nvPicPr>
+        <p:blipFill rotWithShape="1">
+          <a:blip r:embed="rId10">
+            <a:alphaModFix/>
+          </a:blip>
+          <a:srcRect/>
+          <a:stretch/>
+        </p:blipFill>
+        <p:spPr>
+          <a:xfrm>
+            <a:off x="4295098" y="5520140"/>
+            <a:ext cx="3195875" cy="824742"/>
+          </a:xfrm>
+          <a:prstGeom prst="rect">
+            <a:avLst/>
+          </a:prstGeom>
+          <a:noFill/>
+          <a:ln>
+            <a:noFill/>
+          </a:ln>
+        </p:spPr>
+      </p:pic>
     </p:spTree>
     <p:extLst>
       <p:ext uri="{BB962C8B-B14F-4D97-AF65-F5344CB8AC3E}">
@@ -16374,6 +20786,752 @@
   <p:transition spd="med">
     <p:pull/>
   </p:transition>
+  <p:timing>
+    <p:tnLst>
+      <p:par>
+        <p:cTn id="1" dur="indefinite" restart="never" nodeType="tmRoot">
+          <p:childTnLst>
+            <p:seq concurrent="1" nextAc="seek">
+              <p:cTn id="2" dur="indefinite" nodeType="mainSeq">
+                <p:childTnLst>
+                  <p:par>
+                    <p:cTn id="3" fill="hold">
+                      <p:stCondLst>
+                        <p:cond delay="indefinite"/>
+                        <p:cond evt="onBegin" delay="0">
+                          <p:tn val="2"/>
+                        </p:cond>
+                      </p:stCondLst>
+                      <p:childTnLst>
+                        <p:par>
+                          <p:cTn id="4" fill="hold">
+                            <p:stCondLst>
+                              <p:cond delay="0"/>
+                            </p:stCondLst>
+                            <p:childTnLst>
+                              <p:par>
+                                <p:cTn id="5" presetID="10" presetClass="entr" presetSubtype="0" fill="hold" nodeType="afterEffect">
+                                  <p:stCondLst>
+                                    <p:cond delay="0"/>
+                                  </p:stCondLst>
+                                  <p:childTnLst>
+                                    <p:set>
+                                      <p:cBhvr>
+                                        <p:cTn id="6" dur="1" fill="hold">
+                                          <p:stCondLst>
+                                            <p:cond delay="0"/>
+                                          </p:stCondLst>
+                                        </p:cTn>
+                                        <p:tgtEl>
+                                          <p:spTgt spid="6"/>
+                                        </p:tgtEl>
+                                        <p:attrNameLst>
+                                          <p:attrName>style.visibility</p:attrName>
+                                        </p:attrNameLst>
+                                      </p:cBhvr>
+                                      <p:to>
+                                        <p:strVal val="visible"/>
+                                      </p:to>
+                                    </p:set>
+                                    <p:animEffect transition="in" filter="fade">
+                                      <p:cBhvr>
+                                        <p:cTn id="7" dur="250"/>
+                                        <p:tgtEl>
+                                          <p:spTgt spid="6"/>
+                                        </p:tgtEl>
+                                      </p:cBhvr>
+                                    </p:animEffect>
+                                  </p:childTnLst>
+                                </p:cTn>
+                              </p:par>
+                            </p:childTnLst>
+                          </p:cTn>
+                        </p:par>
+                        <p:par>
+                          <p:cTn id="8" fill="hold">
+                            <p:stCondLst>
+                              <p:cond delay="250"/>
+                            </p:stCondLst>
+                            <p:childTnLst>
+                              <p:par>
+                                <p:cTn id="9" presetID="10" presetClass="entr" presetSubtype="0" fill="hold" nodeType="afterEffect">
+                                  <p:stCondLst>
+                                    <p:cond delay="0"/>
+                                  </p:stCondLst>
+                                  <p:childTnLst>
+                                    <p:set>
+                                      <p:cBhvr>
+                                        <p:cTn id="10" dur="1" fill="hold">
+                                          <p:stCondLst>
+                                            <p:cond delay="0"/>
+                                          </p:stCondLst>
+                                        </p:cTn>
+                                        <p:tgtEl>
+                                          <p:spTgt spid="9"/>
+                                        </p:tgtEl>
+                                        <p:attrNameLst>
+                                          <p:attrName>style.visibility</p:attrName>
+                                        </p:attrNameLst>
+                                      </p:cBhvr>
+                                      <p:to>
+                                        <p:strVal val="visible"/>
+                                      </p:to>
+                                    </p:set>
+                                    <p:animEffect transition="in" filter="fade">
+                                      <p:cBhvr>
+                                        <p:cTn id="11" dur="500"/>
+                                        <p:tgtEl>
+                                          <p:spTgt spid="9"/>
+                                        </p:tgtEl>
+                                      </p:cBhvr>
+                                    </p:animEffect>
+                                  </p:childTnLst>
+                                </p:cTn>
+                              </p:par>
+                            </p:childTnLst>
+                          </p:cTn>
+                        </p:par>
+                        <p:par>
+                          <p:cTn id="12" fill="hold">
+                            <p:stCondLst>
+                              <p:cond delay="750"/>
+                            </p:stCondLst>
+                            <p:childTnLst>
+                              <p:par>
+                                <p:cTn id="13" presetID="10" presetClass="entr" presetSubtype="0" fill="hold" nodeType="afterEffect">
+                                  <p:stCondLst>
+                                    <p:cond delay="0"/>
+                                  </p:stCondLst>
+                                  <p:childTnLst>
+                                    <p:set>
+                                      <p:cBhvr>
+                                        <p:cTn id="14" dur="1" fill="hold">
+                                          <p:stCondLst>
+                                            <p:cond delay="0"/>
+                                          </p:stCondLst>
+                                        </p:cTn>
+                                        <p:tgtEl>
+                                          <p:spTgt spid="4"/>
+                                        </p:tgtEl>
+                                        <p:attrNameLst>
+                                          <p:attrName>style.visibility</p:attrName>
+                                        </p:attrNameLst>
+                                      </p:cBhvr>
+                                      <p:to>
+                                        <p:strVal val="visible"/>
+                                      </p:to>
+                                    </p:set>
+                                    <p:animEffect transition="in" filter="fade">
+                                      <p:cBhvr>
+                                        <p:cTn id="15" dur="500"/>
+                                        <p:tgtEl>
+                                          <p:spTgt spid="4"/>
+                                        </p:tgtEl>
+                                      </p:cBhvr>
+                                    </p:animEffect>
+                                  </p:childTnLst>
+                                </p:cTn>
+                              </p:par>
+                            </p:childTnLst>
+                          </p:cTn>
+                        </p:par>
+                        <p:par>
+                          <p:cTn id="16" fill="hold">
+                            <p:stCondLst>
+                              <p:cond delay="1250"/>
+                            </p:stCondLst>
+                            <p:childTnLst>
+                              <p:par>
+                                <p:cTn id="17" presetID="10" presetClass="entr" presetSubtype="0" fill="hold" nodeType="afterEffect">
+                                  <p:stCondLst>
+                                    <p:cond delay="0"/>
+                                  </p:stCondLst>
+                                  <p:childTnLst>
+                                    <p:set>
+                                      <p:cBhvr>
+                                        <p:cTn id="18" dur="1" fill="hold">
+                                          <p:stCondLst>
+                                            <p:cond delay="0"/>
+                                          </p:stCondLst>
+                                        </p:cTn>
+                                        <p:tgtEl>
+                                          <p:spTgt spid="5"/>
+                                        </p:tgtEl>
+                                        <p:attrNameLst>
+                                          <p:attrName>style.visibility</p:attrName>
+                                        </p:attrNameLst>
+                                      </p:cBhvr>
+                                      <p:to>
+                                        <p:strVal val="visible"/>
+                                      </p:to>
+                                    </p:set>
+                                    <p:animEffect transition="in" filter="fade">
+                                      <p:cBhvr>
+                                        <p:cTn id="19" dur="750"/>
+                                        <p:tgtEl>
+                                          <p:spTgt spid="5"/>
+                                        </p:tgtEl>
+                                      </p:cBhvr>
+                                    </p:animEffect>
+                                  </p:childTnLst>
+                                </p:cTn>
+                              </p:par>
+                            </p:childTnLst>
+                          </p:cTn>
+                        </p:par>
+                        <p:par>
+                          <p:cTn id="20" fill="hold">
+                            <p:stCondLst>
+                              <p:cond delay="2000"/>
+                            </p:stCondLst>
+                            <p:childTnLst>
+                              <p:par>
+                                <p:cTn id="21" presetID="10" presetClass="entr" presetSubtype="0" fill="hold" nodeType="afterEffect">
+                                  <p:stCondLst>
+                                    <p:cond delay="0"/>
+                                  </p:stCondLst>
+                                  <p:childTnLst>
+                                    <p:set>
+                                      <p:cBhvr>
+                                        <p:cTn id="22" dur="1" fill="hold">
+                                          <p:stCondLst>
+                                            <p:cond delay="0"/>
+                                          </p:stCondLst>
+                                        </p:cTn>
+                                        <p:tgtEl>
+                                          <p:spTgt spid="10"/>
+                                        </p:tgtEl>
+                                        <p:attrNameLst>
+                                          <p:attrName>style.visibility</p:attrName>
+                                        </p:attrNameLst>
+                                      </p:cBhvr>
+                                      <p:to>
+                                        <p:strVal val="visible"/>
+                                      </p:to>
+                                    </p:set>
+                                    <p:animEffect transition="in" filter="fade">
+                                      <p:cBhvr>
+                                        <p:cTn id="23" dur="250"/>
+                                        <p:tgtEl>
+                                          <p:spTgt spid="10"/>
+                                        </p:tgtEl>
+                                      </p:cBhvr>
+                                    </p:animEffect>
+                                  </p:childTnLst>
+                                </p:cTn>
+                              </p:par>
+                            </p:childTnLst>
+                          </p:cTn>
+                        </p:par>
+                        <p:par>
+                          <p:cTn id="24" fill="hold">
+                            <p:stCondLst>
+                              <p:cond delay="2250"/>
+                            </p:stCondLst>
+                            <p:childTnLst>
+                              <p:par>
+                                <p:cTn id="25" presetID="10" presetClass="entr" presetSubtype="0" fill="hold" nodeType="afterEffect">
+                                  <p:stCondLst>
+                                    <p:cond delay="0"/>
+                                  </p:stCondLst>
+                                  <p:childTnLst>
+                                    <p:set>
+                                      <p:cBhvr>
+                                        <p:cTn id="26" dur="1" fill="hold">
+                                          <p:stCondLst>
+                                            <p:cond delay="0"/>
+                                          </p:stCondLst>
+                                        </p:cTn>
+                                        <p:tgtEl>
+                                          <p:spTgt spid="16"/>
+                                        </p:tgtEl>
+                                        <p:attrNameLst>
+                                          <p:attrName>style.visibility</p:attrName>
+                                        </p:attrNameLst>
+                                      </p:cBhvr>
+                                      <p:to>
+                                        <p:strVal val="visible"/>
+                                      </p:to>
+                                    </p:set>
+                                    <p:animEffect transition="in" filter="fade">
+                                      <p:cBhvr>
+                                        <p:cTn id="27" dur="500"/>
+                                        <p:tgtEl>
+                                          <p:spTgt spid="16"/>
+                                        </p:tgtEl>
+                                      </p:cBhvr>
+                                    </p:animEffect>
+                                  </p:childTnLst>
+                                </p:cTn>
+                              </p:par>
+                            </p:childTnLst>
+                          </p:cTn>
+                        </p:par>
+                        <p:par>
+                          <p:cTn id="28" fill="hold">
+                            <p:stCondLst>
+                              <p:cond delay="2750"/>
+                            </p:stCondLst>
+                            <p:childTnLst>
+                              <p:par>
+                                <p:cTn id="29" presetID="10" presetClass="entr" presetSubtype="0" fill="hold" nodeType="afterEffect">
+                                  <p:stCondLst>
+                                    <p:cond delay="0"/>
+                                  </p:stCondLst>
+                                  <p:childTnLst>
+                                    <p:set>
+                                      <p:cBhvr>
+                                        <p:cTn id="30" dur="1" fill="hold">
+                                          <p:stCondLst>
+                                            <p:cond delay="0"/>
+                                          </p:stCondLst>
+                                        </p:cTn>
+                                        <p:tgtEl>
+                                          <p:spTgt spid="18"/>
+                                        </p:tgtEl>
+                                        <p:attrNameLst>
+                                          <p:attrName>style.visibility</p:attrName>
+                                        </p:attrNameLst>
+                                      </p:cBhvr>
+                                      <p:to>
+                                        <p:strVal val="visible"/>
+                                      </p:to>
+                                    </p:set>
+                                    <p:animEffect transition="in" filter="fade">
+                                      <p:cBhvr>
+                                        <p:cTn id="31" dur="500"/>
+                                        <p:tgtEl>
+                                          <p:spTgt spid="18"/>
+                                        </p:tgtEl>
+                                      </p:cBhvr>
+                                    </p:animEffect>
+                                  </p:childTnLst>
+                                </p:cTn>
+                              </p:par>
+                            </p:childTnLst>
+                          </p:cTn>
+                        </p:par>
+                        <p:par>
+                          <p:cTn id="32" fill="hold">
+                            <p:stCondLst>
+                              <p:cond delay="3250"/>
+                            </p:stCondLst>
+                            <p:childTnLst>
+                              <p:par>
+                                <p:cTn id="33" presetID="10" presetClass="entr" presetSubtype="0" fill="hold" nodeType="afterEffect">
+                                  <p:stCondLst>
+                                    <p:cond delay="0"/>
+                                  </p:stCondLst>
+                                  <p:childTnLst>
+                                    <p:set>
+                                      <p:cBhvr>
+                                        <p:cTn id="34" dur="1" fill="hold">
+                                          <p:stCondLst>
+                                            <p:cond delay="0"/>
+                                          </p:stCondLst>
+                                        </p:cTn>
+                                        <p:tgtEl>
+                                          <p:spTgt spid="24"/>
+                                        </p:tgtEl>
+                                        <p:attrNameLst>
+                                          <p:attrName>style.visibility</p:attrName>
+                                        </p:attrNameLst>
+                                      </p:cBhvr>
+                                      <p:to>
+                                        <p:strVal val="visible"/>
+                                      </p:to>
+                                    </p:set>
+                                    <p:animEffect transition="in" filter="fade">
+                                      <p:cBhvr>
+                                        <p:cTn id="35" dur="500"/>
+                                        <p:tgtEl>
+                                          <p:spTgt spid="24"/>
+                                        </p:tgtEl>
+                                      </p:cBhvr>
+                                    </p:animEffect>
+                                  </p:childTnLst>
+                                </p:cTn>
+                              </p:par>
+                            </p:childTnLst>
+                          </p:cTn>
+                        </p:par>
+                        <p:par>
+                          <p:cTn id="36" fill="hold">
+                            <p:stCondLst>
+                              <p:cond delay="3750"/>
+                            </p:stCondLst>
+                            <p:childTnLst>
+                              <p:par>
+                                <p:cTn id="37" presetID="10" presetClass="entr" presetSubtype="0" fill="hold" nodeType="afterEffect">
+                                  <p:stCondLst>
+                                    <p:cond delay="0"/>
+                                  </p:stCondLst>
+                                  <p:childTnLst>
+                                    <p:set>
+                                      <p:cBhvr>
+                                        <p:cTn id="38" dur="1" fill="hold">
+                                          <p:stCondLst>
+                                            <p:cond delay="0"/>
+                                          </p:stCondLst>
+                                        </p:cTn>
+                                        <p:tgtEl>
+                                          <p:spTgt spid="25"/>
+                                        </p:tgtEl>
+                                        <p:attrNameLst>
+                                          <p:attrName>style.visibility</p:attrName>
+                                        </p:attrNameLst>
+                                      </p:cBhvr>
+                                      <p:to>
+                                        <p:strVal val="visible"/>
+                                      </p:to>
+                                    </p:set>
+                                    <p:animEffect transition="in" filter="fade">
+                                      <p:cBhvr>
+                                        <p:cTn id="39" dur="500"/>
+                                        <p:tgtEl>
+                                          <p:spTgt spid="25"/>
+                                        </p:tgtEl>
+                                      </p:cBhvr>
+                                    </p:animEffect>
+                                  </p:childTnLst>
+                                </p:cTn>
+                              </p:par>
+                            </p:childTnLst>
+                          </p:cTn>
+                        </p:par>
+                        <p:par>
+                          <p:cTn id="40" fill="hold">
+                            <p:stCondLst>
+                              <p:cond delay="4250"/>
+                            </p:stCondLst>
+                            <p:childTnLst>
+                              <p:par>
+                                <p:cTn id="41" presetID="10" presetClass="entr" presetSubtype="0" fill="hold" nodeType="afterEffect">
+                                  <p:stCondLst>
+                                    <p:cond delay="0"/>
+                                  </p:stCondLst>
+                                  <p:childTnLst>
+                                    <p:set>
+                                      <p:cBhvr>
+                                        <p:cTn id="42" dur="1" fill="hold">
+                                          <p:stCondLst>
+                                            <p:cond delay="0"/>
+                                          </p:stCondLst>
+                                        </p:cTn>
+                                        <p:tgtEl>
+                                          <p:spTgt spid="23"/>
+                                        </p:tgtEl>
+                                        <p:attrNameLst>
+                                          <p:attrName>style.visibility</p:attrName>
+                                        </p:attrNameLst>
+                                      </p:cBhvr>
+                                      <p:to>
+                                        <p:strVal val="visible"/>
+                                      </p:to>
+                                    </p:set>
+                                    <p:animEffect transition="in" filter="fade">
+                                      <p:cBhvr>
+                                        <p:cTn id="43" dur="750"/>
+                                        <p:tgtEl>
+                                          <p:spTgt spid="23"/>
+                                        </p:tgtEl>
+                                      </p:cBhvr>
+                                    </p:animEffect>
+                                  </p:childTnLst>
+                                </p:cTn>
+                              </p:par>
+                            </p:childTnLst>
+                          </p:cTn>
+                        </p:par>
+                        <p:par>
+                          <p:cTn id="44" fill="hold">
+                            <p:stCondLst>
+                              <p:cond delay="5000"/>
+                            </p:stCondLst>
+                            <p:childTnLst>
+                              <p:par>
+                                <p:cTn id="45" presetID="10" presetClass="entr" presetSubtype="0" fill="hold" nodeType="afterEffect">
+                                  <p:stCondLst>
+                                    <p:cond delay="0"/>
+                                  </p:stCondLst>
+                                  <p:childTnLst>
+                                    <p:set>
+                                      <p:cBhvr>
+                                        <p:cTn id="46" dur="1" fill="hold">
+                                          <p:stCondLst>
+                                            <p:cond delay="0"/>
+                                          </p:stCondLst>
+                                        </p:cTn>
+                                        <p:tgtEl>
+                                          <p:spTgt spid="13"/>
+                                        </p:tgtEl>
+                                        <p:attrNameLst>
+                                          <p:attrName>style.visibility</p:attrName>
+                                        </p:attrNameLst>
+                                      </p:cBhvr>
+                                      <p:to>
+                                        <p:strVal val="visible"/>
+                                      </p:to>
+                                    </p:set>
+                                    <p:animEffect transition="in" filter="fade">
+                                      <p:cBhvr>
+                                        <p:cTn id="47" dur="250"/>
+                                        <p:tgtEl>
+                                          <p:spTgt spid="13"/>
+                                        </p:tgtEl>
+                                      </p:cBhvr>
+                                    </p:animEffect>
+                                  </p:childTnLst>
+                                </p:cTn>
+                              </p:par>
+                            </p:childTnLst>
+                          </p:cTn>
+                        </p:par>
+                        <p:par>
+                          <p:cTn id="48" fill="hold">
+                            <p:stCondLst>
+                              <p:cond delay="5250"/>
+                            </p:stCondLst>
+                            <p:childTnLst>
+                              <p:par>
+                                <p:cTn id="49" presetID="10" presetClass="entr" presetSubtype="0" fill="hold" nodeType="afterEffect">
+                                  <p:stCondLst>
+                                    <p:cond delay="0"/>
+                                  </p:stCondLst>
+                                  <p:childTnLst>
+                                    <p:set>
+                                      <p:cBhvr>
+                                        <p:cTn id="50" dur="1" fill="hold">
+                                          <p:stCondLst>
+                                            <p:cond delay="0"/>
+                                          </p:stCondLst>
+                                        </p:cTn>
+                                        <p:tgtEl>
+                                          <p:spTgt spid="17"/>
+                                        </p:tgtEl>
+                                        <p:attrNameLst>
+                                          <p:attrName>style.visibility</p:attrName>
+                                        </p:attrNameLst>
+                                      </p:cBhvr>
+                                      <p:to>
+                                        <p:strVal val="visible"/>
+                                      </p:to>
+                                    </p:set>
+                                    <p:animEffect transition="in" filter="fade">
+                                      <p:cBhvr>
+                                        <p:cTn id="51" dur="500"/>
+                                        <p:tgtEl>
+                                          <p:spTgt spid="17"/>
+                                        </p:tgtEl>
+                                      </p:cBhvr>
+                                    </p:animEffect>
+                                  </p:childTnLst>
+                                </p:cTn>
+                              </p:par>
+                            </p:childTnLst>
+                          </p:cTn>
+                        </p:par>
+                        <p:par>
+                          <p:cTn id="52" fill="hold">
+                            <p:stCondLst>
+                              <p:cond delay="5750"/>
+                            </p:stCondLst>
+                            <p:childTnLst>
+                              <p:par>
+                                <p:cTn id="53" presetID="10" presetClass="entr" presetSubtype="0" fill="hold" nodeType="afterEffect">
+                                  <p:stCondLst>
+                                    <p:cond delay="0"/>
+                                  </p:stCondLst>
+                                  <p:childTnLst>
+                                    <p:set>
+                                      <p:cBhvr>
+                                        <p:cTn id="54" dur="1" fill="hold">
+                                          <p:stCondLst>
+                                            <p:cond delay="0"/>
+                                          </p:stCondLst>
+                                        </p:cTn>
+                                        <p:tgtEl>
+                                          <p:spTgt spid="19"/>
+                                        </p:tgtEl>
+                                        <p:attrNameLst>
+                                          <p:attrName>style.visibility</p:attrName>
+                                        </p:attrNameLst>
+                                      </p:cBhvr>
+                                      <p:to>
+                                        <p:strVal val="visible"/>
+                                      </p:to>
+                                    </p:set>
+                                    <p:animEffect transition="in" filter="fade">
+                                      <p:cBhvr>
+                                        <p:cTn id="55" dur="500"/>
+                                        <p:tgtEl>
+                                          <p:spTgt spid="19"/>
+                                        </p:tgtEl>
+                                      </p:cBhvr>
+                                    </p:animEffect>
+                                  </p:childTnLst>
+                                </p:cTn>
+                              </p:par>
+                            </p:childTnLst>
+                          </p:cTn>
+                        </p:par>
+                        <p:par>
+                          <p:cTn id="56" fill="hold">
+                            <p:stCondLst>
+                              <p:cond delay="6250"/>
+                            </p:stCondLst>
+                            <p:childTnLst>
+                              <p:par>
+                                <p:cTn id="57" presetID="10" presetClass="entr" presetSubtype="0" fill="hold" nodeType="afterEffect">
+                                  <p:stCondLst>
+                                    <p:cond delay="0"/>
+                                  </p:stCondLst>
+                                  <p:childTnLst>
+                                    <p:set>
+                                      <p:cBhvr>
+                                        <p:cTn id="58" dur="1" fill="hold">
+                                          <p:stCondLst>
+                                            <p:cond delay="0"/>
+                                          </p:stCondLst>
+                                        </p:cTn>
+                                        <p:tgtEl>
+                                          <p:spTgt spid="21"/>
+                                        </p:tgtEl>
+                                        <p:attrNameLst>
+                                          <p:attrName>style.visibility</p:attrName>
+                                        </p:attrNameLst>
+                                      </p:cBhvr>
+                                      <p:to>
+                                        <p:strVal val="visible"/>
+                                      </p:to>
+                                    </p:set>
+                                    <p:animEffect transition="in" filter="fade">
+                                      <p:cBhvr>
+                                        <p:cTn id="59" dur="500"/>
+                                        <p:tgtEl>
+                                          <p:spTgt spid="21"/>
+                                        </p:tgtEl>
+                                      </p:cBhvr>
+                                    </p:animEffect>
+                                  </p:childTnLst>
+                                </p:cTn>
+                              </p:par>
+                            </p:childTnLst>
+                          </p:cTn>
+                        </p:par>
+                        <p:par>
+                          <p:cTn id="60" fill="hold">
+                            <p:stCondLst>
+                              <p:cond delay="6750"/>
+                            </p:stCondLst>
+                            <p:childTnLst>
+                              <p:par>
+                                <p:cTn id="61" presetID="10" presetClass="entr" presetSubtype="0" fill="hold" nodeType="afterEffect">
+                                  <p:stCondLst>
+                                    <p:cond delay="0"/>
+                                  </p:stCondLst>
+                                  <p:childTnLst>
+                                    <p:set>
+                                      <p:cBhvr>
+                                        <p:cTn id="62" dur="1" fill="hold">
+                                          <p:stCondLst>
+                                            <p:cond delay="0"/>
+                                          </p:stCondLst>
+                                        </p:cTn>
+                                        <p:tgtEl>
+                                          <p:spTgt spid="20"/>
+                                        </p:tgtEl>
+                                        <p:attrNameLst>
+                                          <p:attrName>style.visibility</p:attrName>
+                                        </p:attrNameLst>
+                                      </p:cBhvr>
+                                      <p:to>
+                                        <p:strVal val="visible"/>
+                                      </p:to>
+                                    </p:set>
+                                    <p:animEffect transition="in" filter="fade">
+                                      <p:cBhvr>
+                                        <p:cTn id="63" dur="500"/>
+                                        <p:tgtEl>
+                                          <p:spTgt spid="20"/>
+                                        </p:tgtEl>
+                                      </p:cBhvr>
+                                    </p:animEffect>
+                                  </p:childTnLst>
+                                </p:cTn>
+                              </p:par>
+                            </p:childTnLst>
+                          </p:cTn>
+                        </p:par>
+                        <p:par>
+                          <p:cTn id="64" fill="hold">
+                            <p:stCondLst>
+                              <p:cond delay="7250"/>
+                            </p:stCondLst>
+                            <p:childTnLst>
+                              <p:par>
+                                <p:cTn id="65" presetID="10" presetClass="entr" presetSubtype="0" fill="hold" nodeType="afterEffect">
+                                  <p:stCondLst>
+                                    <p:cond delay="0"/>
+                                  </p:stCondLst>
+                                  <p:childTnLst>
+                                    <p:set>
+                                      <p:cBhvr>
+                                        <p:cTn id="66" dur="1" fill="hold">
+                                          <p:stCondLst>
+                                            <p:cond delay="0"/>
+                                          </p:stCondLst>
+                                        </p:cTn>
+                                        <p:tgtEl>
+                                          <p:spTgt spid="22"/>
+                                        </p:tgtEl>
+                                        <p:attrNameLst>
+                                          <p:attrName>style.visibility</p:attrName>
+                                        </p:attrNameLst>
+                                      </p:cBhvr>
+                                      <p:to>
+                                        <p:strVal val="visible"/>
+                                      </p:to>
+                                    </p:set>
+                                    <p:animEffect transition="in" filter="fade">
+                                      <p:cBhvr>
+                                        <p:cTn id="67" dur="500"/>
+                                        <p:tgtEl>
+                                          <p:spTgt spid="22"/>
+                                        </p:tgtEl>
+                                      </p:cBhvr>
+                                    </p:animEffect>
+                                  </p:childTnLst>
+                                </p:cTn>
+                              </p:par>
+                            </p:childTnLst>
+                          </p:cTn>
+                        </p:par>
+                      </p:childTnLst>
+                    </p:cTn>
+                  </p:par>
+                </p:childTnLst>
+              </p:cTn>
+              <p:prevCondLst>
+                <p:cond evt="onPrev" delay="0">
+                  <p:tgtEl>
+                    <p:sldTgt/>
+                  </p:tgtEl>
+                </p:cond>
+              </p:prevCondLst>
+              <p:nextCondLst>
+                <p:cond evt="onNext" delay="0">
+                  <p:tgtEl>
+                    <p:sldTgt/>
+                  </p:tgtEl>
+                </p:cond>
+              </p:nextCondLst>
+            </p:seq>
+          </p:childTnLst>
+        </p:cTn>
+      </p:par>
+    </p:tnLst>
+  </p:timing>
 </p:sld>
 </file>
 
